--- a/Data-Warehouse.pptx
+++ b/Data-Warehouse.pptx
@@ -8,13 +8,27 @@
     <p:sldId id="257" r:id="rId2"/>
     <p:sldId id="258" r:id="rId3"/>
     <p:sldId id="259" r:id="rId4"/>
-    <p:sldId id="261" r:id="rId5"/>
-    <p:sldId id="260" r:id="rId6"/>
-    <p:sldId id="263" r:id="rId7"/>
-    <p:sldId id="265" r:id="rId8"/>
-    <p:sldId id="266" r:id="rId9"/>
-    <p:sldId id="264" r:id="rId10"/>
-    <p:sldId id="268" r:id="rId11"/>
+    <p:sldId id="260" r:id="rId5"/>
+    <p:sldId id="261" r:id="rId6"/>
+    <p:sldId id="278" r:id="rId7"/>
+    <p:sldId id="279" r:id="rId8"/>
+    <p:sldId id="280" r:id="rId9"/>
+    <p:sldId id="282" r:id="rId10"/>
+    <p:sldId id="281" r:id="rId11"/>
+    <p:sldId id="283" r:id="rId12"/>
+    <p:sldId id="263" r:id="rId13"/>
+    <p:sldId id="273" r:id="rId14"/>
+    <p:sldId id="276" r:id="rId15"/>
+    <p:sldId id="277" r:id="rId16"/>
+    <p:sldId id="265" r:id="rId17"/>
+    <p:sldId id="285" r:id="rId18"/>
+    <p:sldId id="284" r:id="rId19"/>
+    <p:sldId id="274" r:id="rId20"/>
+    <p:sldId id="266" r:id="rId21"/>
+    <p:sldId id="270" r:id="rId22"/>
+    <p:sldId id="286" r:id="rId23"/>
+    <p:sldId id="287" r:id="rId24"/>
+    <p:sldId id="268" r:id="rId25"/>
   </p:sldIdLst>
   <p:sldSz cx="12192000" cy="6858000"/>
   <p:notesSz cx="6858000" cy="9144000"/>
@@ -113,7 +127,16 @@
       </a:defRPr>
     </a:lvl9pPr>
   </p:defaultTextStyle>
+  <p:extLst>
+    <p:ext uri="{EFAFB233-063F-42B5-8137-9DF3F51BA10A}">
+      <p15:sldGuideLst xmlns:p15="http://schemas.microsoft.com/office/powerpoint/2012/main"/>
+    </p:ext>
+  </p:extLst>
 </p:presentation>
+</file>
+
+<file path=ppt/revisionInfo.xml><?xml version="1.0" encoding="utf-8"?>
+<p1510:revInfo xmlns:a="http://schemas.openxmlformats.org/drawingml/2006/main" xmlns:r="http://schemas.openxmlformats.org/officeDocument/2006/relationships" xmlns:p1510="http://schemas.microsoft.com/office/powerpoint/2015/10/main"/>
 </file>
 
 <file path=ppt/slideLayouts/slideLayout1.xml><?xml version="1.0" encoding="utf-8"?>
@@ -161,7 +184,6 @@
               <a:rPr lang="pt-PT"/>
               <a:t>Clique para editar o estilo de título do Modelo Global</a:t>
             </a:r>
-            <a:endParaRPr lang="pt-PT"/>
           </a:p>
         </p:txBody>
       </p:sp>
@@ -226,7 +248,6 @@
               <a:rPr lang="pt-PT"/>
               <a:t>Clique para editar o estilo do subtítulo do Modelo Global</a:t>
             </a:r>
-            <a:endParaRPr lang="pt-PT"/>
           </a:p>
         </p:txBody>
       </p:sp>
@@ -247,7 +268,7 @@
           <a:p>
             <a:fld id="{9764A7E5-28DE-4213-A5F5-0F47ED4C2E95}" type="datetimeFigureOut">
               <a:rPr lang="pt-PT" smtClean="0"/>
-              <a:t>17/05/2017</a:t>
+              <a:t>21/05/2017</a:t>
             </a:fld>
             <a:endParaRPr lang="pt-PT"/>
           </a:p>
@@ -344,7 +365,6 @@
               <a:rPr lang="pt-PT"/>
               <a:t>Clique para editar o estilo de título do Modelo Global</a:t>
             </a:r>
-            <a:endParaRPr lang="pt-PT"/>
           </a:p>
         </p:txBody>
       </p:sp>
@@ -396,7 +416,6 @@
               <a:rPr lang="pt-PT"/>
               <a:t>Quinto nível</a:t>
             </a:r>
-            <a:endParaRPr lang="pt-PT"/>
           </a:p>
         </p:txBody>
       </p:sp>
@@ -417,7 +436,7 @@
           <a:p>
             <a:fld id="{9764A7E5-28DE-4213-A5F5-0F47ED4C2E95}" type="datetimeFigureOut">
               <a:rPr lang="pt-PT" smtClean="0"/>
-              <a:t>17/05/2017</a:t>
+              <a:t>21/05/2017</a:t>
             </a:fld>
             <a:endParaRPr lang="pt-PT"/>
           </a:p>
@@ -519,7 +538,6 @@
               <a:rPr lang="pt-PT"/>
               <a:t>Clique para editar o estilo de título do Modelo Global</a:t>
             </a:r>
-            <a:endParaRPr lang="pt-PT"/>
           </a:p>
         </p:txBody>
       </p:sp>
@@ -576,7 +594,6 @@
               <a:rPr lang="pt-PT"/>
               <a:t>Quinto nível</a:t>
             </a:r>
-            <a:endParaRPr lang="pt-PT"/>
           </a:p>
         </p:txBody>
       </p:sp>
@@ -597,7 +614,7 @@
           <a:p>
             <a:fld id="{9764A7E5-28DE-4213-A5F5-0F47ED4C2E95}" type="datetimeFigureOut">
               <a:rPr lang="pt-PT" smtClean="0"/>
-              <a:t>17/05/2017</a:t>
+              <a:t>21/05/2017</a:t>
             </a:fld>
             <a:endParaRPr lang="pt-PT"/>
           </a:p>
@@ -694,7 +711,6 @@
               <a:rPr lang="pt-PT"/>
               <a:t>Clique para editar o estilo de título do Modelo Global</a:t>
             </a:r>
-            <a:endParaRPr lang="pt-PT"/>
           </a:p>
         </p:txBody>
       </p:sp>
@@ -746,7 +762,6 @@
               <a:rPr lang="pt-PT"/>
               <a:t>Quinto nível</a:t>
             </a:r>
-            <a:endParaRPr lang="pt-PT"/>
           </a:p>
         </p:txBody>
       </p:sp>
@@ -767,7 +782,7 @@
           <a:p>
             <a:fld id="{9764A7E5-28DE-4213-A5F5-0F47ED4C2E95}" type="datetimeFigureOut">
               <a:rPr lang="pt-PT" smtClean="0"/>
-              <a:t>17/05/2017</a:t>
+              <a:t>21/05/2017</a:t>
             </a:fld>
             <a:endParaRPr lang="pt-PT"/>
           </a:p>
@@ -873,7 +888,6 @@
               <a:rPr lang="pt-PT"/>
               <a:t>Clique para editar o estilo de título do Modelo Global</a:t>
             </a:r>
-            <a:endParaRPr lang="pt-PT"/>
           </a:p>
         </p:txBody>
       </p:sp>
@@ -1013,7 +1027,7 @@
           <a:p>
             <a:fld id="{9764A7E5-28DE-4213-A5F5-0F47ED4C2E95}" type="datetimeFigureOut">
               <a:rPr lang="pt-PT" smtClean="0"/>
-              <a:t>17/05/2017</a:t>
+              <a:t>21/05/2017</a:t>
             </a:fld>
             <a:endParaRPr lang="pt-PT"/>
           </a:p>
@@ -1110,7 +1124,6 @@
               <a:rPr lang="pt-PT"/>
               <a:t>Clique para editar o estilo de título do Modelo Global</a:t>
             </a:r>
-            <a:endParaRPr lang="pt-PT"/>
           </a:p>
         </p:txBody>
       </p:sp>
@@ -1167,7 +1180,6 @@
               <a:rPr lang="pt-PT"/>
               <a:t>Quinto nível</a:t>
             </a:r>
-            <a:endParaRPr lang="pt-PT"/>
           </a:p>
         </p:txBody>
       </p:sp>
@@ -1224,7 +1236,6 @@
               <a:rPr lang="pt-PT"/>
               <a:t>Quinto nível</a:t>
             </a:r>
-            <a:endParaRPr lang="pt-PT"/>
           </a:p>
         </p:txBody>
       </p:sp>
@@ -1245,7 +1256,7 @@
           <a:p>
             <a:fld id="{9764A7E5-28DE-4213-A5F5-0F47ED4C2E95}" type="datetimeFigureOut">
               <a:rPr lang="pt-PT" smtClean="0"/>
-              <a:t>17/05/2017</a:t>
+              <a:t>21/05/2017</a:t>
             </a:fld>
             <a:endParaRPr lang="pt-PT"/>
           </a:p>
@@ -1347,7 +1358,6 @@
               <a:rPr lang="pt-PT"/>
               <a:t>Clique para editar o estilo de título do Modelo Global</a:t>
             </a:r>
-            <a:endParaRPr lang="pt-PT"/>
           </a:p>
         </p:txBody>
       </p:sp>
@@ -1469,7 +1479,6 @@
               <a:rPr lang="pt-PT"/>
               <a:t>Quinto nível</a:t>
             </a:r>
-            <a:endParaRPr lang="pt-PT"/>
           </a:p>
         </p:txBody>
       </p:sp>
@@ -1591,7 +1600,6 @@
               <a:rPr lang="pt-PT"/>
               <a:t>Quinto nível</a:t>
             </a:r>
-            <a:endParaRPr lang="pt-PT"/>
           </a:p>
         </p:txBody>
       </p:sp>
@@ -1612,7 +1620,7 @@
           <a:p>
             <a:fld id="{9764A7E5-28DE-4213-A5F5-0F47ED4C2E95}" type="datetimeFigureOut">
               <a:rPr lang="pt-PT" smtClean="0"/>
-              <a:t>17/05/2017</a:t>
+              <a:t>21/05/2017</a:t>
             </a:fld>
             <a:endParaRPr lang="pt-PT"/>
           </a:p>
@@ -1709,7 +1717,6 @@
               <a:rPr lang="pt-PT"/>
               <a:t>Clique para editar o estilo de título do Modelo Global</a:t>
             </a:r>
-            <a:endParaRPr lang="pt-PT"/>
           </a:p>
         </p:txBody>
       </p:sp>
@@ -1730,7 +1737,7 @@
           <a:p>
             <a:fld id="{9764A7E5-28DE-4213-A5F5-0F47ED4C2E95}" type="datetimeFigureOut">
               <a:rPr lang="pt-PT" smtClean="0"/>
-              <a:t>17/05/2017</a:t>
+              <a:t>21/05/2017</a:t>
             </a:fld>
             <a:endParaRPr lang="pt-PT"/>
           </a:p>
@@ -1825,7 +1832,7 @@
           <a:p>
             <a:fld id="{9764A7E5-28DE-4213-A5F5-0F47ED4C2E95}" type="datetimeFigureOut">
               <a:rPr lang="pt-PT" smtClean="0"/>
-              <a:t>17/05/2017</a:t>
+              <a:t>21/05/2017</a:t>
             </a:fld>
             <a:endParaRPr lang="pt-PT"/>
           </a:p>
@@ -1931,7 +1938,6 @@
               <a:rPr lang="pt-PT"/>
               <a:t>Clique para editar o estilo de título do Modelo Global</a:t>
             </a:r>
-            <a:endParaRPr lang="pt-PT"/>
           </a:p>
         </p:txBody>
       </p:sp>
@@ -2016,7 +2022,6 @@
               <a:rPr lang="pt-PT"/>
               <a:t>Quinto nível</a:t>
             </a:r>
-            <a:endParaRPr lang="pt-PT"/>
           </a:p>
         </p:txBody>
       </p:sp>
@@ -2102,7 +2107,7 @@
           <a:p>
             <a:fld id="{9764A7E5-28DE-4213-A5F5-0F47ED4C2E95}" type="datetimeFigureOut">
               <a:rPr lang="pt-PT" smtClean="0"/>
-              <a:t>17/05/2017</a:t>
+              <a:t>21/05/2017</a:t>
             </a:fld>
             <a:endParaRPr lang="pt-PT"/>
           </a:p>
@@ -2208,7 +2213,6 @@
               <a:rPr lang="pt-PT"/>
               <a:t>Clique para editar o estilo de título do Modelo Global</a:t>
             </a:r>
-            <a:endParaRPr lang="pt-PT"/>
           </a:p>
         </p:txBody>
       </p:sp>
@@ -2355,7 +2359,7 @@
           <a:p>
             <a:fld id="{9764A7E5-28DE-4213-A5F5-0F47ED4C2E95}" type="datetimeFigureOut">
               <a:rPr lang="pt-PT" smtClean="0"/>
-              <a:t>17/05/2017</a:t>
+              <a:t>21/05/2017</a:t>
             </a:fld>
             <a:endParaRPr lang="pt-PT"/>
           </a:p>
@@ -2420,9 +2424,18 @@
 <p:sldMaster xmlns:a="http://schemas.openxmlformats.org/drawingml/2006/main" xmlns:r="http://schemas.openxmlformats.org/officeDocument/2006/relationships" xmlns:p="http://schemas.openxmlformats.org/presentationml/2006/main">
   <p:cSld>
     <p:bg>
-      <p:bgRef idx="1001">
-        <a:schemeClr val="bg1"/>
-      </p:bgRef>
+      <p:bgPr>
+        <a:blipFill dpi="0" rotWithShape="1">
+          <a:blip r:embed="rId13">
+            <a:lum/>
+          </a:blip>
+          <a:srcRect/>
+          <a:stretch>
+            <a:fillRect/>
+          </a:stretch>
+        </a:blipFill>
+        <a:effectLst/>
+      </p:bgPr>
     </p:bg>
     <p:spTree>
       <p:nvGrpSpPr>
@@ -2467,7 +2480,6 @@
               <a:rPr lang="pt-PT"/>
               <a:t>Clique para editar o estilo de título do Modelo Global</a:t>
             </a:r>
-            <a:endParaRPr lang="pt-PT"/>
           </a:p>
         </p:txBody>
       </p:sp>
@@ -2529,7 +2541,6 @@
               <a:rPr lang="pt-PT"/>
               <a:t>Quinto nível</a:t>
             </a:r>
-            <a:endParaRPr lang="pt-PT"/>
           </a:p>
         </p:txBody>
       </p:sp>
@@ -2568,7 +2579,7 @@
           <a:p>
             <a:fld id="{9764A7E5-28DE-4213-A5F5-0F47ED4C2E95}" type="datetimeFigureOut">
               <a:rPr lang="pt-PT" smtClean="0"/>
-              <a:t>17/05/2017</a:t>
+              <a:t>21/05/2017</a:t>
             </a:fld>
             <a:endParaRPr lang="pt-PT"/>
           </a:p>
@@ -3604,20 +3615,6 @@
 <file path=ppt/slides/slide10.xml><?xml version="1.0" encoding="utf-8"?>
 <p:sld xmlns:a="http://schemas.openxmlformats.org/drawingml/2006/main" xmlns:r="http://schemas.openxmlformats.org/officeDocument/2006/relationships" xmlns:p="http://schemas.openxmlformats.org/presentationml/2006/main">
   <p:cSld>
-    <p:bg>
-      <p:bgPr>
-        <a:blipFill dpi="0" rotWithShape="1">
-          <a:blip r:embed="rId2">
-            <a:lum/>
-          </a:blip>
-          <a:srcRect/>
-          <a:stretch>
-            <a:fillRect/>
-          </a:stretch>
-        </a:blipFill>
-        <a:effectLst/>
-      </p:bgPr>
-    </p:bg>
     <p:spTree>
       <p:nvGrpSpPr>
         <p:cNvPr id="1" name=""/>
@@ -3632,49 +3629,2510 @@
           <a:chExt cx="0" cy="0"/>
         </a:xfrm>
       </p:grpSpPr>
+      <p:sp>
+        <p:nvSpPr>
+          <p:cNvPr id="2" name="Título 1"/>
+          <p:cNvSpPr>
+            <a:spLocks noGrp="1"/>
+          </p:cNvSpPr>
+          <p:nvPr>
+            <p:ph type="title"/>
+          </p:nvPr>
+        </p:nvSpPr>
+        <p:spPr>
+          <a:xfrm>
+            <a:off x="838200" y="500062"/>
+            <a:ext cx="10515600" cy="1325563"/>
+          </a:xfrm>
+        </p:spPr>
+        <p:txBody>
+          <a:bodyPr/>
+          <a:lstStyle/>
+          <a:p>
+            <a:r>
+              <a:rPr lang="pt-PT" dirty="0"/>
+              <a:t>DW_LOCAL</a:t>
+            </a:r>
+          </a:p>
+        </p:txBody>
+      </p:sp>
+      <p:cxnSp>
+        <p:nvCxnSpPr>
+          <p:cNvPr id="5" name="Conexão reta 4"/>
+          <p:cNvCxnSpPr/>
+          <p:nvPr/>
+        </p:nvCxnSpPr>
+        <p:spPr>
+          <a:xfrm flipV="1">
+            <a:off x="838200" y="1660991"/>
+            <a:ext cx="10080000" cy="2"/>
+          </a:xfrm>
+          <a:prstGeom prst="line">
+            <a:avLst/>
+          </a:prstGeom>
+          <a:ln w="12700">
+            <a:solidFill>
+              <a:schemeClr val="tx1"/>
+            </a:solidFill>
+          </a:ln>
+        </p:spPr>
+        <p:style>
+          <a:lnRef idx="1">
+            <a:schemeClr val="accent1"/>
+          </a:lnRef>
+          <a:fillRef idx="0">
+            <a:schemeClr val="accent1"/>
+          </a:fillRef>
+          <a:effectRef idx="0">
+            <a:schemeClr val="accent1"/>
+          </a:effectRef>
+          <a:fontRef idx="minor">
+            <a:schemeClr val="tx1"/>
+          </a:fontRef>
+        </p:style>
+      </p:cxnSp>
+      <p:sp>
+        <p:nvSpPr>
+          <p:cNvPr id="6" name="Marcador de Posição de Conteúdo 2"/>
+          <p:cNvSpPr>
+            <a:spLocks noGrp="1"/>
+          </p:cNvSpPr>
+          <p:nvPr>
+            <p:ph idx="1"/>
+          </p:nvPr>
+        </p:nvSpPr>
+        <p:spPr>
+          <a:xfrm>
+            <a:off x="838200" y="2057399"/>
+            <a:ext cx="7086600" cy="4119563"/>
+          </a:xfrm>
+        </p:spPr>
+        <p:txBody>
+          <a:bodyPr/>
+          <a:lstStyle/>
+          <a:p>
+            <a:pPr algn="just"/>
+            <a:r>
+              <a:rPr lang="pt-PT" dirty="0"/>
+              <a:t>Encontrar a freguesia e o conselho de cada uma das praças.</a:t>
+            </a:r>
+          </a:p>
+          <a:p>
+            <a:pPr algn="just"/>
+            <a:r>
+              <a:rPr lang="pt-PT" b="1" dirty="0" err="1"/>
+              <a:t>ST_Within</a:t>
+            </a:r>
+            <a:r>
+              <a:rPr lang="pt-PT" b="1" dirty="0"/>
+              <a:t>.</a:t>
+            </a:r>
+            <a:endParaRPr lang="pt-PT" dirty="0">
+              <a:latin typeface="+mj-lt"/>
+            </a:endParaRPr>
+          </a:p>
+        </p:txBody>
+      </p:sp>
       <p:pic>
         <p:nvPicPr>
-          <p:cNvPr id="7" name="Picture 2" descr="Doubt.png (784×926)"/>
+          <p:cNvPr id="3" name="Imagem 2"/>
           <p:cNvPicPr>
-            <a:picLocks noChangeAspect="1" noChangeArrowheads="1"/>
+            <a:picLocks noChangeAspect="1"/>
+          </p:cNvPicPr>
+          <p:nvPr/>
+        </p:nvPicPr>
+        <p:blipFill>
+          <a:blip r:embed="rId2"/>
+          <a:stretch>
+            <a:fillRect/>
+          </a:stretch>
+        </p:blipFill>
+        <p:spPr>
+          <a:xfrm>
+            <a:off x="8222625" y="2564605"/>
+            <a:ext cx="2695575" cy="3105150"/>
+          </a:xfrm>
+          <a:prstGeom prst="rect">
+            <a:avLst/>
+          </a:prstGeom>
+        </p:spPr>
+      </p:pic>
+    </p:spTree>
+    <p:extLst>
+      <p:ext uri="{BB962C8B-B14F-4D97-AF65-F5344CB8AC3E}">
+        <p14:creationId xmlns:p14="http://schemas.microsoft.com/office/powerpoint/2010/main" val="542010540"/>
+      </p:ext>
+    </p:extLst>
+  </p:cSld>
+  <p:clrMapOvr>
+    <a:masterClrMapping/>
+  </p:clrMapOvr>
+</p:sld>
+</file>
+
+<file path=ppt/slides/slide11.xml><?xml version="1.0" encoding="utf-8"?>
+<p:sld xmlns:a="http://schemas.openxmlformats.org/drawingml/2006/main" xmlns:r="http://schemas.openxmlformats.org/officeDocument/2006/relationships" xmlns:p="http://schemas.openxmlformats.org/presentationml/2006/main">
+  <p:cSld>
+    <p:spTree>
+      <p:nvGrpSpPr>
+        <p:cNvPr id="1" name=""/>
+        <p:cNvGrpSpPr/>
+        <p:nvPr/>
+      </p:nvGrpSpPr>
+      <p:grpSpPr>
+        <a:xfrm>
+          <a:off x="0" y="0"/>
+          <a:ext cx="0" cy="0"/>
+          <a:chOff x="0" y="0"/>
+          <a:chExt cx="0" cy="0"/>
+        </a:xfrm>
+      </p:grpSpPr>
+      <p:sp>
+        <p:nvSpPr>
+          <p:cNvPr id="2" name="Título 1"/>
+          <p:cNvSpPr>
+            <a:spLocks noGrp="1"/>
+          </p:cNvSpPr>
+          <p:nvPr>
+            <p:ph type="title"/>
+          </p:nvPr>
+        </p:nvSpPr>
+        <p:spPr>
+          <a:xfrm>
+            <a:off x="838200" y="2766219"/>
+            <a:ext cx="10515600" cy="1325563"/>
+          </a:xfrm>
+        </p:spPr>
+        <p:txBody>
+          <a:bodyPr>
+            <a:normAutofit/>
+          </a:bodyPr>
+          <a:lstStyle/>
+          <a:p>
+            <a:pPr algn="ctr"/>
+            <a:r>
+              <a:rPr lang="pt-PT" sz="6000" b="1" dirty="0">
+                <a:latin typeface="+mn-lt"/>
+              </a:rPr>
+              <a:t>Consultas OLAP</a:t>
+            </a:r>
+          </a:p>
+        </p:txBody>
+      </p:sp>
+      <p:cxnSp>
+        <p:nvCxnSpPr>
+          <p:cNvPr id="5" name="Conexão reta 4"/>
+          <p:cNvCxnSpPr>
+            <a:cxnSpLocks/>
+          </p:cNvCxnSpPr>
+          <p:nvPr/>
+        </p:nvCxnSpPr>
+        <p:spPr>
+          <a:xfrm>
+            <a:off x="847436" y="3964708"/>
+            <a:ext cx="10365509" cy="0"/>
+          </a:xfrm>
+          <a:prstGeom prst="line">
+            <a:avLst/>
+          </a:prstGeom>
+          <a:ln w="12700">
+            <a:solidFill>
+              <a:schemeClr val="tx1"/>
+            </a:solidFill>
+          </a:ln>
+        </p:spPr>
+        <p:style>
+          <a:lnRef idx="1">
+            <a:schemeClr val="accent1"/>
+          </a:lnRef>
+          <a:fillRef idx="0">
+            <a:schemeClr val="accent1"/>
+          </a:fillRef>
+          <a:effectRef idx="0">
+            <a:schemeClr val="accent1"/>
+          </a:effectRef>
+          <a:fontRef idx="minor">
+            <a:schemeClr val="tx1"/>
+          </a:fontRef>
+        </p:style>
+      </p:cxnSp>
+    </p:spTree>
+    <p:extLst>
+      <p:ext uri="{BB962C8B-B14F-4D97-AF65-F5344CB8AC3E}">
+        <p14:creationId xmlns:p14="http://schemas.microsoft.com/office/powerpoint/2010/main" val="2084092282"/>
+      </p:ext>
+    </p:extLst>
+  </p:cSld>
+  <p:clrMapOvr>
+    <a:masterClrMapping/>
+  </p:clrMapOvr>
+</p:sld>
+</file>
+
+<file path=ppt/slides/slide12.xml><?xml version="1.0" encoding="utf-8"?>
+<p:sld xmlns:a="http://schemas.openxmlformats.org/drawingml/2006/main" xmlns:r="http://schemas.openxmlformats.org/officeDocument/2006/relationships" xmlns:p="http://schemas.openxmlformats.org/presentationml/2006/main">
+  <p:cSld>
+    <p:spTree>
+      <p:nvGrpSpPr>
+        <p:cNvPr id="1" name=""/>
+        <p:cNvGrpSpPr/>
+        <p:nvPr/>
+      </p:nvGrpSpPr>
+      <p:grpSpPr>
+        <a:xfrm>
+          <a:off x="0" y="0"/>
+          <a:ext cx="0" cy="0"/>
+          <a:chOff x="0" y="0"/>
+          <a:chExt cx="0" cy="0"/>
+        </a:xfrm>
+      </p:grpSpPr>
+      <p:sp>
+        <p:nvSpPr>
+          <p:cNvPr id="2" name="Título 1"/>
+          <p:cNvSpPr>
+            <a:spLocks noGrp="1"/>
+          </p:cNvSpPr>
+          <p:nvPr>
+            <p:ph type="title"/>
+          </p:nvPr>
+        </p:nvSpPr>
+        <p:spPr>
+          <a:xfrm>
+            <a:off x="838200" y="500062"/>
+            <a:ext cx="10515600" cy="1325563"/>
+          </a:xfrm>
+        </p:spPr>
+        <p:txBody>
+          <a:bodyPr/>
+          <a:lstStyle/>
+          <a:p>
+            <a:r>
+              <a:rPr lang="pt-PT" dirty="0">
+                <a:latin typeface="+mn-lt"/>
+              </a:rPr>
+              <a:t>CUBE</a:t>
+            </a:r>
+          </a:p>
+        </p:txBody>
+      </p:sp>
+      <p:cxnSp>
+        <p:nvCxnSpPr>
+          <p:cNvPr id="5" name="Conexão reta 4"/>
+          <p:cNvCxnSpPr/>
+          <p:nvPr/>
+        </p:nvCxnSpPr>
+        <p:spPr>
+          <a:xfrm flipV="1">
+            <a:off x="838200" y="1660991"/>
+            <a:ext cx="10080000" cy="2"/>
+          </a:xfrm>
+          <a:prstGeom prst="line">
+            <a:avLst/>
+          </a:prstGeom>
+          <a:ln w="12700">
+            <a:solidFill>
+              <a:schemeClr val="tx1"/>
+            </a:solidFill>
+          </a:ln>
+        </p:spPr>
+        <p:style>
+          <a:lnRef idx="1">
+            <a:schemeClr val="accent1"/>
+          </a:lnRef>
+          <a:fillRef idx="0">
+            <a:schemeClr val="accent1"/>
+          </a:fillRef>
+          <a:effectRef idx="0">
+            <a:schemeClr val="accent1"/>
+          </a:effectRef>
+          <a:fontRef idx="minor">
+            <a:schemeClr val="tx1"/>
+          </a:fontRef>
+        </p:style>
+      </p:cxnSp>
+      <p:sp>
+        <p:nvSpPr>
+          <p:cNvPr id="6" name="Marcador de Posição de Conteúdo 2"/>
+          <p:cNvSpPr>
+            <a:spLocks noGrp="1"/>
+          </p:cNvSpPr>
+          <p:nvPr>
+            <p:ph idx="1"/>
+          </p:nvPr>
+        </p:nvSpPr>
+        <p:spPr>
+          <a:xfrm>
+            <a:off x="838200" y="1902891"/>
+            <a:ext cx="10515600" cy="4119563"/>
+          </a:xfrm>
+        </p:spPr>
+        <p:txBody>
+          <a:bodyPr/>
+          <a:lstStyle/>
+          <a:p>
+            <a:pPr marL="0" indent="0">
+              <a:buNone/>
+            </a:pPr>
+            <a:r>
+              <a:rPr lang="en-US" dirty="0"/>
+              <a:t>SELECT </a:t>
+            </a:r>
+          </a:p>
+          <a:p>
+            <a:pPr marL="0" indent="0">
+              <a:buNone/>
+            </a:pPr>
+            <a:r>
+              <a:rPr lang="en-US" dirty="0"/>
+              <a:t>	</a:t>
+            </a:r>
+            <a:r>
+              <a:rPr lang="en-US" dirty="0" err="1"/>
+              <a:t>dw_taxi.nlicenca</a:t>
+            </a:r>
+            <a:r>
+              <a:rPr lang="en-US" dirty="0"/>
+              <a:t>, </a:t>
+            </a:r>
+          </a:p>
+          <a:p>
+            <a:pPr marL="0" indent="0">
+              <a:buNone/>
+            </a:pPr>
+            <a:r>
+              <a:rPr lang="en-US" dirty="0"/>
+              <a:t>	SUM(CAST(</a:t>
+            </a:r>
+            <a:r>
+              <a:rPr lang="en-US" dirty="0" err="1"/>
+              <a:t>tempototal</a:t>
+            </a:r>
+            <a:r>
+              <a:rPr lang="en-US" dirty="0"/>
+              <a:t> AS interval)) AS </a:t>
+            </a:r>
+            <a:r>
+              <a:rPr lang="en-US" dirty="0" err="1"/>
+              <a:t>total_time</a:t>
+            </a:r>
+            <a:r>
+              <a:rPr lang="en-US" dirty="0"/>
+              <a:t> </a:t>
+            </a:r>
+            <a:endParaRPr lang="pt-PT" dirty="0"/>
+          </a:p>
+          <a:p>
+            <a:pPr marL="0" indent="0">
+              <a:buNone/>
+            </a:pPr>
+            <a:r>
+              <a:rPr lang="en-US" dirty="0"/>
+              <a:t>FROM </a:t>
+            </a:r>
+            <a:r>
+              <a:rPr lang="en-US" dirty="0" err="1"/>
+              <a:t>dw_taxi_services</a:t>
+            </a:r>
+            <a:r>
+              <a:rPr lang="en-US" dirty="0"/>
+              <a:t> </a:t>
+            </a:r>
+            <a:endParaRPr lang="pt-PT" dirty="0"/>
+          </a:p>
+          <a:p>
+            <a:pPr marL="0" indent="0">
+              <a:buNone/>
+            </a:pPr>
+            <a:r>
+              <a:rPr lang="en-US" dirty="0"/>
+              <a:t>INNER JOIN </a:t>
+            </a:r>
+            <a:r>
+              <a:rPr lang="en-US" dirty="0" err="1"/>
+              <a:t>dw_taxi</a:t>
+            </a:r>
+            <a:r>
+              <a:rPr lang="en-US" dirty="0"/>
+              <a:t> ON </a:t>
+            </a:r>
+            <a:endParaRPr lang="pt-PT" dirty="0"/>
+          </a:p>
+          <a:p>
+            <a:pPr marL="0" indent="0">
+              <a:buNone/>
+            </a:pPr>
+            <a:r>
+              <a:rPr lang="en-US" dirty="0"/>
+              <a:t>	</a:t>
+            </a:r>
+            <a:r>
+              <a:rPr lang="en-US" dirty="0" err="1"/>
+              <a:t>dw_taxi.taxi_id</a:t>
+            </a:r>
+            <a:r>
+              <a:rPr lang="en-US" dirty="0"/>
+              <a:t> = </a:t>
+            </a:r>
+            <a:r>
+              <a:rPr lang="en-US" dirty="0" err="1"/>
+              <a:t>dw_taxi_services.taxi_id</a:t>
+            </a:r>
+            <a:r>
+              <a:rPr lang="en-US" dirty="0"/>
+              <a:t> </a:t>
+            </a:r>
+            <a:endParaRPr lang="pt-PT" dirty="0"/>
+          </a:p>
+          <a:p>
+            <a:pPr marL="0" indent="0">
+              <a:buNone/>
+            </a:pPr>
+            <a:r>
+              <a:rPr lang="en-US" dirty="0"/>
+              <a:t>GROUP BY CUBE(</a:t>
+            </a:r>
+            <a:r>
+              <a:rPr lang="en-US" dirty="0" err="1"/>
+              <a:t>dw_taxi.nlicenca</a:t>
+            </a:r>
+            <a:r>
+              <a:rPr lang="en-US" dirty="0"/>
+              <a:t>);</a:t>
+            </a:r>
+            <a:endParaRPr lang="pt-PT" dirty="0"/>
+          </a:p>
+          <a:p>
+            <a:pPr marL="0" indent="0">
+              <a:buNone/>
+            </a:pPr>
+            <a:endParaRPr lang="pt-PT" dirty="0">
+              <a:latin typeface="+mj-lt"/>
+            </a:endParaRPr>
+          </a:p>
+        </p:txBody>
+      </p:sp>
+    </p:spTree>
+    <p:extLst>
+      <p:ext uri="{BB962C8B-B14F-4D97-AF65-F5344CB8AC3E}">
+        <p14:creationId xmlns:p14="http://schemas.microsoft.com/office/powerpoint/2010/main" val="2823466934"/>
+      </p:ext>
+    </p:extLst>
+  </p:cSld>
+  <p:clrMapOvr>
+    <a:masterClrMapping/>
+  </p:clrMapOvr>
+</p:sld>
+</file>
+
+<file path=ppt/slides/slide13.xml><?xml version="1.0" encoding="utf-8"?>
+<p:sld xmlns:a="http://schemas.openxmlformats.org/drawingml/2006/main" xmlns:r="http://schemas.openxmlformats.org/officeDocument/2006/relationships" xmlns:p="http://schemas.openxmlformats.org/presentationml/2006/main">
+  <p:cSld>
+    <p:spTree>
+      <p:nvGrpSpPr>
+        <p:cNvPr id="1" name=""/>
+        <p:cNvGrpSpPr/>
+        <p:nvPr/>
+      </p:nvGrpSpPr>
+      <p:grpSpPr>
+        <a:xfrm>
+          <a:off x="0" y="0"/>
+          <a:ext cx="0" cy="0"/>
+          <a:chOff x="0" y="0"/>
+          <a:chExt cx="0" cy="0"/>
+        </a:xfrm>
+      </p:grpSpPr>
+      <p:sp>
+        <p:nvSpPr>
+          <p:cNvPr id="15" name="Rectangle 14"/>
+          <p:cNvSpPr>
+            <a:spLocks noGrp="1" noRot="1" noChangeAspect="1" noMove="1" noResize="1" noEditPoints="1" noAdjustHandles="1" noChangeArrowheads="1" noChangeShapeType="1" noTextEdit="1"/>
+          </p:cNvSpPr>
+          <p:nvPr>
+            <p:extLst>
+              <p:ext uri="{386F3935-93C4-4BCD-93E2-E3B085C9AB24}">
+                <p16:designElem xmlns:p16="http://schemas.microsoft.com/office/powerpoint/2015/main" val="1"/>
+              </p:ext>
+            </p:extLst>
+          </p:nvPr>
+        </p:nvSpPr>
+        <p:spPr bwMode="white">
+          <a:xfrm>
+            <a:off x="0" y="0"/>
+            <a:ext cx="12192000" cy="6858000"/>
+          </a:xfrm>
+          <a:prstGeom prst="rect">
+            <a:avLst/>
+          </a:prstGeom>
+          <a:solidFill>
+            <a:schemeClr val="bg1"/>
+          </a:solidFill>
+          <a:ln>
+            <a:noFill/>
+          </a:ln>
+          <a:effectLst/>
+        </p:spPr>
+      </p:sp>
+      <p:sp>
+        <p:nvSpPr>
+          <p:cNvPr id="17" name="Rectangle 16"/>
+          <p:cNvSpPr>
+            <a:spLocks noGrp="1" noRot="1" noChangeAspect="1" noMove="1" noResize="1" noEditPoints="1" noAdjustHandles="1" noChangeArrowheads="1" noChangeShapeType="1" noTextEdit="1"/>
+          </p:cNvSpPr>
+          <p:nvPr>
+            <p:extLst>
+              <p:ext uri="{386F3935-93C4-4BCD-93E2-E3B085C9AB24}">
+                <p16:designElem xmlns:p16="http://schemas.microsoft.com/office/powerpoint/2015/main" val="1"/>
+              </p:ext>
+            </p:extLst>
+          </p:nvPr>
+        </p:nvSpPr>
+        <p:spPr>
+          <a:xfrm>
+            <a:off x="0" y="0"/>
+            <a:ext cx="12192000" cy="6858000"/>
+          </a:xfrm>
+          <a:prstGeom prst="rect">
+            <a:avLst/>
+          </a:prstGeom>
+          <a:solidFill>
+            <a:schemeClr val="bg1">
+              <a:lumMod val="75000"/>
+            </a:schemeClr>
+          </a:solidFill>
+          <a:ln>
+            <a:noFill/>
+          </a:ln>
+        </p:spPr>
+        <p:style>
+          <a:lnRef idx="2">
+            <a:schemeClr val="accent1">
+              <a:shade val="50000"/>
+            </a:schemeClr>
+          </a:lnRef>
+          <a:fillRef idx="1">
+            <a:schemeClr val="accent1"/>
+          </a:fillRef>
+          <a:effectRef idx="0">
+            <a:schemeClr val="accent1"/>
+          </a:effectRef>
+          <a:fontRef idx="minor">
+            <a:schemeClr val="lt1"/>
+          </a:fontRef>
+        </p:style>
+        <p:txBody>
+          <a:bodyPr rtlCol="0" anchor="ctr"/>
+          <a:lstStyle/>
+          <a:p>
+            <a:pPr algn="ctr"/>
+            <a:endParaRPr lang="en-US"/>
+          </a:p>
+        </p:txBody>
+      </p:sp>
+      <p:sp>
+        <p:nvSpPr>
+          <p:cNvPr id="19" name="Rectangle 18"/>
+          <p:cNvSpPr>
+            <a:spLocks noGrp="1" noRot="1" noChangeAspect="1" noMove="1" noResize="1" noEditPoints="1" noAdjustHandles="1" noChangeArrowheads="1" noChangeShapeType="1" noTextEdit="1"/>
+          </p:cNvSpPr>
+          <p:nvPr>
+            <p:extLst>
+              <p:ext uri="{386F3935-93C4-4BCD-93E2-E3B085C9AB24}">
+                <p16:designElem xmlns:p16="http://schemas.microsoft.com/office/powerpoint/2015/main" val="1"/>
+              </p:ext>
+            </p:extLst>
+          </p:nvPr>
+        </p:nvSpPr>
+        <p:spPr>
+          <a:xfrm>
+            <a:off x="477012" y="480060"/>
+            <a:ext cx="11237976" cy="5897880"/>
+          </a:xfrm>
+          <a:prstGeom prst="rect">
+            <a:avLst/>
+          </a:prstGeom>
+          <a:noFill/>
+          <a:ln>
+            <a:solidFill>
+              <a:schemeClr val="bg1"/>
+            </a:solidFill>
+          </a:ln>
+        </p:spPr>
+        <p:style>
+          <a:lnRef idx="2">
+            <a:schemeClr val="accent1">
+              <a:shade val="50000"/>
+            </a:schemeClr>
+          </a:lnRef>
+          <a:fillRef idx="1">
+            <a:schemeClr val="accent1"/>
+          </a:fillRef>
+          <a:effectRef idx="0">
+            <a:schemeClr val="accent1"/>
+          </a:effectRef>
+          <a:fontRef idx="minor">
+            <a:schemeClr val="lt1"/>
+          </a:fontRef>
+        </p:style>
+        <p:txBody>
+          <a:bodyPr rtlCol="0" anchor="ctr"/>
+          <a:lstStyle/>
+          <a:p>
+            <a:pPr algn="ctr"/>
+            <a:endParaRPr lang="en-US"/>
+          </a:p>
+        </p:txBody>
+      </p:sp>
+      <p:sp>
+        <p:nvSpPr>
+          <p:cNvPr id="21" name="Rectangle 20"/>
+          <p:cNvSpPr>
+            <a:spLocks noGrp="1" noRot="1" noChangeAspect="1" noMove="1" noResize="1" noEditPoints="1" noAdjustHandles="1" noChangeArrowheads="1" noChangeShapeType="1" noTextEdit="1"/>
+          </p:cNvSpPr>
+          <p:nvPr>
+            <p:extLst>
+              <p:ext uri="{386F3935-93C4-4BCD-93E2-E3B085C9AB24}">
+                <p16:designElem xmlns:p16="http://schemas.microsoft.com/office/powerpoint/2015/main" val="1"/>
+              </p:ext>
+            </p:extLst>
+          </p:nvPr>
+        </p:nvSpPr>
+        <p:spPr>
+          <a:xfrm>
+            <a:off x="643466" y="643468"/>
+            <a:ext cx="10905067" cy="5571066"/>
+          </a:xfrm>
+          <a:prstGeom prst="rect">
+            <a:avLst/>
+          </a:prstGeom>
+          <a:solidFill>
+            <a:srgbClr val="FFFFFF"/>
+          </a:solidFill>
+          <a:ln>
+            <a:noFill/>
+          </a:ln>
+        </p:spPr>
+        <p:style>
+          <a:lnRef idx="2">
+            <a:schemeClr val="accent1">
+              <a:shade val="50000"/>
+            </a:schemeClr>
+          </a:lnRef>
+          <a:fillRef idx="1">
+            <a:schemeClr val="accent1"/>
+          </a:fillRef>
+          <a:effectRef idx="0">
+            <a:schemeClr val="accent1"/>
+          </a:effectRef>
+          <a:fontRef idx="minor">
+            <a:schemeClr val="lt1"/>
+          </a:fontRef>
+        </p:style>
+        <p:txBody>
+          <a:bodyPr rtlCol="0" anchor="ctr"/>
+          <a:lstStyle/>
+          <a:p>
+            <a:pPr algn="ctr"/>
+            <a:endParaRPr lang="en-US"/>
+          </a:p>
+        </p:txBody>
+      </p:sp>
+      <p:pic>
+        <p:nvPicPr>
+          <p:cNvPr id="14" name="Imagem 13"/>
+          <p:cNvPicPr>
+            <a:picLocks noChangeAspect="1"/>
           </p:cNvPicPr>
           <p:nvPr/>
         </p:nvPicPr>
         <p:blipFill rotWithShape="1">
-          <a:blip r:embed="rId3">
+          <a:blip r:embed="rId2">
             <a:extLst>
               <a:ext uri="{28A0092B-C50C-407E-A947-70E740481C1C}">
                 <a14:useLocalDpi xmlns:a14="http://schemas.microsoft.com/office/drawing/2010/main" val="0"/>
               </a:ext>
             </a:extLst>
           </a:blip>
-          <a:srcRect/>
+          <a:srcRect l="56" t="10000" r="2625"/>
           <a:stretch/>
         </p:blipFill>
-        <p:spPr bwMode="auto">
-          <a:xfrm>
-            <a:off x="3802707" y="867361"/>
-            <a:ext cx="4503093" cy="5313385"/>
+        <p:spPr>
+          <a:xfrm>
+            <a:off x="1164107" y="1715045"/>
+            <a:ext cx="9863783" cy="3427909"/>
+          </a:xfrm>
+          <a:prstGeom prst="rect">
+            <a:avLst/>
+          </a:prstGeom>
+        </p:spPr>
+      </p:pic>
+    </p:spTree>
+    <p:extLst>
+      <p:ext uri="{BB962C8B-B14F-4D97-AF65-F5344CB8AC3E}">
+        <p14:creationId xmlns:p14="http://schemas.microsoft.com/office/powerpoint/2010/main" val="2370682498"/>
+      </p:ext>
+    </p:extLst>
+  </p:cSld>
+  <p:clrMapOvr>
+    <a:masterClrMapping/>
+  </p:clrMapOvr>
+</p:sld>
+</file>
+
+<file path=ppt/slides/slide14.xml><?xml version="1.0" encoding="utf-8"?>
+<p:sld xmlns:a="http://schemas.openxmlformats.org/drawingml/2006/main" xmlns:r="http://schemas.openxmlformats.org/officeDocument/2006/relationships" xmlns:p="http://schemas.openxmlformats.org/presentationml/2006/main">
+  <p:cSld>
+    <p:spTree>
+      <p:nvGrpSpPr>
+        <p:cNvPr id="1" name=""/>
+        <p:cNvGrpSpPr/>
+        <p:nvPr/>
+      </p:nvGrpSpPr>
+      <p:grpSpPr>
+        <a:xfrm>
+          <a:off x="0" y="0"/>
+          <a:ext cx="0" cy="0"/>
+          <a:chOff x="0" y="0"/>
+          <a:chExt cx="0" cy="0"/>
+        </a:xfrm>
+      </p:grpSpPr>
+      <p:sp>
+        <p:nvSpPr>
+          <p:cNvPr id="2" name="Título 1"/>
+          <p:cNvSpPr>
+            <a:spLocks noGrp="1"/>
+          </p:cNvSpPr>
+          <p:nvPr>
+            <p:ph type="title"/>
+          </p:nvPr>
+        </p:nvSpPr>
+        <p:spPr>
+          <a:xfrm>
+            <a:off x="838200" y="500062"/>
+            <a:ext cx="10515600" cy="1325563"/>
+          </a:xfrm>
+        </p:spPr>
+        <p:txBody>
+          <a:bodyPr/>
+          <a:lstStyle/>
+          <a:p>
+            <a:r>
+              <a:rPr lang="pt-PT" dirty="0">
+                <a:latin typeface="+mn-lt"/>
+              </a:rPr>
+              <a:t>Histograma</a:t>
+            </a:r>
+          </a:p>
+        </p:txBody>
+      </p:sp>
+      <p:cxnSp>
+        <p:nvCxnSpPr>
+          <p:cNvPr id="5" name="Conexão reta 4"/>
+          <p:cNvCxnSpPr/>
+          <p:nvPr/>
+        </p:nvCxnSpPr>
+        <p:spPr>
+          <a:xfrm flipV="1">
+            <a:off x="838200" y="1660991"/>
+            <a:ext cx="10080000" cy="2"/>
+          </a:xfrm>
+          <a:prstGeom prst="line">
+            <a:avLst/>
+          </a:prstGeom>
+          <a:ln w="12700">
+            <a:solidFill>
+              <a:schemeClr val="tx1"/>
+            </a:solidFill>
+          </a:ln>
+        </p:spPr>
+        <p:style>
+          <a:lnRef idx="1">
+            <a:schemeClr val="accent1"/>
+          </a:lnRef>
+          <a:fillRef idx="0">
+            <a:schemeClr val="accent1"/>
+          </a:fillRef>
+          <a:effectRef idx="0">
+            <a:schemeClr val="accent1"/>
+          </a:effectRef>
+          <a:fontRef idx="minor">
+            <a:schemeClr val="tx1"/>
+          </a:fontRef>
+        </p:style>
+      </p:cxnSp>
+      <p:sp>
+        <p:nvSpPr>
+          <p:cNvPr id="6" name="Marcador de Posição de Conteúdo 2"/>
+          <p:cNvSpPr>
+            <a:spLocks noGrp="1"/>
+          </p:cNvSpPr>
+          <p:nvPr>
+            <p:ph idx="1"/>
+          </p:nvPr>
+        </p:nvSpPr>
+        <p:spPr>
+          <a:xfrm>
+            <a:off x="838200" y="2089395"/>
+            <a:ext cx="10515600" cy="4154387"/>
+          </a:xfrm>
+        </p:spPr>
+        <p:txBody>
+          <a:bodyPr>
+            <a:normAutofit fontScale="77500" lnSpcReduction="20000"/>
+          </a:bodyPr>
+          <a:lstStyle/>
+          <a:p>
+            <a:pPr marL="0" indent="0">
+              <a:buNone/>
+            </a:pPr>
+            <a:r>
+              <a:rPr lang="pt-PT" b="1" dirty="0"/>
+              <a:t>SELECT </a:t>
+            </a:r>
+            <a:r>
+              <a:rPr lang="pt-PT" b="1" dirty="0" err="1"/>
+              <a:t>mes</a:t>
+            </a:r>
+            <a:r>
+              <a:rPr lang="pt-PT" b="1" dirty="0"/>
+              <a:t>, freguesia, SUM(CAST(</a:t>
+            </a:r>
+            <a:r>
+              <a:rPr lang="pt-PT" b="1" dirty="0" err="1"/>
+              <a:t>tempototal</a:t>
+            </a:r>
+            <a:r>
+              <a:rPr lang="pt-PT" b="1" dirty="0"/>
+              <a:t> AS </a:t>
+            </a:r>
+            <a:r>
+              <a:rPr lang="pt-PT" b="1" dirty="0" err="1"/>
+              <a:t>interval</a:t>
+            </a:r>
+            <a:r>
+              <a:rPr lang="pt-PT" b="1" dirty="0"/>
+              <a:t>)) </a:t>
+            </a:r>
+          </a:p>
+          <a:p>
+            <a:pPr marL="0" indent="0">
+              <a:buNone/>
+            </a:pPr>
+            <a:r>
+              <a:rPr lang="en-US" b="1" dirty="0"/>
+              <a:t>FROM (SELECT </a:t>
+            </a:r>
+            <a:r>
+              <a:rPr lang="en-US" b="1" dirty="0" err="1"/>
+              <a:t>mes_i</a:t>
+            </a:r>
+            <a:r>
+              <a:rPr lang="en-US" b="1" dirty="0"/>
+              <a:t> AS </a:t>
+            </a:r>
+            <a:r>
+              <a:rPr lang="en-US" b="1" dirty="0" err="1"/>
+              <a:t>mes</a:t>
+            </a:r>
+            <a:r>
+              <a:rPr lang="en-US" b="1" dirty="0"/>
+              <a:t>, </a:t>
+            </a:r>
+            <a:r>
+              <a:rPr lang="en-US" b="1" dirty="0" err="1"/>
+              <a:t>freguesia</a:t>
+            </a:r>
+            <a:r>
+              <a:rPr lang="en-US" b="1" dirty="0"/>
+              <a:t>, </a:t>
+            </a:r>
+            <a:r>
+              <a:rPr lang="en-US" b="1" dirty="0" err="1"/>
+              <a:t>tempototal</a:t>
+            </a:r>
+            <a:r>
+              <a:rPr lang="en-US" b="1" dirty="0"/>
+              <a:t> </a:t>
+            </a:r>
+            <a:endParaRPr lang="pt-PT" b="1" dirty="0"/>
+          </a:p>
+          <a:p>
+            <a:pPr marL="0" indent="0">
+              <a:buNone/>
+            </a:pPr>
+            <a:r>
+              <a:rPr lang="en-US" b="1" dirty="0"/>
+              <a:t>	FROM </a:t>
+            </a:r>
+            <a:r>
+              <a:rPr lang="en-US" b="1" dirty="0" err="1"/>
+              <a:t>dw_taxi_services</a:t>
+            </a:r>
+            <a:r>
+              <a:rPr lang="en-US" b="1" dirty="0"/>
+              <a:t> </a:t>
+            </a:r>
+            <a:endParaRPr lang="pt-PT" b="1" dirty="0"/>
+          </a:p>
+          <a:p>
+            <a:pPr marL="0" indent="0">
+              <a:buNone/>
+            </a:pPr>
+            <a:r>
+              <a:rPr lang="en-US" b="1" dirty="0"/>
+              <a:t>	INNER JOIN </a:t>
+            </a:r>
+            <a:r>
+              <a:rPr lang="en-US" b="1" dirty="0" err="1"/>
+              <a:t>dw_local</a:t>
+            </a:r>
+            <a:r>
+              <a:rPr lang="en-US" b="1" dirty="0"/>
+              <a:t> ON </a:t>
+            </a:r>
+            <a:endParaRPr lang="pt-PT" b="1" dirty="0"/>
+          </a:p>
+          <a:p>
+            <a:pPr marL="0" indent="0">
+              <a:buNone/>
+            </a:pPr>
+            <a:r>
+              <a:rPr lang="en-US" b="1" dirty="0"/>
+              <a:t>		</a:t>
+            </a:r>
+            <a:r>
+              <a:rPr lang="en-US" b="1" dirty="0" err="1"/>
+              <a:t>dw_local.local_id</a:t>
+            </a:r>
+            <a:r>
+              <a:rPr lang="en-US" b="1" dirty="0"/>
+              <a:t> = </a:t>
+            </a:r>
+            <a:r>
+              <a:rPr lang="en-US" b="1" dirty="0" err="1"/>
+              <a:t>dw_taxi_services.local_i_id</a:t>
+            </a:r>
+            <a:r>
+              <a:rPr lang="en-US" b="1" dirty="0"/>
+              <a:t> </a:t>
+            </a:r>
+            <a:endParaRPr lang="pt-PT" b="1" dirty="0"/>
+          </a:p>
+          <a:p>
+            <a:pPr marL="0" indent="0">
+              <a:buNone/>
+            </a:pPr>
+            <a:r>
+              <a:rPr lang="en-US" b="1" dirty="0"/>
+              <a:t>	INNER JOIN </a:t>
+            </a:r>
+            <a:r>
+              <a:rPr lang="en-US" b="1" dirty="0" err="1"/>
+              <a:t>dw_stand</a:t>
+            </a:r>
+            <a:r>
+              <a:rPr lang="en-US" b="1" dirty="0"/>
+              <a:t> ON </a:t>
+            </a:r>
+            <a:endParaRPr lang="pt-PT" b="1" dirty="0"/>
+          </a:p>
+          <a:p>
+            <a:pPr marL="0" indent="0">
+              <a:buNone/>
+            </a:pPr>
+            <a:r>
+              <a:rPr lang="en-US" b="1" dirty="0"/>
+              <a:t>		</a:t>
+            </a:r>
+            <a:r>
+              <a:rPr lang="en-US" b="1" dirty="0" err="1"/>
+              <a:t>dw_stand.stand_id</a:t>
+            </a:r>
+            <a:r>
+              <a:rPr lang="en-US" b="1" dirty="0"/>
+              <a:t> = </a:t>
+            </a:r>
+            <a:r>
+              <a:rPr lang="en-US" b="1" dirty="0" err="1"/>
+              <a:t>dw_local.stand_id</a:t>
+            </a:r>
+            <a:r>
+              <a:rPr lang="en-US" b="1" dirty="0"/>
+              <a:t> </a:t>
+            </a:r>
+            <a:endParaRPr lang="pt-PT" b="1" dirty="0"/>
+          </a:p>
+          <a:p>
+            <a:pPr marL="0" indent="0">
+              <a:buNone/>
+            </a:pPr>
+            <a:r>
+              <a:rPr lang="en-US" b="1" dirty="0"/>
+              <a:t>	INNER JOIN </a:t>
+            </a:r>
+            <a:r>
+              <a:rPr lang="en-US" b="1" dirty="0" err="1"/>
+              <a:t>dw_tempo</a:t>
+            </a:r>
+            <a:r>
+              <a:rPr lang="en-US" b="1" dirty="0"/>
+              <a:t> ON</a:t>
+            </a:r>
+            <a:endParaRPr lang="pt-PT" b="1" dirty="0"/>
+          </a:p>
+          <a:p>
+            <a:pPr marL="0" indent="0">
+              <a:buNone/>
+            </a:pPr>
+            <a:r>
+              <a:rPr lang="en-US" b="1" dirty="0"/>
+              <a:t>		</a:t>
+            </a:r>
+            <a:r>
+              <a:rPr lang="en-US" b="1" dirty="0" err="1"/>
+              <a:t>dw_tempo.tempo_id</a:t>
+            </a:r>
+            <a:r>
+              <a:rPr lang="en-US" b="1" dirty="0"/>
+              <a:t> = </a:t>
+            </a:r>
+            <a:r>
+              <a:rPr lang="en-US" b="1" dirty="0" err="1"/>
+              <a:t>dw_taxi_services.tempo_id</a:t>
+            </a:r>
+            <a:r>
+              <a:rPr lang="en-US" b="1" dirty="0"/>
+              <a:t>) AS  aux </a:t>
+            </a:r>
+            <a:endParaRPr lang="pt-PT" b="1" dirty="0"/>
+          </a:p>
+          <a:p>
+            <a:pPr marL="0" indent="0">
+              <a:buNone/>
+            </a:pPr>
+            <a:r>
+              <a:rPr lang="en-US" b="1" dirty="0"/>
+              <a:t>GROUP BY </a:t>
+            </a:r>
+            <a:r>
+              <a:rPr lang="en-US" b="1" dirty="0" err="1"/>
+              <a:t>mes</a:t>
+            </a:r>
+            <a:r>
+              <a:rPr lang="en-US" b="1" dirty="0"/>
+              <a:t>, </a:t>
+            </a:r>
+            <a:r>
+              <a:rPr lang="en-US" b="1" dirty="0" err="1"/>
+              <a:t>freguesia</a:t>
+            </a:r>
+            <a:r>
+              <a:rPr lang="en-US" b="1" dirty="0"/>
+              <a:t> </a:t>
+            </a:r>
+            <a:endParaRPr lang="pt-PT" b="1" dirty="0"/>
+          </a:p>
+          <a:p>
+            <a:pPr marL="0" indent="0">
+              <a:buNone/>
+            </a:pPr>
+            <a:r>
+              <a:rPr lang="en-US" b="1" dirty="0"/>
+              <a:t>LIMIT 10;</a:t>
+            </a:r>
+            <a:endParaRPr lang="pt-PT" b="1" dirty="0"/>
+          </a:p>
+        </p:txBody>
+      </p:sp>
+    </p:spTree>
+    <p:extLst>
+      <p:ext uri="{BB962C8B-B14F-4D97-AF65-F5344CB8AC3E}">
+        <p14:creationId xmlns:p14="http://schemas.microsoft.com/office/powerpoint/2010/main" val="1774113750"/>
+      </p:ext>
+    </p:extLst>
+  </p:cSld>
+  <p:clrMapOvr>
+    <a:masterClrMapping/>
+  </p:clrMapOvr>
+</p:sld>
+</file>
+
+<file path=ppt/slides/slide15.xml><?xml version="1.0" encoding="utf-8"?>
+<p:sld xmlns:a="http://schemas.openxmlformats.org/drawingml/2006/main" xmlns:r="http://schemas.openxmlformats.org/officeDocument/2006/relationships" xmlns:p="http://schemas.openxmlformats.org/presentationml/2006/main">
+  <p:cSld>
+    <p:spTree>
+      <p:nvGrpSpPr>
+        <p:cNvPr id="1" name=""/>
+        <p:cNvGrpSpPr/>
+        <p:nvPr/>
+      </p:nvGrpSpPr>
+      <p:grpSpPr>
+        <a:xfrm>
+          <a:off x="0" y="0"/>
+          <a:ext cx="0" cy="0"/>
+          <a:chOff x="0" y="0"/>
+          <a:chExt cx="0" cy="0"/>
+        </a:xfrm>
+      </p:grpSpPr>
+      <p:sp>
+        <p:nvSpPr>
+          <p:cNvPr id="15" name="Rectangle 14"/>
+          <p:cNvSpPr>
+            <a:spLocks noGrp="1" noRot="1" noChangeAspect="1" noMove="1" noResize="1" noEditPoints="1" noAdjustHandles="1" noChangeArrowheads="1" noChangeShapeType="1" noTextEdit="1"/>
+          </p:cNvSpPr>
+          <p:nvPr>
+            <p:extLst>
+              <p:ext uri="{386F3935-93C4-4BCD-93E2-E3B085C9AB24}">
+                <p16:designElem xmlns:p16="http://schemas.microsoft.com/office/powerpoint/2015/main" val="1"/>
+              </p:ext>
+            </p:extLst>
+          </p:nvPr>
+        </p:nvSpPr>
+        <p:spPr bwMode="white">
+          <a:xfrm>
+            <a:off x="0" y="0"/>
+            <a:ext cx="12192000" cy="6858000"/>
+          </a:xfrm>
+          <a:prstGeom prst="rect">
+            <a:avLst/>
+          </a:prstGeom>
+          <a:solidFill>
+            <a:schemeClr val="bg1"/>
+          </a:solidFill>
+          <a:ln>
+            <a:noFill/>
+          </a:ln>
+          <a:effectLst/>
+        </p:spPr>
+      </p:sp>
+      <p:sp>
+        <p:nvSpPr>
+          <p:cNvPr id="17" name="Rectangle 16"/>
+          <p:cNvSpPr>
+            <a:spLocks noGrp="1" noRot="1" noChangeAspect="1" noMove="1" noResize="1" noEditPoints="1" noAdjustHandles="1" noChangeArrowheads="1" noChangeShapeType="1" noTextEdit="1"/>
+          </p:cNvSpPr>
+          <p:nvPr>
+            <p:extLst>
+              <p:ext uri="{386F3935-93C4-4BCD-93E2-E3B085C9AB24}">
+                <p16:designElem xmlns:p16="http://schemas.microsoft.com/office/powerpoint/2015/main" val="1"/>
+              </p:ext>
+            </p:extLst>
+          </p:nvPr>
+        </p:nvSpPr>
+        <p:spPr>
+          <a:xfrm>
+            <a:off x="0" y="0"/>
+            <a:ext cx="12192000" cy="6858000"/>
+          </a:xfrm>
+          <a:prstGeom prst="rect">
+            <a:avLst/>
+          </a:prstGeom>
+          <a:solidFill>
+            <a:schemeClr val="bg1">
+              <a:lumMod val="75000"/>
+            </a:schemeClr>
+          </a:solidFill>
+          <a:ln>
+            <a:noFill/>
+          </a:ln>
+        </p:spPr>
+        <p:style>
+          <a:lnRef idx="2">
+            <a:schemeClr val="accent1">
+              <a:shade val="50000"/>
+            </a:schemeClr>
+          </a:lnRef>
+          <a:fillRef idx="1">
+            <a:schemeClr val="accent1"/>
+          </a:fillRef>
+          <a:effectRef idx="0">
+            <a:schemeClr val="accent1"/>
+          </a:effectRef>
+          <a:fontRef idx="minor">
+            <a:schemeClr val="lt1"/>
+          </a:fontRef>
+        </p:style>
+        <p:txBody>
+          <a:bodyPr rtlCol="0" anchor="ctr"/>
+          <a:lstStyle/>
+          <a:p>
+            <a:pPr algn="ctr"/>
+            <a:endParaRPr lang="en-US"/>
+          </a:p>
+        </p:txBody>
+      </p:sp>
+      <p:sp>
+        <p:nvSpPr>
+          <p:cNvPr id="19" name="Rectangle 18"/>
+          <p:cNvSpPr>
+            <a:spLocks noGrp="1" noRot="1" noChangeAspect="1" noMove="1" noResize="1" noEditPoints="1" noAdjustHandles="1" noChangeArrowheads="1" noChangeShapeType="1" noTextEdit="1"/>
+          </p:cNvSpPr>
+          <p:nvPr>
+            <p:extLst>
+              <p:ext uri="{386F3935-93C4-4BCD-93E2-E3B085C9AB24}">
+                <p16:designElem xmlns:p16="http://schemas.microsoft.com/office/powerpoint/2015/main" val="1"/>
+              </p:ext>
+            </p:extLst>
+          </p:nvPr>
+        </p:nvSpPr>
+        <p:spPr>
+          <a:xfrm>
+            <a:off x="477012" y="480060"/>
+            <a:ext cx="11237976" cy="5897880"/>
           </a:xfrm>
           <a:prstGeom prst="rect">
             <a:avLst/>
           </a:prstGeom>
           <a:noFill/>
-          <a:extLst>
-            <a:ext uri="{909E8E84-426E-40DD-AFC4-6F175D3DCCD1}">
-              <a14:hiddenFill xmlns:a14="http://schemas.microsoft.com/office/drawing/2010/main">
-                <a:solidFill>
-                  <a:srgbClr val="FFFFFF"/>
-                </a:solidFill>
-              </a14:hiddenFill>
-            </a:ext>
-          </a:extLst>
+          <a:ln>
+            <a:solidFill>
+              <a:schemeClr val="bg1"/>
+            </a:solidFill>
+          </a:ln>
+        </p:spPr>
+        <p:style>
+          <a:lnRef idx="2">
+            <a:schemeClr val="accent1">
+              <a:shade val="50000"/>
+            </a:schemeClr>
+          </a:lnRef>
+          <a:fillRef idx="1">
+            <a:schemeClr val="accent1"/>
+          </a:fillRef>
+          <a:effectRef idx="0">
+            <a:schemeClr val="accent1"/>
+          </a:effectRef>
+          <a:fontRef idx="minor">
+            <a:schemeClr val="lt1"/>
+          </a:fontRef>
+        </p:style>
+        <p:txBody>
+          <a:bodyPr rtlCol="0" anchor="ctr"/>
+          <a:lstStyle/>
+          <a:p>
+            <a:pPr algn="ctr"/>
+            <a:endParaRPr lang="en-US"/>
+          </a:p>
+        </p:txBody>
+      </p:sp>
+      <p:sp>
+        <p:nvSpPr>
+          <p:cNvPr id="21" name="Rectangle 20"/>
+          <p:cNvSpPr>
+            <a:spLocks noGrp="1" noRot="1" noChangeAspect="1" noMove="1" noResize="1" noEditPoints="1" noAdjustHandles="1" noChangeArrowheads="1" noChangeShapeType="1" noTextEdit="1"/>
+          </p:cNvSpPr>
+          <p:nvPr>
+            <p:extLst>
+              <p:ext uri="{386F3935-93C4-4BCD-93E2-E3B085C9AB24}">
+                <p16:designElem xmlns:p16="http://schemas.microsoft.com/office/powerpoint/2015/main" val="1"/>
+              </p:ext>
+            </p:extLst>
+          </p:nvPr>
+        </p:nvSpPr>
+        <p:spPr>
+          <a:xfrm>
+            <a:off x="643466" y="643468"/>
+            <a:ext cx="10905067" cy="5571066"/>
+          </a:xfrm>
+          <a:prstGeom prst="rect">
+            <a:avLst/>
+          </a:prstGeom>
+          <a:solidFill>
+            <a:srgbClr val="FFFFFF"/>
+          </a:solidFill>
+          <a:ln>
+            <a:noFill/>
+          </a:ln>
+        </p:spPr>
+        <p:style>
+          <a:lnRef idx="2">
+            <a:schemeClr val="accent1">
+              <a:shade val="50000"/>
+            </a:schemeClr>
+          </a:lnRef>
+          <a:fillRef idx="1">
+            <a:schemeClr val="accent1"/>
+          </a:fillRef>
+          <a:effectRef idx="0">
+            <a:schemeClr val="accent1"/>
+          </a:effectRef>
+          <a:fontRef idx="minor">
+            <a:schemeClr val="lt1"/>
+          </a:fontRef>
+        </p:style>
+        <p:txBody>
+          <a:bodyPr rtlCol="0" anchor="ctr"/>
+          <a:lstStyle/>
+          <a:p>
+            <a:pPr algn="ctr"/>
+            <a:endParaRPr lang="en-US"/>
+          </a:p>
+        </p:txBody>
+      </p:sp>
+      <p:pic>
+        <p:nvPicPr>
+          <p:cNvPr id="4" name="Imagem 3"/>
+          <p:cNvPicPr>
+            <a:picLocks noChangeAspect="1"/>
+          </p:cNvPicPr>
+          <p:nvPr/>
+        </p:nvPicPr>
+        <p:blipFill>
+          <a:blip r:embed="rId2">
+            <a:extLst>
+              <a:ext uri="{28A0092B-C50C-407E-A947-70E740481C1C}">
+                <a14:useLocalDpi xmlns:a14="http://schemas.microsoft.com/office/drawing/2010/main" val="0"/>
+              </a:ext>
+            </a:extLst>
+          </a:blip>
+          <a:stretch>
+            <a:fillRect/>
+          </a:stretch>
+        </p:blipFill>
+        <p:spPr>
+          <a:xfrm>
+            <a:off x="971550" y="1524000"/>
+            <a:ext cx="10248900" cy="3810000"/>
+          </a:xfrm>
+          <a:prstGeom prst="rect">
+            <a:avLst/>
+          </a:prstGeom>
         </p:spPr>
       </p:pic>
     </p:spTree>
     <p:extLst>
       <p:ext uri="{BB962C8B-B14F-4D97-AF65-F5344CB8AC3E}">
-        <p14:creationId xmlns:p14="http://schemas.microsoft.com/office/powerpoint/2010/main" val="3385620981"/>
+        <p14:creationId xmlns:p14="http://schemas.microsoft.com/office/powerpoint/2010/main" val="1369636558"/>
+      </p:ext>
+    </p:extLst>
+  </p:cSld>
+  <p:clrMapOvr>
+    <a:masterClrMapping/>
+  </p:clrMapOvr>
+</p:sld>
+</file>
+
+<file path=ppt/slides/slide16.xml><?xml version="1.0" encoding="utf-8"?>
+<p:sld xmlns:a="http://schemas.openxmlformats.org/drawingml/2006/main" xmlns:r="http://schemas.openxmlformats.org/officeDocument/2006/relationships" xmlns:p="http://schemas.openxmlformats.org/presentationml/2006/main">
+  <p:cSld>
+    <p:spTree>
+      <p:nvGrpSpPr>
+        <p:cNvPr id="1" name=""/>
+        <p:cNvGrpSpPr/>
+        <p:nvPr/>
+      </p:nvGrpSpPr>
+      <p:grpSpPr>
+        <a:xfrm>
+          <a:off x="0" y="0"/>
+          <a:ext cx="0" cy="0"/>
+          <a:chOff x="0" y="0"/>
+          <a:chExt cx="0" cy="0"/>
+        </a:xfrm>
+      </p:grpSpPr>
+      <p:sp>
+        <p:nvSpPr>
+          <p:cNvPr id="2" name="Título 1"/>
+          <p:cNvSpPr>
+            <a:spLocks noGrp="1"/>
+          </p:cNvSpPr>
+          <p:nvPr>
+            <p:ph type="title"/>
+          </p:nvPr>
+        </p:nvSpPr>
+        <p:spPr>
+          <a:xfrm>
+            <a:off x="838200" y="500062"/>
+            <a:ext cx="10515600" cy="1325563"/>
+          </a:xfrm>
+        </p:spPr>
+        <p:txBody>
+          <a:bodyPr/>
+          <a:lstStyle/>
+          <a:p>
+            <a:r>
+              <a:rPr lang="pt-PT" dirty="0">
+                <a:latin typeface="+mn-lt"/>
+              </a:rPr>
+              <a:t>Histograma (continuação)</a:t>
+            </a:r>
+          </a:p>
+        </p:txBody>
+      </p:sp>
+      <p:cxnSp>
+        <p:nvCxnSpPr>
+          <p:cNvPr id="5" name="Conexão reta 4"/>
+          <p:cNvCxnSpPr/>
+          <p:nvPr/>
+        </p:nvCxnSpPr>
+        <p:spPr>
+          <a:xfrm flipV="1">
+            <a:off x="838200" y="1660991"/>
+            <a:ext cx="10080000" cy="2"/>
+          </a:xfrm>
+          <a:prstGeom prst="line">
+            <a:avLst/>
+          </a:prstGeom>
+          <a:ln w="12700">
+            <a:solidFill>
+              <a:schemeClr val="tx1"/>
+            </a:solidFill>
+          </a:ln>
+        </p:spPr>
+        <p:style>
+          <a:lnRef idx="1">
+            <a:schemeClr val="accent1"/>
+          </a:lnRef>
+          <a:fillRef idx="0">
+            <a:schemeClr val="accent1"/>
+          </a:fillRef>
+          <a:effectRef idx="0">
+            <a:schemeClr val="accent1"/>
+          </a:effectRef>
+          <a:fontRef idx="minor">
+            <a:schemeClr val="tx1"/>
+          </a:fontRef>
+        </p:style>
+      </p:cxnSp>
+      <p:sp>
+        <p:nvSpPr>
+          <p:cNvPr id="6" name="Marcador de Posição de Conteúdo 2"/>
+          <p:cNvSpPr>
+            <a:spLocks noGrp="1"/>
+          </p:cNvSpPr>
+          <p:nvPr>
+            <p:ph idx="1"/>
+          </p:nvPr>
+        </p:nvSpPr>
+        <p:spPr>
+          <a:xfrm>
+            <a:off x="838200" y="2089395"/>
+            <a:ext cx="10515600" cy="4119563"/>
+          </a:xfrm>
+        </p:spPr>
+        <p:txBody>
+          <a:bodyPr>
+            <a:normAutofit fontScale="92500" lnSpcReduction="10000"/>
+          </a:bodyPr>
+          <a:lstStyle/>
+          <a:p>
+            <a:pPr marL="0" indent="0">
+              <a:buNone/>
+            </a:pPr>
+            <a:r>
+              <a:rPr lang="en-US" b="1" dirty="0"/>
+              <a:t>SELECT </a:t>
+            </a:r>
+            <a:r>
+              <a:rPr lang="en-US" b="1" dirty="0" err="1"/>
+              <a:t>mes</a:t>
+            </a:r>
+            <a:r>
+              <a:rPr lang="en-US" b="1" dirty="0"/>
+              <a:t>, taxi, COUNT(*) </a:t>
+            </a:r>
+            <a:endParaRPr lang="pt-PT" b="1" dirty="0"/>
+          </a:p>
+          <a:p>
+            <a:pPr marL="0" indent="0">
+              <a:buNone/>
+            </a:pPr>
+            <a:r>
+              <a:rPr lang="en-US" b="1" dirty="0"/>
+              <a:t>FROM (SELECT </a:t>
+            </a:r>
+            <a:r>
+              <a:rPr lang="en-US" b="1" dirty="0" err="1"/>
+              <a:t>mes_i</a:t>
+            </a:r>
+            <a:r>
+              <a:rPr lang="en-US" b="1" dirty="0"/>
+              <a:t> AS </a:t>
+            </a:r>
+            <a:r>
+              <a:rPr lang="en-US" b="1" dirty="0" err="1"/>
+              <a:t>mes</a:t>
+            </a:r>
+            <a:r>
+              <a:rPr lang="en-US" b="1" dirty="0"/>
+              <a:t>, </a:t>
+            </a:r>
+            <a:r>
+              <a:rPr lang="en-US" b="1" dirty="0" err="1"/>
+              <a:t>nlicenca</a:t>
+            </a:r>
+            <a:r>
+              <a:rPr lang="en-US" b="1" dirty="0"/>
+              <a:t> AS taxi </a:t>
+            </a:r>
+            <a:endParaRPr lang="pt-PT" b="1" dirty="0"/>
+          </a:p>
+          <a:p>
+            <a:pPr marL="0" indent="0">
+              <a:buNone/>
+            </a:pPr>
+            <a:r>
+              <a:rPr lang="en-US" b="1" dirty="0"/>
+              <a:t>	FROM </a:t>
+            </a:r>
+            <a:r>
+              <a:rPr lang="en-US" b="1" dirty="0" err="1"/>
+              <a:t>dw_taxi_services</a:t>
+            </a:r>
+            <a:r>
+              <a:rPr lang="en-US" b="1" dirty="0"/>
+              <a:t> </a:t>
+            </a:r>
+            <a:endParaRPr lang="pt-PT" b="1" dirty="0"/>
+          </a:p>
+          <a:p>
+            <a:pPr marL="0" indent="0">
+              <a:buNone/>
+            </a:pPr>
+            <a:r>
+              <a:rPr lang="en-US" b="1" dirty="0"/>
+              <a:t>	INNER JOIN </a:t>
+            </a:r>
+            <a:r>
+              <a:rPr lang="en-US" b="1" dirty="0" err="1"/>
+              <a:t>dw_taxi</a:t>
+            </a:r>
+            <a:r>
+              <a:rPr lang="en-US" b="1" dirty="0"/>
+              <a:t> ON</a:t>
+            </a:r>
+            <a:endParaRPr lang="pt-PT" b="1" dirty="0"/>
+          </a:p>
+          <a:p>
+            <a:pPr marL="0" indent="0">
+              <a:buNone/>
+            </a:pPr>
+            <a:r>
+              <a:rPr lang="en-US" b="1" dirty="0"/>
+              <a:t>		</a:t>
+            </a:r>
+            <a:r>
+              <a:rPr lang="en-US" b="1" dirty="0" err="1"/>
+              <a:t>dw_taxi_services.taxi_id</a:t>
+            </a:r>
+            <a:r>
+              <a:rPr lang="en-US" b="1" dirty="0"/>
+              <a:t> = </a:t>
+            </a:r>
+            <a:r>
+              <a:rPr lang="en-US" b="1" dirty="0" err="1"/>
+              <a:t>dw_taxi.taxi_id</a:t>
+            </a:r>
+            <a:r>
+              <a:rPr lang="en-US" b="1" dirty="0"/>
+              <a:t> </a:t>
+            </a:r>
+            <a:endParaRPr lang="pt-PT" b="1" dirty="0"/>
+          </a:p>
+          <a:p>
+            <a:pPr marL="0" indent="0">
+              <a:buNone/>
+            </a:pPr>
+            <a:r>
+              <a:rPr lang="en-US" b="1" dirty="0"/>
+              <a:t>	INNER JOIN </a:t>
+            </a:r>
+            <a:r>
+              <a:rPr lang="en-US" b="1" dirty="0" err="1"/>
+              <a:t>dw_tempo</a:t>
+            </a:r>
+            <a:r>
+              <a:rPr lang="en-US" b="1" dirty="0"/>
+              <a:t> ON</a:t>
+            </a:r>
+            <a:endParaRPr lang="pt-PT" b="1" dirty="0"/>
+          </a:p>
+          <a:p>
+            <a:pPr marL="0" indent="0">
+              <a:buNone/>
+            </a:pPr>
+            <a:r>
+              <a:rPr lang="en-US" b="1" dirty="0"/>
+              <a:t>		</a:t>
+            </a:r>
+            <a:r>
+              <a:rPr lang="en-US" b="1" dirty="0" err="1"/>
+              <a:t>dw_taxi_services.tempo_id</a:t>
+            </a:r>
+            <a:r>
+              <a:rPr lang="en-US" b="1" dirty="0"/>
+              <a:t> = </a:t>
+            </a:r>
+            <a:r>
+              <a:rPr lang="en-US" b="1" dirty="0" err="1"/>
+              <a:t>dw_tempo.tempo_id</a:t>
+            </a:r>
+            <a:r>
+              <a:rPr lang="en-US" b="1" dirty="0"/>
+              <a:t>) AS aux </a:t>
+            </a:r>
+            <a:endParaRPr lang="pt-PT" b="1" dirty="0"/>
+          </a:p>
+          <a:p>
+            <a:pPr marL="0" indent="0">
+              <a:buNone/>
+            </a:pPr>
+            <a:r>
+              <a:rPr lang="en-US" b="1" dirty="0"/>
+              <a:t>GROUP BY </a:t>
+            </a:r>
+            <a:r>
+              <a:rPr lang="en-US" b="1" dirty="0" err="1"/>
+              <a:t>mes</a:t>
+            </a:r>
+            <a:r>
+              <a:rPr lang="en-US" b="1" dirty="0"/>
+              <a:t>, taxi </a:t>
+            </a:r>
+            <a:endParaRPr lang="pt-PT" b="1" dirty="0"/>
+          </a:p>
+          <a:p>
+            <a:pPr marL="0" indent="0">
+              <a:buNone/>
+            </a:pPr>
+            <a:r>
+              <a:rPr lang="en-US" b="1" dirty="0"/>
+              <a:t>LIMIT 10;</a:t>
+            </a:r>
+            <a:endParaRPr lang="pt-PT" b="1" dirty="0"/>
+          </a:p>
+        </p:txBody>
+      </p:sp>
+    </p:spTree>
+    <p:extLst>
+      <p:ext uri="{BB962C8B-B14F-4D97-AF65-F5344CB8AC3E}">
+        <p14:creationId xmlns:p14="http://schemas.microsoft.com/office/powerpoint/2010/main" val="2904082290"/>
+      </p:ext>
+    </p:extLst>
+  </p:cSld>
+  <p:clrMapOvr>
+    <a:masterClrMapping/>
+  </p:clrMapOvr>
+</p:sld>
+</file>
+
+<file path=ppt/slides/slide17.xml><?xml version="1.0" encoding="utf-8"?>
+<p:sld xmlns:a="http://schemas.openxmlformats.org/drawingml/2006/main" xmlns:r="http://schemas.openxmlformats.org/officeDocument/2006/relationships" xmlns:p="http://schemas.openxmlformats.org/presentationml/2006/main">
+  <p:cSld>
+    <p:spTree>
+      <p:nvGrpSpPr>
+        <p:cNvPr id="1" name=""/>
+        <p:cNvGrpSpPr/>
+        <p:nvPr/>
+      </p:nvGrpSpPr>
+      <p:grpSpPr>
+        <a:xfrm>
+          <a:off x="0" y="0"/>
+          <a:ext cx="0" cy="0"/>
+          <a:chOff x="0" y="0"/>
+          <a:chExt cx="0" cy="0"/>
+        </a:xfrm>
+      </p:grpSpPr>
+      <p:sp>
+        <p:nvSpPr>
+          <p:cNvPr id="15" name="Rectangle 14"/>
+          <p:cNvSpPr>
+            <a:spLocks noGrp="1" noRot="1" noChangeAspect="1" noMove="1" noResize="1" noEditPoints="1" noAdjustHandles="1" noChangeArrowheads="1" noChangeShapeType="1" noTextEdit="1"/>
+          </p:cNvSpPr>
+          <p:nvPr>
+            <p:extLst>
+              <p:ext uri="{386F3935-93C4-4BCD-93E2-E3B085C9AB24}">
+                <p16:designElem xmlns:p16="http://schemas.microsoft.com/office/powerpoint/2015/main" val="1"/>
+              </p:ext>
+            </p:extLst>
+          </p:nvPr>
+        </p:nvSpPr>
+        <p:spPr bwMode="white">
+          <a:xfrm>
+            <a:off x="0" y="0"/>
+            <a:ext cx="12192000" cy="6858000"/>
+          </a:xfrm>
+          <a:prstGeom prst="rect">
+            <a:avLst/>
+          </a:prstGeom>
+          <a:solidFill>
+            <a:schemeClr val="bg1"/>
+          </a:solidFill>
+          <a:ln>
+            <a:noFill/>
+          </a:ln>
+          <a:effectLst/>
+        </p:spPr>
+      </p:sp>
+      <p:sp>
+        <p:nvSpPr>
+          <p:cNvPr id="17" name="Rectangle 16"/>
+          <p:cNvSpPr>
+            <a:spLocks noGrp="1" noRot="1" noChangeAspect="1" noMove="1" noResize="1" noEditPoints="1" noAdjustHandles="1" noChangeArrowheads="1" noChangeShapeType="1" noTextEdit="1"/>
+          </p:cNvSpPr>
+          <p:nvPr>
+            <p:extLst>
+              <p:ext uri="{386F3935-93C4-4BCD-93E2-E3B085C9AB24}">
+                <p16:designElem xmlns:p16="http://schemas.microsoft.com/office/powerpoint/2015/main" val="1"/>
+              </p:ext>
+            </p:extLst>
+          </p:nvPr>
+        </p:nvSpPr>
+        <p:spPr>
+          <a:xfrm>
+            <a:off x="0" y="0"/>
+            <a:ext cx="12192000" cy="6858000"/>
+          </a:xfrm>
+          <a:prstGeom prst="rect">
+            <a:avLst/>
+          </a:prstGeom>
+          <a:solidFill>
+            <a:schemeClr val="bg1">
+              <a:lumMod val="75000"/>
+            </a:schemeClr>
+          </a:solidFill>
+          <a:ln>
+            <a:noFill/>
+          </a:ln>
+        </p:spPr>
+        <p:style>
+          <a:lnRef idx="2">
+            <a:schemeClr val="accent1">
+              <a:shade val="50000"/>
+            </a:schemeClr>
+          </a:lnRef>
+          <a:fillRef idx="1">
+            <a:schemeClr val="accent1"/>
+          </a:fillRef>
+          <a:effectRef idx="0">
+            <a:schemeClr val="accent1"/>
+          </a:effectRef>
+          <a:fontRef idx="minor">
+            <a:schemeClr val="lt1"/>
+          </a:fontRef>
+        </p:style>
+        <p:txBody>
+          <a:bodyPr rtlCol="0" anchor="ctr"/>
+          <a:lstStyle/>
+          <a:p>
+            <a:pPr algn="ctr"/>
+            <a:endParaRPr lang="en-US"/>
+          </a:p>
+        </p:txBody>
+      </p:sp>
+      <p:sp>
+        <p:nvSpPr>
+          <p:cNvPr id="19" name="Rectangle 18"/>
+          <p:cNvSpPr>
+            <a:spLocks noGrp="1" noRot="1" noChangeAspect="1" noMove="1" noResize="1" noEditPoints="1" noAdjustHandles="1" noChangeArrowheads="1" noChangeShapeType="1" noTextEdit="1"/>
+          </p:cNvSpPr>
+          <p:nvPr>
+            <p:extLst>
+              <p:ext uri="{386F3935-93C4-4BCD-93E2-E3B085C9AB24}">
+                <p16:designElem xmlns:p16="http://schemas.microsoft.com/office/powerpoint/2015/main" val="1"/>
+              </p:ext>
+            </p:extLst>
+          </p:nvPr>
+        </p:nvSpPr>
+        <p:spPr>
+          <a:xfrm>
+            <a:off x="477012" y="480060"/>
+            <a:ext cx="11237976" cy="5897880"/>
+          </a:xfrm>
+          <a:prstGeom prst="rect">
+            <a:avLst/>
+          </a:prstGeom>
+          <a:noFill/>
+          <a:ln>
+            <a:solidFill>
+              <a:schemeClr val="bg1"/>
+            </a:solidFill>
+          </a:ln>
+        </p:spPr>
+        <p:style>
+          <a:lnRef idx="2">
+            <a:schemeClr val="accent1">
+              <a:shade val="50000"/>
+            </a:schemeClr>
+          </a:lnRef>
+          <a:fillRef idx="1">
+            <a:schemeClr val="accent1"/>
+          </a:fillRef>
+          <a:effectRef idx="0">
+            <a:schemeClr val="accent1"/>
+          </a:effectRef>
+          <a:fontRef idx="minor">
+            <a:schemeClr val="lt1"/>
+          </a:fontRef>
+        </p:style>
+        <p:txBody>
+          <a:bodyPr rtlCol="0" anchor="ctr"/>
+          <a:lstStyle/>
+          <a:p>
+            <a:pPr algn="ctr"/>
+            <a:endParaRPr lang="en-US"/>
+          </a:p>
+        </p:txBody>
+      </p:sp>
+      <p:sp>
+        <p:nvSpPr>
+          <p:cNvPr id="21" name="Rectangle 20"/>
+          <p:cNvSpPr>
+            <a:spLocks noGrp="1" noRot="1" noChangeAspect="1" noMove="1" noResize="1" noEditPoints="1" noAdjustHandles="1" noChangeArrowheads="1" noChangeShapeType="1" noTextEdit="1"/>
+          </p:cNvSpPr>
+          <p:nvPr>
+            <p:extLst>
+              <p:ext uri="{386F3935-93C4-4BCD-93E2-E3B085C9AB24}">
+                <p16:designElem xmlns:p16="http://schemas.microsoft.com/office/powerpoint/2015/main" val="1"/>
+              </p:ext>
+            </p:extLst>
+          </p:nvPr>
+        </p:nvSpPr>
+        <p:spPr>
+          <a:xfrm>
+            <a:off x="643466" y="643468"/>
+            <a:ext cx="10905067" cy="5571066"/>
+          </a:xfrm>
+          <a:prstGeom prst="rect">
+            <a:avLst/>
+          </a:prstGeom>
+          <a:solidFill>
+            <a:srgbClr val="FFFFFF"/>
+          </a:solidFill>
+          <a:ln>
+            <a:noFill/>
+          </a:ln>
+        </p:spPr>
+        <p:style>
+          <a:lnRef idx="2">
+            <a:schemeClr val="accent1">
+              <a:shade val="50000"/>
+            </a:schemeClr>
+          </a:lnRef>
+          <a:fillRef idx="1">
+            <a:schemeClr val="accent1"/>
+          </a:fillRef>
+          <a:effectRef idx="0">
+            <a:schemeClr val="accent1"/>
+          </a:effectRef>
+          <a:fontRef idx="minor">
+            <a:schemeClr val="lt1"/>
+          </a:fontRef>
+        </p:style>
+        <p:txBody>
+          <a:bodyPr rtlCol="0" anchor="ctr"/>
+          <a:lstStyle/>
+          <a:p>
+            <a:pPr algn="ctr"/>
+            <a:endParaRPr lang="en-US"/>
+          </a:p>
+        </p:txBody>
+      </p:sp>
+      <p:pic>
+        <p:nvPicPr>
+          <p:cNvPr id="3" name="Imagem 2"/>
+          <p:cNvPicPr>
+            <a:picLocks noChangeAspect="1"/>
+          </p:cNvPicPr>
+          <p:nvPr/>
+        </p:nvPicPr>
+        <p:blipFill>
+          <a:blip r:embed="rId2">
+            <a:extLst>
+              <a:ext uri="{28A0092B-C50C-407E-A947-70E740481C1C}">
+                <a14:useLocalDpi xmlns:a14="http://schemas.microsoft.com/office/drawing/2010/main" val="0"/>
+              </a:ext>
+            </a:extLst>
+          </a:blip>
+          <a:stretch>
+            <a:fillRect/>
+          </a:stretch>
+        </p:blipFill>
+        <p:spPr>
+          <a:xfrm>
+            <a:off x="1251614" y="1543923"/>
+            <a:ext cx="9716402" cy="3834322"/>
+          </a:xfrm>
+          <a:prstGeom prst="rect">
+            <a:avLst/>
+          </a:prstGeom>
+        </p:spPr>
+      </p:pic>
+    </p:spTree>
+    <p:extLst>
+      <p:ext uri="{BB962C8B-B14F-4D97-AF65-F5344CB8AC3E}">
+        <p14:creationId xmlns:p14="http://schemas.microsoft.com/office/powerpoint/2010/main" val="1096046860"/>
+      </p:ext>
+    </p:extLst>
+  </p:cSld>
+  <p:clrMapOvr>
+    <a:masterClrMapping/>
+  </p:clrMapOvr>
+</p:sld>
+</file>
+
+<file path=ppt/slides/slide18.xml><?xml version="1.0" encoding="utf-8"?>
+<p:sld xmlns:a="http://schemas.openxmlformats.org/drawingml/2006/main" xmlns:r="http://schemas.openxmlformats.org/officeDocument/2006/relationships" xmlns:p="http://schemas.openxmlformats.org/presentationml/2006/main">
+  <p:cSld>
+    <p:spTree>
+      <p:nvGrpSpPr>
+        <p:cNvPr id="1" name=""/>
+        <p:cNvGrpSpPr/>
+        <p:nvPr/>
+      </p:nvGrpSpPr>
+      <p:grpSpPr>
+        <a:xfrm>
+          <a:off x="0" y="0"/>
+          <a:ext cx="0" cy="0"/>
+          <a:chOff x="0" y="0"/>
+          <a:chExt cx="0" cy="0"/>
+        </a:xfrm>
+      </p:grpSpPr>
+      <p:sp>
+        <p:nvSpPr>
+          <p:cNvPr id="2" name="Título 1"/>
+          <p:cNvSpPr>
+            <a:spLocks noGrp="1"/>
+          </p:cNvSpPr>
+          <p:nvPr>
+            <p:ph type="title"/>
+          </p:nvPr>
+        </p:nvSpPr>
+        <p:spPr>
+          <a:xfrm>
+            <a:off x="838200" y="500062"/>
+            <a:ext cx="10515600" cy="1325563"/>
+          </a:xfrm>
+        </p:spPr>
+        <p:txBody>
+          <a:bodyPr/>
+          <a:lstStyle/>
+          <a:p>
+            <a:r>
+              <a:rPr lang="pt-PT" dirty="0">
+                <a:latin typeface="+mn-lt"/>
+              </a:rPr>
+              <a:t>Histograma (continuação)</a:t>
+            </a:r>
+          </a:p>
+        </p:txBody>
+      </p:sp>
+      <p:cxnSp>
+        <p:nvCxnSpPr>
+          <p:cNvPr id="5" name="Conexão reta 4"/>
+          <p:cNvCxnSpPr/>
+          <p:nvPr/>
+        </p:nvCxnSpPr>
+        <p:spPr>
+          <a:xfrm flipV="1">
+            <a:off x="838200" y="1660991"/>
+            <a:ext cx="10080000" cy="2"/>
+          </a:xfrm>
+          <a:prstGeom prst="line">
+            <a:avLst/>
+          </a:prstGeom>
+          <a:ln w="12700">
+            <a:solidFill>
+              <a:schemeClr val="tx1"/>
+            </a:solidFill>
+          </a:ln>
+        </p:spPr>
+        <p:style>
+          <a:lnRef idx="1">
+            <a:schemeClr val="accent1"/>
+          </a:lnRef>
+          <a:fillRef idx="0">
+            <a:schemeClr val="accent1"/>
+          </a:fillRef>
+          <a:effectRef idx="0">
+            <a:schemeClr val="accent1"/>
+          </a:effectRef>
+          <a:fontRef idx="minor">
+            <a:schemeClr val="tx1"/>
+          </a:fontRef>
+        </p:style>
+      </p:cxnSp>
+      <p:sp>
+        <p:nvSpPr>
+          <p:cNvPr id="6" name="Marcador de Posição de Conteúdo 2"/>
+          <p:cNvSpPr>
+            <a:spLocks noGrp="1"/>
+          </p:cNvSpPr>
+          <p:nvPr>
+            <p:ph idx="1"/>
+          </p:nvPr>
+        </p:nvSpPr>
+        <p:spPr>
+          <a:xfrm>
+            <a:off x="838200" y="2089395"/>
+            <a:ext cx="10515600" cy="4119563"/>
+          </a:xfrm>
+        </p:spPr>
+        <p:txBody>
+          <a:bodyPr>
+            <a:normAutofit fontScale="92500" lnSpcReduction="10000"/>
+          </a:bodyPr>
+          <a:lstStyle/>
+          <a:p>
+            <a:pPr marL="0" indent="0">
+              <a:buNone/>
+            </a:pPr>
+            <a:r>
+              <a:rPr lang="en-US" b="1" dirty="0"/>
+              <a:t>SELECT </a:t>
+            </a:r>
+            <a:r>
+              <a:rPr lang="en-US" b="1" dirty="0" err="1"/>
+              <a:t>mes</a:t>
+            </a:r>
+            <a:r>
+              <a:rPr lang="en-US" b="1" dirty="0"/>
+              <a:t>, taxi, MAX(CAST(</a:t>
+            </a:r>
+            <a:r>
+              <a:rPr lang="en-US" b="1" dirty="0" err="1"/>
+              <a:t>tempototal</a:t>
+            </a:r>
+            <a:r>
+              <a:rPr lang="en-US" b="1" dirty="0"/>
+              <a:t> as interval)) </a:t>
+            </a:r>
+            <a:endParaRPr lang="pt-PT" b="1" dirty="0"/>
+          </a:p>
+          <a:p>
+            <a:pPr marL="0" indent="0">
+              <a:buNone/>
+            </a:pPr>
+            <a:r>
+              <a:rPr lang="en-US" b="1" dirty="0"/>
+              <a:t>FROM (SELECT </a:t>
+            </a:r>
+            <a:r>
+              <a:rPr lang="en-US" b="1" dirty="0" err="1"/>
+              <a:t>mes_i</a:t>
+            </a:r>
+            <a:r>
+              <a:rPr lang="en-US" b="1" dirty="0"/>
+              <a:t> AS </a:t>
+            </a:r>
+            <a:r>
+              <a:rPr lang="en-US" b="1" dirty="0" err="1"/>
+              <a:t>mes</a:t>
+            </a:r>
+            <a:r>
+              <a:rPr lang="en-US" b="1" dirty="0"/>
+              <a:t>, </a:t>
+            </a:r>
+            <a:r>
+              <a:rPr lang="en-US" b="1" dirty="0" err="1"/>
+              <a:t>nlicenca</a:t>
+            </a:r>
+            <a:r>
+              <a:rPr lang="en-US" b="1" dirty="0"/>
+              <a:t> AS taxi, </a:t>
+            </a:r>
+            <a:r>
+              <a:rPr lang="en-US" b="1" dirty="0" err="1"/>
+              <a:t>tempototal</a:t>
+            </a:r>
+            <a:r>
+              <a:rPr lang="en-US" b="1" dirty="0"/>
+              <a:t> </a:t>
+            </a:r>
+            <a:endParaRPr lang="pt-PT" b="1" dirty="0"/>
+          </a:p>
+          <a:p>
+            <a:pPr marL="0" indent="0">
+              <a:buNone/>
+            </a:pPr>
+            <a:r>
+              <a:rPr lang="en-US" b="1" dirty="0"/>
+              <a:t>	FROM </a:t>
+            </a:r>
+            <a:r>
+              <a:rPr lang="en-US" b="1" dirty="0" err="1"/>
+              <a:t>dw_taxi_services</a:t>
+            </a:r>
+            <a:r>
+              <a:rPr lang="en-US" b="1" dirty="0"/>
+              <a:t> </a:t>
+            </a:r>
+            <a:endParaRPr lang="pt-PT" b="1" dirty="0"/>
+          </a:p>
+          <a:p>
+            <a:pPr marL="0" indent="0">
+              <a:buNone/>
+            </a:pPr>
+            <a:r>
+              <a:rPr lang="en-US" b="1" dirty="0"/>
+              <a:t>	INNER JOIN </a:t>
+            </a:r>
+            <a:r>
+              <a:rPr lang="en-US" b="1" dirty="0" err="1"/>
+              <a:t>dw_taxi</a:t>
+            </a:r>
+            <a:r>
+              <a:rPr lang="en-US" b="1" dirty="0"/>
+              <a:t> ON </a:t>
+            </a:r>
+            <a:endParaRPr lang="pt-PT" b="1" dirty="0"/>
+          </a:p>
+          <a:p>
+            <a:pPr marL="0" indent="0">
+              <a:buNone/>
+            </a:pPr>
+            <a:r>
+              <a:rPr lang="en-US" b="1" dirty="0"/>
+              <a:t>		</a:t>
+            </a:r>
+            <a:r>
+              <a:rPr lang="en-US" b="1" dirty="0" err="1"/>
+              <a:t>dw_taxi.taxi_id</a:t>
+            </a:r>
+            <a:r>
+              <a:rPr lang="en-US" b="1" dirty="0"/>
+              <a:t> = </a:t>
+            </a:r>
+            <a:r>
+              <a:rPr lang="en-US" b="1" dirty="0" err="1"/>
+              <a:t>dw_taxi_services.taxi_id</a:t>
+            </a:r>
+            <a:r>
+              <a:rPr lang="en-US" b="1" dirty="0"/>
+              <a:t> </a:t>
+            </a:r>
+            <a:endParaRPr lang="pt-PT" b="1" dirty="0"/>
+          </a:p>
+          <a:p>
+            <a:pPr marL="0" indent="0">
+              <a:buNone/>
+            </a:pPr>
+            <a:r>
+              <a:rPr lang="en-US" b="1" dirty="0"/>
+              <a:t>	INNER JOIN </a:t>
+            </a:r>
+            <a:r>
+              <a:rPr lang="en-US" b="1" dirty="0" err="1"/>
+              <a:t>dw_tempo</a:t>
+            </a:r>
+            <a:r>
+              <a:rPr lang="en-US" b="1" dirty="0"/>
+              <a:t> ON </a:t>
+            </a:r>
+            <a:endParaRPr lang="pt-PT" b="1" dirty="0"/>
+          </a:p>
+          <a:p>
+            <a:pPr marL="0" indent="0">
+              <a:buNone/>
+            </a:pPr>
+            <a:r>
+              <a:rPr lang="en-US" b="1" dirty="0"/>
+              <a:t>		</a:t>
+            </a:r>
+            <a:r>
+              <a:rPr lang="en-US" b="1" dirty="0" err="1"/>
+              <a:t>dw_tempo.tempo_id</a:t>
+            </a:r>
+            <a:r>
+              <a:rPr lang="en-US" b="1" dirty="0"/>
+              <a:t> = </a:t>
+            </a:r>
+            <a:r>
+              <a:rPr lang="en-US" b="1" dirty="0" err="1"/>
+              <a:t>dw_taxi_services.tempo_id</a:t>
+            </a:r>
+            <a:r>
+              <a:rPr lang="en-US" b="1" dirty="0"/>
+              <a:t>) AS aux </a:t>
+            </a:r>
+            <a:endParaRPr lang="pt-PT" b="1" dirty="0"/>
+          </a:p>
+          <a:p>
+            <a:pPr marL="0" indent="0">
+              <a:buNone/>
+            </a:pPr>
+            <a:r>
+              <a:rPr lang="en-US" b="1" dirty="0"/>
+              <a:t>GROUP BY </a:t>
+            </a:r>
+            <a:r>
+              <a:rPr lang="en-US" b="1" dirty="0" err="1"/>
+              <a:t>mes</a:t>
+            </a:r>
+            <a:r>
+              <a:rPr lang="en-US" b="1" dirty="0"/>
+              <a:t>, taxi </a:t>
+            </a:r>
+            <a:endParaRPr lang="pt-PT" b="1" dirty="0"/>
+          </a:p>
+          <a:p>
+            <a:pPr marL="0" indent="0">
+              <a:buNone/>
+            </a:pPr>
+            <a:r>
+              <a:rPr lang="en-US" b="1" dirty="0"/>
+              <a:t>LIMIT 10;</a:t>
+            </a:r>
+            <a:endParaRPr lang="pt-PT" b="1" dirty="0"/>
+          </a:p>
+        </p:txBody>
+      </p:sp>
+    </p:spTree>
+    <p:extLst>
+      <p:ext uri="{BB962C8B-B14F-4D97-AF65-F5344CB8AC3E}">
+        <p14:creationId xmlns:p14="http://schemas.microsoft.com/office/powerpoint/2010/main" val="2894691805"/>
+      </p:ext>
+    </p:extLst>
+  </p:cSld>
+  <p:clrMapOvr>
+    <a:masterClrMapping/>
+  </p:clrMapOvr>
+</p:sld>
+</file>
+
+<file path=ppt/slides/slide19.xml><?xml version="1.0" encoding="utf-8"?>
+<p:sld xmlns:a="http://schemas.openxmlformats.org/drawingml/2006/main" xmlns:r="http://schemas.openxmlformats.org/officeDocument/2006/relationships" xmlns:p="http://schemas.openxmlformats.org/presentationml/2006/main">
+  <p:cSld>
+    <p:spTree>
+      <p:nvGrpSpPr>
+        <p:cNvPr id="1" name=""/>
+        <p:cNvGrpSpPr/>
+        <p:nvPr/>
+      </p:nvGrpSpPr>
+      <p:grpSpPr>
+        <a:xfrm>
+          <a:off x="0" y="0"/>
+          <a:ext cx="0" cy="0"/>
+          <a:chOff x="0" y="0"/>
+          <a:chExt cx="0" cy="0"/>
+        </a:xfrm>
+      </p:grpSpPr>
+      <p:sp>
+        <p:nvSpPr>
+          <p:cNvPr id="15" name="Rectangle 14"/>
+          <p:cNvSpPr>
+            <a:spLocks noGrp="1" noRot="1" noChangeAspect="1" noMove="1" noResize="1" noEditPoints="1" noAdjustHandles="1" noChangeArrowheads="1" noChangeShapeType="1" noTextEdit="1"/>
+          </p:cNvSpPr>
+          <p:nvPr>
+            <p:extLst>
+              <p:ext uri="{386F3935-93C4-4BCD-93E2-E3B085C9AB24}">
+                <p16:designElem xmlns:p16="http://schemas.microsoft.com/office/powerpoint/2015/main" val="1"/>
+              </p:ext>
+            </p:extLst>
+          </p:nvPr>
+        </p:nvSpPr>
+        <p:spPr bwMode="white">
+          <a:xfrm>
+            <a:off x="0" y="0"/>
+            <a:ext cx="12192000" cy="6858000"/>
+          </a:xfrm>
+          <a:prstGeom prst="rect">
+            <a:avLst/>
+          </a:prstGeom>
+          <a:solidFill>
+            <a:schemeClr val="bg1"/>
+          </a:solidFill>
+          <a:ln>
+            <a:noFill/>
+          </a:ln>
+          <a:effectLst/>
+        </p:spPr>
+      </p:sp>
+      <p:sp>
+        <p:nvSpPr>
+          <p:cNvPr id="17" name="Rectangle 16"/>
+          <p:cNvSpPr>
+            <a:spLocks noGrp="1" noRot="1" noChangeAspect="1" noMove="1" noResize="1" noEditPoints="1" noAdjustHandles="1" noChangeArrowheads="1" noChangeShapeType="1" noTextEdit="1"/>
+          </p:cNvSpPr>
+          <p:nvPr>
+            <p:extLst>
+              <p:ext uri="{386F3935-93C4-4BCD-93E2-E3B085C9AB24}">
+                <p16:designElem xmlns:p16="http://schemas.microsoft.com/office/powerpoint/2015/main" val="1"/>
+              </p:ext>
+            </p:extLst>
+          </p:nvPr>
+        </p:nvSpPr>
+        <p:spPr>
+          <a:xfrm>
+            <a:off x="0" y="0"/>
+            <a:ext cx="12192000" cy="6858000"/>
+          </a:xfrm>
+          <a:prstGeom prst="rect">
+            <a:avLst/>
+          </a:prstGeom>
+          <a:solidFill>
+            <a:schemeClr val="bg1">
+              <a:lumMod val="75000"/>
+            </a:schemeClr>
+          </a:solidFill>
+          <a:ln>
+            <a:noFill/>
+          </a:ln>
+        </p:spPr>
+        <p:style>
+          <a:lnRef idx="2">
+            <a:schemeClr val="accent1">
+              <a:shade val="50000"/>
+            </a:schemeClr>
+          </a:lnRef>
+          <a:fillRef idx="1">
+            <a:schemeClr val="accent1"/>
+          </a:fillRef>
+          <a:effectRef idx="0">
+            <a:schemeClr val="accent1"/>
+          </a:effectRef>
+          <a:fontRef idx="minor">
+            <a:schemeClr val="lt1"/>
+          </a:fontRef>
+        </p:style>
+        <p:txBody>
+          <a:bodyPr rtlCol="0" anchor="ctr"/>
+          <a:lstStyle/>
+          <a:p>
+            <a:pPr algn="ctr"/>
+            <a:endParaRPr lang="en-US"/>
+          </a:p>
+        </p:txBody>
+      </p:sp>
+      <p:sp>
+        <p:nvSpPr>
+          <p:cNvPr id="19" name="Rectangle 18"/>
+          <p:cNvSpPr>
+            <a:spLocks noGrp="1" noRot="1" noChangeAspect="1" noMove="1" noResize="1" noEditPoints="1" noAdjustHandles="1" noChangeArrowheads="1" noChangeShapeType="1" noTextEdit="1"/>
+          </p:cNvSpPr>
+          <p:nvPr>
+            <p:extLst>
+              <p:ext uri="{386F3935-93C4-4BCD-93E2-E3B085C9AB24}">
+                <p16:designElem xmlns:p16="http://schemas.microsoft.com/office/powerpoint/2015/main" val="1"/>
+              </p:ext>
+            </p:extLst>
+          </p:nvPr>
+        </p:nvSpPr>
+        <p:spPr>
+          <a:xfrm>
+            <a:off x="477012" y="480060"/>
+            <a:ext cx="11237976" cy="5897880"/>
+          </a:xfrm>
+          <a:prstGeom prst="rect">
+            <a:avLst/>
+          </a:prstGeom>
+          <a:noFill/>
+          <a:ln>
+            <a:solidFill>
+              <a:schemeClr val="bg1"/>
+            </a:solidFill>
+          </a:ln>
+        </p:spPr>
+        <p:style>
+          <a:lnRef idx="2">
+            <a:schemeClr val="accent1">
+              <a:shade val="50000"/>
+            </a:schemeClr>
+          </a:lnRef>
+          <a:fillRef idx="1">
+            <a:schemeClr val="accent1"/>
+          </a:fillRef>
+          <a:effectRef idx="0">
+            <a:schemeClr val="accent1"/>
+          </a:effectRef>
+          <a:fontRef idx="minor">
+            <a:schemeClr val="lt1"/>
+          </a:fontRef>
+        </p:style>
+        <p:txBody>
+          <a:bodyPr rtlCol="0" anchor="ctr"/>
+          <a:lstStyle/>
+          <a:p>
+            <a:pPr algn="ctr"/>
+            <a:endParaRPr lang="en-US"/>
+          </a:p>
+        </p:txBody>
+      </p:sp>
+      <p:sp>
+        <p:nvSpPr>
+          <p:cNvPr id="21" name="Rectangle 20"/>
+          <p:cNvSpPr>
+            <a:spLocks noGrp="1" noRot="1" noChangeAspect="1" noMove="1" noResize="1" noEditPoints="1" noAdjustHandles="1" noChangeArrowheads="1" noChangeShapeType="1" noTextEdit="1"/>
+          </p:cNvSpPr>
+          <p:nvPr>
+            <p:extLst>
+              <p:ext uri="{386F3935-93C4-4BCD-93E2-E3B085C9AB24}">
+                <p16:designElem xmlns:p16="http://schemas.microsoft.com/office/powerpoint/2015/main" val="1"/>
+              </p:ext>
+            </p:extLst>
+          </p:nvPr>
+        </p:nvSpPr>
+        <p:spPr>
+          <a:xfrm>
+            <a:off x="643466" y="643468"/>
+            <a:ext cx="10905067" cy="5571066"/>
+          </a:xfrm>
+          <a:prstGeom prst="rect">
+            <a:avLst/>
+          </a:prstGeom>
+          <a:solidFill>
+            <a:srgbClr val="FFFFFF"/>
+          </a:solidFill>
+          <a:ln>
+            <a:noFill/>
+          </a:ln>
+        </p:spPr>
+        <p:style>
+          <a:lnRef idx="2">
+            <a:schemeClr val="accent1">
+              <a:shade val="50000"/>
+            </a:schemeClr>
+          </a:lnRef>
+          <a:fillRef idx="1">
+            <a:schemeClr val="accent1"/>
+          </a:fillRef>
+          <a:effectRef idx="0">
+            <a:schemeClr val="accent1"/>
+          </a:effectRef>
+          <a:fontRef idx="minor">
+            <a:schemeClr val="lt1"/>
+          </a:fontRef>
+        </p:style>
+        <p:txBody>
+          <a:bodyPr rtlCol="0" anchor="ctr"/>
+          <a:lstStyle/>
+          <a:p>
+            <a:pPr algn="ctr"/>
+            <a:endParaRPr lang="en-US"/>
+          </a:p>
+        </p:txBody>
+      </p:sp>
+      <p:pic>
+        <p:nvPicPr>
+          <p:cNvPr id="7" name="Imagem 6"/>
+          <p:cNvPicPr>
+            <a:picLocks noChangeAspect="1"/>
+          </p:cNvPicPr>
+          <p:nvPr/>
+        </p:nvPicPr>
+        <p:blipFill rotWithShape="1">
+          <a:blip r:embed="rId2">
+            <a:extLst>
+              <a:ext uri="{28A0092B-C50C-407E-A947-70E740481C1C}">
+                <a14:useLocalDpi xmlns:a14="http://schemas.microsoft.com/office/drawing/2010/main" val="0"/>
+              </a:ext>
+            </a:extLst>
+          </a:blip>
+          <a:srcRect l="-72" t="11804" r="1974"/>
+          <a:stretch/>
+        </p:blipFill>
+        <p:spPr>
+          <a:xfrm>
+            <a:off x="1228799" y="1884325"/>
+            <a:ext cx="9734400" cy="3089350"/>
+          </a:xfrm>
+          <a:prstGeom prst="rect">
+            <a:avLst/>
+          </a:prstGeom>
+        </p:spPr>
+      </p:pic>
+    </p:spTree>
+    <p:extLst>
+      <p:ext uri="{BB962C8B-B14F-4D97-AF65-F5344CB8AC3E}">
+        <p14:creationId xmlns:p14="http://schemas.microsoft.com/office/powerpoint/2010/main" val="146366857"/>
       </p:ext>
     </p:extLst>
   </p:cSld>
@@ -3687,20 +6145,6 @@
 <file path=ppt/slides/slide2.xml><?xml version="1.0" encoding="utf-8"?>
 <p:sld xmlns:a="http://schemas.openxmlformats.org/drawingml/2006/main" xmlns:r="http://schemas.openxmlformats.org/officeDocument/2006/relationships" xmlns:p="http://schemas.openxmlformats.org/presentationml/2006/main">
   <p:cSld>
-    <p:bg>
-      <p:bgPr>
-        <a:blipFill dpi="0" rotWithShape="1">
-          <a:blip r:embed="rId2">
-            <a:lum/>
-          </a:blip>
-          <a:srcRect/>
-          <a:stretch>
-            <a:fillRect/>
-          </a:stretch>
-        </a:blipFill>
-        <a:effectLst/>
-      </p:bgPr>
-    </p:bg>
     <p:spTree>
       <p:nvGrpSpPr>
         <p:cNvPr id="1" name=""/>
@@ -3887,7 +6331,1059 @@
 </p:sld>
 </file>
 
-<file path=ppt/slides/slide3.xml><?xml version="1.0" encoding="utf-8"?>
+<file path=ppt/slides/slide20.xml><?xml version="1.0" encoding="utf-8"?>
+<p:sld xmlns:a="http://schemas.openxmlformats.org/drawingml/2006/main" xmlns:r="http://schemas.openxmlformats.org/officeDocument/2006/relationships" xmlns:p="http://schemas.openxmlformats.org/presentationml/2006/main">
+  <p:cSld>
+    <p:spTree>
+      <p:nvGrpSpPr>
+        <p:cNvPr id="1" name=""/>
+        <p:cNvGrpSpPr/>
+        <p:nvPr/>
+      </p:nvGrpSpPr>
+      <p:grpSpPr>
+        <a:xfrm>
+          <a:off x="0" y="0"/>
+          <a:ext cx="0" cy="0"/>
+          <a:chOff x="0" y="0"/>
+          <a:chExt cx="0" cy="0"/>
+        </a:xfrm>
+      </p:grpSpPr>
+      <p:sp>
+        <p:nvSpPr>
+          <p:cNvPr id="2" name="Título 1"/>
+          <p:cNvSpPr>
+            <a:spLocks noGrp="1"/>
+          </p:cNvSpPr>
+          <p:nvPr>
+            <p:ph type="title"/>
+          </p:nvPr>
+        </p:nvSpPr>
+        <p:spPr>
+          <a:xfrm>
+            <a:off x="838200" y="500062"/>
+            <a:ext cx="10515600" cy="846957"/>
+          </a:xfrm>
+        </p:spPr>
+        <p:txBody>
+          <a:bodyPr/>
+          <a:lstStyle/>
+          <a:p>
+            <a:r>
+              <a:rPr lang="pt-PT" i="1" dirty="0">
+                <a:latin typeface="+mn-lt"/>
+              </a:rPr>
+              <a:t>Cross-</a:t>
+            </a:r>
+            <a:r>
+              <a:rPr lang="pt-PT" i="1" dirty="0" err="1">
+                <a:latin typeface="+mn-lt"/>
+              </a:rPr>
+              <a:t>tabulation</a:t>
+            </a:r>
+            <a:endParaRPr lang="pt-PT" i="1" dirty="0">
+              <a:latin typeface="+mn-lt"/>
+            </a:endParaRPr>
+          </a:p>
+        </p:txBody>
+      </p:sp>
+      <p:cxnSp>
+        <p:nvCxnSpPr>
+          <p:cNvPr id="5" name="Conexão reta 4"/>
+          <p:cNvCxnSpPr/>
+          <p:nvPr/>
+        </p:nvCxnSpPr>
+        <p:spPr>
+          <a:xfrm flipV="1">
+            <a:off x="838200" y="1347019"/>
+            <a:ext cx="10080000" cy="2"/>
+          </a:xfrm>
+          <a:prstGeom prst="line">
+            <a:avLst/>
+          </a:prstGeom>
+          <a:ln w="12700">
+            <a:solidFill>
+              <a:schemeClr val="tx1"/>
+            </a:solidFill>
+          </a:ln>
+        </p:spPr>
+        <p:style>
+          <a:lnRef idx="1">
+            <a:schemeClr val="accent1"/>
+          </a:lnRef>
+          <a:fillRef idx="0">
+            <a:schemeClr val="accent1"/>
+          </a:fillRef>
+          <a:effectRef idx="0">
+            <a:schemeClr val="accent1"/>
+          </a:effectRef>
+          <a:fontRef idx="minor">
+            <a:schemeClr val="tx1"/>
+          </a:fontRef>
+        </p:style>
+      </p:cxnSp>
+      <p:sp>
+        <p:nvSpPr>
+          <p:cNvPr id="6" name="Marcador de Posição de Conteúdo 2"/>
+          <p:cNvSpPr>
+            <a:spLocks noGrp="1"/>
+          </p:cNvSpPr>
+          <p:nvPr>
+            <p:ph idx="1"/>
+          </p:nvPr>
+        </p:nvSpPr>
+        <p:spPr>
+          <a:xfrm>
+            <a:off x="838200" y="1533832"/>
+            <a:ext cx="10515600" cy="4994787"/>
+          </a:xfrm>
+        </p:spPr>
+        <p:txBody>
+          <a:bodyPr>
+            <a:normAutofit fontScale="70000" lnSpcReduction="20000"/>
+          </a:bodyPr>
+          <a:lstStyle/>
+          <a:p>
+            <a:pPr marL="0" indent="0">
+              <a:buNone/>
+            </a:pPr>
+            <a:r>
+              <a:rPr lang="en-US" b="1" dirty="0"/>
+              <a:t>SELECT concelho, </a:t>
+            </a:r>
+            <a:r>
+              <a:rPr lang="en-US" b="1" dirty="0" err="1"/>
+              <a:t>freguesia</a:t>
+            </a:r>
+            <a:r>
+              <a:rPr lang="en-US" b="1" dirty="0"/>
+              <a:t>, </a:t>
+            </a:r>
+            <a:r>
+              <a:rPr lang="en-US" b="1" dirty="0" err="1"/>
+              <a:t>local_id</a:t>
+            </a:r>
+            <a:r>
+              <a:rPr lang="en-US" b="1" dirty="0"/>
+              <a:t>, COUNT(</a:t>
+            </a:r>
+            <a:r>
+              <a:rPr lang="en-US" b="1" dirty="0" err="1"/>
+              <a:t>stand_id</a:t>
+            </a:r>
+            <a:r>
+              <a:rPr lang="en-US" b="1" dirty="0"/>
+              <a:t>) AS </a:t>
+            </a:r>
+            <a:r>
+              <a:rPr lang="en-US" b="1" dirty="0" err="1"/>
+              <a:t>num_stands</a:t>
+            </a:r>
+            <a:r>
+              <a:rPr lang="en-US" b="1" dirty="0"/>
+              <a:t> </a:t>
+            </a:r>
+            <a:endParaRPr lang="pt-PT" b="1" dirty="0"/>
+          </a:p>
+          <a:p>
+            <a:pPr marL="0" indent="0">
+              <a:buNone/>
+            </a:pPr>
+            <a:r>
+              <a:rPr lang="en-US" b="1" dirty="0"/>
+              <a:t>FROM </a:t>
+            </a:r>
+            <a:r>
+              <a:rPr lang="en-US" b="1" dirty="0" err="1"/>
+              <a:t>dw_local</a:t>
+            </a:r>
+            <a:r>
+              <a:rPr lang="en-US" b="1" dirty="0"/>
+              <a:t> WHERE concelho = 'PORTO' </a:t>
+            </a:r>
+            <a:endParaRPr lang="pt-PT" b="1" dirty="0"/>
+          </a:p>
+          <a:p>
+            <a:pPr marL="0" indent="0">
+              <a:buNone/>
+            </a:pPr>
+            <a:r>
+              <a:rPr lang="en-US" b="1" dirty="0"/>
+              <a:t>GROUP BY concelho, </a:t>
+            </a:r>
+            <a:r>
+              <a:rPr lang="en-US" b="1" dirty="0" err="1"/>
+              <a:t>freguesia</a:t>
+            </a:r>
+            <a:r>
+              <a:rPr lang="en-US" b="1" dirty="0"/>
+              <a:t>, </a:t>
+            </a:r>
+            <a:r>
+              <a:rPr lang="en-US" b="1" dirty="0" err="1"/>
+              <a:t>local_id</a:t>
+            </a:r>
+            <a:r>
+              <a:rPr lang="en-US" b="1" dirty="0"/>
+              <a:t> </a:t>
+            </a:r>
+            <a:endParaRPr lang="pt-PT" b="1" dirty="0"/>
+          </a:p>
+          <a:p>
+            <a:pPr marL="0" indent="0">
+              <a:buNone/>
+            </a:pPr>
+            <a:r>
+              <a:rPr lang="en-US" b="1" dirty="0"/>
+              <a:t>UNION ALL </a:t>
+            </a:r>
+            <a:endParaRPr lang="pt-PT" b="1" dirty="0"/>
+          </a:p>
+          <a:p>
+            <a:pPr marL="0" indent="0">
+              <a:buNone/>
+            </a:pPr>
+            <a:r>
+              <a:rPr lang="en-US" b="1" dirty="0"/>
+              <a:t>SELECT concelho, </a:t>
+            </a:r>
+            <a:r>
+              <a:rPr lang="en-US" b="1" dirty="0" err="1"/>
+              <a:t>freguesia</a:t>
+            </a:r>
+            <a:r>
+              <a:rPr lang="en-US" b="1" dirty="0"/>
+              <a:t>, NULL, COUNT(</a:t>
+            </a:r>
+            <a:r>
+              <a:rPr lang="en-US" b="1" dirty="0" err="1"/>
+              <a:t>stand_id</a:t>
+            </a:r>
+            <a:r>
+              <a:rPr lang="en-US" b="1" dirty="0"/>
+              <a:t>) </a:t>
+            </a:r>
+            <a:endParaRPr lang="pt-PT" b="1" dirty="0"/>
+          </a:p>
+          <a:p>
+            <a:pPr marL="0" indent="0">
+              <a:buNone/>
+            </a:pPr>
+            <a:r>
+              <a:rPr lang="en-US" b="1" dirty="0"/>
+              <a:t>FROM </a:t>
+            </a:r>
+            <a:r>
+              <a:rPr lang="en-US" b="1" dirty="0" err="1"/>
+              <a:t>dw_local</a:t>
+            </a:r>
+            <a:r>
+              <a:rPr lang="en-US" b="1" dirty="0"/>
+              <a:t> WHERE concelho = 'PORTO' </a:t>
+            </a:r>
+            <a:endParaRPr lang="pt-PT" b="1" dirty="0"/>
+          </a:p>
+          <a:p>
+            <a:pPr marL="0" indent="0">
+              <a:buNone/>
+            </a:pPr>
+            <a:r>
+              <a:rPr lang="en-US" b="1" dirty="0"/>
+              <a:t>GROUP BY concelho, </a:t>
+            </a:r>
+            <a:r>
+              <a:rPr lang="en-US" b="1" dirty="0" err="1"/>
+              <a:t>freguesia</a:t>
+            </a:r>
+            <a:r>
+              <a:rPr lang="en-US" b="1" dirty="0"/>
+              <a:t> </a:t>
+            </a:r>
+            <a:endParaRPr lang="pt-PT" b="1" dirty="0"/>
+          </a:p>
+          <a:p>
+            <a:pPr marL="0" indent="0">
+              <a:buNone/>
+            </a:pPr>
+            <a:r>
+              <a:rPr lang="en-US" b="1" dirty="0"/>
+              <a:t>UNION ALL </a:t>
+            </a:r>
+            <a:endParaRPr lang="pt-PT" b="1" dirty="0"/>
+          </a:p>
+          <a:p>
+            <a:pPr marL="0" indent="0">
+              <a:buNone/>
+            </a:pPr>
+            <a:r>
+              <a:rPr lang="en-US" b="1" dirty="0"/>
+              <a:t>SELECT concelho, NULL, NULL, COUNT(</a:t>
+            </a:r>
+            <a:r>
+              <a:rPr lang="en-US" b="1" dirty="0" err="1"/>
+              <a:t>stand_id</a:t>
+            </a:r>
+            <a:r>
+              <a:rPr lang="en-US" b="1" dirty="0"/>
+              <a:t>) </a:t>
+            </a:r>
+            <a:endParaRPr lang="pt-PT" b="1" dirty="0"/>
+          </a:p>
+          <a:p>
+            <a:pPr marL="0" indent="0">
+              <a:buNone/>
+            </a:pPr>
+            <a:r>
+              <a:rPr lang="en-US" b="1" dirty="0"/>
+              <a:t>FROM </a:t>
+            </a:r>
+            <a:r>
+              <a:rPr lang="en-US" b="1" dirty="0" err="1"/>
+              <a:t>dw_local</a:t>
+            </a:r>
+            <a:r>
+              <a:rPr lang="en-US" b="1" dirty="0"/>
+              <a:t> WHERE concelho = 'PORTO' </a:t>
+            </a:r>
+            <a:endParaRPr lang="pt-PT" b="1" dirty="0"/>
+          </a:p>
+          <a:p>
+            <a:pPr marL="0" indent="0">
+              <a:buNone/>
+            </a:pPr>
+            <a:r>
+              <a:rPr lang="en-US" b="1" dirty="0"/>
+              <a:t>GROUP BY concelho UNION ALL </a:t>
+            </a:r>
+            <a:endParaRPr lang="pt-PT" b="1" dirty="0"/>
+          </a:p>
+          <a:p>
+            <a:pPr marL="0" indent="0">
+              <a:buNone/>
+            </a:pPr>
+            <a:r>
+              <a:rPr lang="en-US" b="1" dirty="0"/>
+              <a:t>SELECT NULL, NULL, NULL, COUNT(</a:t>
+            </a:r>
+            <a:r>
+              <a:rPr lang="en-US" b="1" dirty="0" err="1"/>
+              <a:t>stand_id</a:t>
+            </a:r>
+            <a:r>
+              <a:rPr lang="en-US" b="1" dirty="0"/>
+              <a:t>) </a:t>
+            </a:r>
+            <a:endParaRPr lang="pt-PT" b="1" dirty="0"/>
+          </a:p>
+          <a:p>
+            <a:pPr marL="0" indent="0">
+              <a:buNone/>
+            </a:pPr>
+            <a:r>
+              <a:rPr lang="en-US" b="1" dirty="0"/>
+              <a:t>FROM </a:t>
+            </a:r>
+            <a:r>
+              <a:rPr lang="en-US" b="1" dirty="0" err="1"/>
+              <a:t>dw_local</a:t>
+            </a:r>
+            <a:r>
+              <a:rPr lang="en-US" b="1" dirty="0"/>
+              <a:t> WHERE concelho = 'PORTO' </a:t>
+            </a:r>
+            <a:endParaRPr lang="pt-PT" b="1" dirty="0"/>
+          </a:p>
+          <a:p>
+            <a:pPr marL="0" indent="0">
+              <a:buNone/>
+            </a:pPr>
+            <a:r>
+              <a:rPr lang="en-US" b="1" dirty="0"/>
+              <a:t>ORDER BY concelho, </a:t>
+            </a:r>
+            <a:r>
+              <a:rPr lang="en-US" b="1" dirty="0" err="1"/>
+              <a:t>freguesia</a:t>
+            </a:r>
+            <a:r>
+              <a:rPr lang="en-US" b="1" dirty="0"/>
+              <a:t>, </a:t>
+            </a:r>
+            <a:r>
+              <a:rPr lang="en-US" b="1" dirty="0" err="1"/>
+              <a:t>local_id</a:t>
+            </a:r>
+            <a:r>
+              <a:rPr lang="en-US" b="1" dirty="0"/>
+              <a:t>;</a:t>
+            </a:r>
+            <a:endParaRPr lang="pt-PT" b="1" dirty="0"/>
+          </a:p>
+        </p:txBody>
+      </p:sp>
+    </p:spTree>
+    <p:extLst>
+      <p:ext uri="{BB962C8B-B14F-4D97-AF65-F5344CB8AC3E}">
+        <p14:creationId xmlns:p14="http://schemas.microsoft.com/office/powerpoint/2010/main" val="188823008"/>
+      </p:ext>
+    </p:extLst>
+  </p:cSld>
+  <p:clrMapOvr>
+    <a:masterClrMapping/>
+  </p:clrMapOvr>
+</p:sld>
+</file>
+
+<file path=ppt/slides/slide21.xml><?xml version="1.0" encoding="utf-8"?>
+<p:sld xmlns:a="http://schemas.openxmlformats.org/drawingml/2006/main" xmlns:r="http://schemas.openxmlformats.org/officeDocument/2006/relationships" xmlns:p="http://schemas.openxmlformats.org/presentationml/2006/main">
+  <p:cSld>
+    <p:spTree>
+      <p:nvGrpSpPr>
+        <p:cNvPr id="1" name=""/>
+        <p:cNvGrpSpPr/>
+        <p:nvPr/>
+      </p:nvGrpSpPr>
+      <p:grpSpPr>
+        <a:xfrm>
+          <a:off x="0" y="0"/>
+          <a:ext cx="0" cy="0"/>
+          <a:chOff x="0" y="0"/>
+          <a:chExt cx="0" cy="0"/>
+        </a:xfrm>
+      </p:grpSpPr>
+      <p:pic>
+        <p:nvPicPr>
+          <p:cNvPr id="1026" name="Picture 2" descr="18575597_1860993097498413_2088545997_o.png (1920×1080)"/>
+          <p:cNvPicPr>
+            <a:picLocks noChangeAspect="1" noChangeArrowheads="1"/>
+          </p:cNvPicPr>
+          <p:nvPr/>
+        </p:nvPicPr>
+        <p:blipFill>
+          <a:blip r:embed="rId2">
+            <a:extLst>
+              <a:ext uri="{28A0092B-C50C-407E-A947-70E740481C1C}">
+                <a14:useLocalDpi xmlns:a14="http://schemas.microsoft.com/office/drawing/2010/main" val="0"/>
+              </a:ext>
+            </a:extLst>
+          </a:blip>
+          <a:srcRect/>
+          <a:stretch>
+            <a:fillRect/>
+          </a:stretch>
+        </p:blipFill>
+        <p:spPr bwMode="auto">
+          <a:xfrm>
+            <a:off x="0" y="0"/>
+            <a:ext cx="12192000" cy="6858000"/>
+          </a:xfrm>
+          <a:prstGeom prst="rect">
+            <a:avLst/>
+          </a:prstGeom>
+          <a:noFill/>
+          <a:extLst>
+            <a:ext uri="{909E8E84-426E-40DD-AFC4-6F175D3DCCD1}">
+              <a14:hiddenFill xmlns:a14="http://schemas.microsoft.com/office/drawing/2010/main">
+                <a:solidFill>
+                  <a:srgbClr val="FFFFFF"/>
+                </a:solidFill>
+              </a14:hiddenFill>
+            </a:ext>
+          </a:extLst>
+        </p:spPr>
+      </p:pic>
+    </p:spTree>
+    <p:extLst>
+      <p:ext uri="{BB962C8B-B14F-4D97-AF65-F5344CB8AC3E}">
+        <p14:creationId xmlns:p14="http://schemas.microsoft.com/office/powerpoint/2010/main" val="5097927"/>
+      </p:ext>
+    </p:extLst>
+  </p:cSld>
+  <p:clrMapOvr>
+    <a:masterClrMapping/>
+  </p:clrMapOvr>
+</p:sld>
+</file>
+
+<file path=ppt/slides/slide22.xml><?xml version="1.0" encoding="utf-8"?>
+<p:sld xmlns:a="http://schemas.openxmlformats.org/drawingml/2006/main" xmlns:r="http://schemas.openxmlformats.org/officeDocument/2006/relationships" xmlns:p="http://schemas.openxmlformats.org/presentationml/2006/main">
+  <p:cSld>
+    <p:spTree>
+      <p:nvGrpSpPr>
+        <p:cNvPr id="1" name=""/>
+        <p:cNvGrpSpPr/>
+        <p:nvPr/>
+      </p:nvGrpSpPr>
+      <p:grpSpPr>
+        <a:xfrm>
+          <a:off x="0" y="0"/>
+          <a:ext cx="0" cy="0"/>
+          <a:chOff x="0" y="0"/>
+          <a:chExt cx="0" cy="0"/>
+        </a:xfrm>
+      </p:grpSpPr>
+      <p:sp>
+        <p:nvSpPr>
+          <p:cNvPr id="2" name="Título 1"/>
+          <p:cNvSpPr>
+            <a:spLocks noGrp="1"/>
+          </p:cNvSpPr>
+          <p:nvPr>
+            <p:ph type="title"/>
+          </p:nvPr>
+        </p:nvSpPr>
+        <p:spPr>
+          <a:xfrm>
+            <a:off x="838200" y="500062"/>
+            <a:ext cx="10515600" cy="846957"/>
+          </a:xfrm>
+        </p:spPr>
+        <p:txBody>
+          <a:bodyPr/>
+          <a:lstStyle/>
+          <a:p>
+            <a:r>
+              <a:rPr lang="pt-PT" i="1" dirty="0">
+                <a:latin typeface="+mn-lt"/>
+              </a:rPr>
+              <a:t>Cross-</a:t>
+            </a:r>
+            <a:r>
+              <a:rPr lang="pt-PT" i="1" dirty="0" err="1">
+                <a:latin typeface="+mn-lt"/>
+              </a:rPr>
+              <a:t>tabulation</a:t>
+            </a:r>
+            <a:r>
+              <a:rPr lang="pt-PT" i="1" dirty="0">
+                <a:latin typeface="+mn-lt"/>
+              </a:rPr>
+              <a:t> (continuação)</a:t>
+            </a:r>
+          </a:p>
+        </p:txBody>
+      </p:sp>
+      <p:cxnSp>
+        <p:nvCxnSpPr>
+          <p:cNvPr id="5" name="Conexão reta 4"/>
+          <p:cNvCxnSpPr/>
+          <p:nvPr/>
+        </p:nvCxnSpPr>
+        <p:spPr>
+          <a:xfrm flipV="1">
+            <a:off x="838200" y="1347019"/>
+            <a:ext cx="10080000" cy="2"/>
+          </a:xfrm>
+          <a:prstGeom prst="line">
+            <a:avLst/>
+          </a:prstGeom>
+          <a:ln w="12700">
+            <a:solidFill>
+              <a:schemeClr val="tx1"/>
+            </a:solidFill>
+          </a:ln>
+        </p:spPr>
+        <p:style>
+          <a:lnRef idx="1">
+            <a:schemeClr val="accent1"/>
+          </a:lnRef>
+          <a:fillRef idx="0">
+            <a:schemeClr val="accent1"/>
+          </a:fillRef>
+          <a:effectRef idx="0">
+            <a:schemeClr val="accent1"/>
+          </a:effectRef>
+          <a:fontRef idx="minor">
+            <a:schemeClr val="tx1"/>
+          </a:fontRef>
+        </p:style>
+      </p:cxnSp>
+      <p:sp>
+        <p:nvSpPr>
+          <p:cNvPr id="6" name="Marcador de Posição de Conteúdo 2"/>
+          <p:cNvSpPr>
+            <a:spLocks noGrp="1"/>
+          </p:cNvSpPr>
+          <p:nvPr>
+            <p:ph idx="1"/>
+          </p:nvPr>
+        </p:nvSpPr>
+        <p:spPr>
+          <a:xfrm>
+            <a:off x="838200" y="1533832"/>
+            <a:ext cx="10515600" cy="4994787"/>
+          </a:xfrm>
+        </p:spPr>
+        <p:txBody>
+          <a:bodyPr>
+            <a:normAutofit fontScale="55000" lnSpcReduction="20000"/>
+          </a:bodyPr>
+          <a:lstStyle/>
+          <a:p>
+            <a:pPr marL="0" indent="0">
+              <a:buNone/>
+            </a:pPr>
+            <a:r>
+              <a:rPr lang="en-US" b="1" dirty="0"/>
+              <a:t>SELECT </a:t>
+            </a:r>
+            <a:r>
+              <a:rPr lang="en-US" b="1" dirty="0" err="1"/>
+              <a:t>freguesia</a:t>
+            </a:r>
+            <a:r>
+              <a:rPr lang="en-US" b="1" dirty="0"/>
+              <a:t>, COUNT(</a:t>
+            </a:r>
+            <a:r>
+              <a:rPr lang="en-US" b="1" dirty="0" err="1"/>
+              <a:t>mes_i</a:t>
+            </a:r>
+            <a:r>
+              <a:rPr lang="en-US" b="1" dirty="0"/>
+              <a:t>), </a:t>
+            </a:r>
+            <a:endParaRPr lang="pt-PT" b="1" dirty="0"/>
+          </a:p>
+          <a:p>
+            <a:pPr marL="0" indent="0">
+              <a:buNone/>
+            </a:pPr>
+            <a:r>
+              <a:rPr lang="en-US" b="1" dirty="0"/>
+              <a:t>	SUM(case when </a:t>
+            </a:r>
+            <a:r>
+              <a:rPr lang="en-US" b="1" dirty="0" err="1"/>
+              <a:t>mes_i</a:t>
+            </a:r>
+            <a:r>
+              <a:rPr lang="en-US" b="1" dirty="0"/>
+              <a:t> = '1' then 1 else 0 end) Janeiro,                                                </a:t>
+            </a:r>
+            <a:endParaRPr lang="pt-PT" b="1" dirty="0"/>
+          </a:p>
+          <a:p>
+            <a:pPr marL="0" indent="0">
+              <a:buNone/>
+            </a:pPr>
+            <a:r>
+              <a:rPr lang="en-US" b="1" dirty="0"/>
+              <a:t>	SUM(case when </a:t>
+            </a:r>
+            <a:r>
+              <a:rPr lang="en-US" b="1" dirty="0" err="1"/>
+              <a:t>mes_i</a:t>
+            </a:r>
+            <a:r>
+              <a:rPr lang="en-US" b="1" dirty="0"/>
+              <a:t> = '2' then 1 else 0 end) </a:t>
+            </a:r>
+            <a:r>
+              <a:rPr lang="en-US" b="1" dirty="0" err="1"/>
+              <a:t>Fevereiro</a:t>
+            </a:r>
+            <a:r>
+              <a:rPr lang="en-US" b="1" dirty="0"/>
+              <a:t>,                                                                                                                 </a:t>
+            </a:r>
+            <a:endParaRPr lang="pt-PT" b="1" dirty="0"/>
+          </a:p>
+          <a:p>
+            <a:pPr marL="0" indent="0">
+              <a:buNone/>
+            </a:pPr>
+            <a:r>
+              <a:rPr lang="en-US" b="1" dirty="0"/>
+              <a:t>	SUM(case when </a:t>
+            </a:r>
+            <a:r>
+              <a:rPr lang="en-US" b="1" dirty="0" err="1"/>
+              <a:t>mes_i</a:t>
+            </a:r>
+            <a:r>
+              <a:rPr lang="en-US" b="1" dirty="0"/>
+              <a:t> = '3' then 1 else 0 end) </a:t>
+            </a:r>
+            <a:r>
+              <a:rPr lang="en-US" b="1" dirty="0" err="1"/>
+              <a:t>Março</a:t>
+            </a:r>
+            <a:r>
+              <a:rPr lang="en-US" b="1" dirty="0"/>
+              <a:t>,                                                                                                                     </a:t>
+            </a:r>
+            <a:endParaRPr lang="pt-PT" b="1" dirty="0"/>
+          </a:p>
+          <a:p>
+            <a:pPr marL="0" indent="0">
+              <a:buNone/>
+            </a:pPr>
+            <a:r>
+              <a:rPr lang="en-US" b="1" dirty="0"/>
+              <a:t>	SUM(case when </a:t>
+            </a:r>
+            <a:r>
+              <a:rPr lang="en-US" b="1" dirty="0" err="1"/>
+              <a:t>mes_i</a:t>
+            </a:r>
+            <a:r>
+              <a:rPr lang="en-US" b="1" dirty="0"/>
+              <a:t> = '4' then 1 else 0 end) Abril,                                                                                                                     </a:t>
+            </a:r>
+            <a:endParaRPr lang="pt-PT" b="1" dirty="0"/>
+          </a:p>
+          <a:p>
+            <a:pPr marL="0" indent="0">
+              <a:buNone/>
+            </a:pPr>
+            <a:r>
+              <a:rPr lang="en-US" b="1" dirty="0"/>
+              <a:t>	SUM(case when </a:t>
+            </a:r>
+            <a:r>
+              <a:rPr lang="en-US" b="1" dirty="0" err="1"/>
+              <a:t>mes_i</a:t>
+            </a:r>
+            <a:r>
+              <a:rPr lang="en-US" b="1" dirty="0"/>
+              <a:t> = '5' then 1 else 0 end) </a:t>
+            </a:r>
+            <a:r>
+              <a:rPr lang="en-US" b="1" dirty="0" err="1"/>
+              <a:t>Maio</a:t>
+            </a:r>
+            <a:r>
+              <a:rPr lang="en-US" b="1" dirty="0"/>
+              <a:t>,                                                                                                                      </a:t>
+            </a:r>
+            <a:endParaRPr lang="pt-PT" b="1" dirty="0"/>
+          </a:p>
+          <a:p>
+            <a:pPr marL="0" indent="0">
+              <a:buNone/>
+            </a:pPr>
+            <a:r>
+              <a:rPr lang="en-US" b="1" dirty="0"/>
+              <a:t>	SUM(case when </a:t>
+            </a:r>
+            <a:r>
+              <a:rPr lang="en-US" b="1" dirty="0" err="1"/>
+              <a:t>mes_i</a:t>
+            </a:r>
+            <a:r>
+              <a:rPr lang="en-US" b="1" dirty="0"/>
+              <a:t> = '6' then 1 else 0 end) </a:t>
+            </a:r>
+            <a:r>
+              <a:rPr lang="en-US" b="1" dirty="0" err="1"/>
+              <a:t>Junho</a:t>
+            </a:r>
+            <a:r>
+              <a:rPr lang="en-US" b="1" dirty="0"/>
+              <a:t>,                                                                                                                     </a:t>
+            </a:r>
+            <a:endParaRPr lang="pt-PT" b="1" dirty="0"/>
+          </a:p>
+          <a:p>
+            <a:pPr marL="0" indent="0">
+              <a:buNone/>
+            </a:pPr>
+            <a:r>
+              <a:rPr lang="en-US" b="1" dirty="0"/>
+              <a:t>	SUM(case when </a:t>
+            </a:r>
+            <a:r>
+              <a:rPr lang="en-US" b="1" dirty="0" err="1"/>
+              <a:t>mes_i</a:t>
+            </a:r>
+            <a:r>
+              <a:rPr lang="en-US" b="1" dirty="0"/>
+              <a:t> = '7' then 1 else 0 end) </a:t>
+            </a:r>
+            <a:r>
+              <a:rPr lang="en-US" b="1" dirty="0" err="1"/>
+              <a:t>Julho</a:t>
+            </a:r>
+            <a:r>
+              <a:rPr lang="en-US" b="1" dirty="0"/>
+              <a:t>,                                                                                                                     </a:t>
+            </a:r>
+            <a:endParaRPr lang="pt-PT" b="1" dirty="0"/>
+          </a:p>
+          <a:p>
+            <a:pPr marL="0" indent="0">
+              <a:buNone/>
+            </a:pPr>
+            <a:r>
+              <a:rPr lang="en-US" b="1" dirty="0"/>
+              <a:t>	SUM(case when </a:t>
+            </a:r>
+            <a:r>
+              <a:rPr lang="en-US" b="1" dirty="0" err="1"/>
+              <a:t>mes_i</a:t>
+            </a:r>
+            <a:r>
+              <a:rPr lang="en-US" b="1" dirty="0"/>
+              <a:t> = '8' then 1 else 0 end) Agosto,                                                                                                                    </a:t>
+            </a:r>
+            <a:endParaRPr lang="pt-PT" b="1" dirty="0"/>
+          </a:p>
+          <a:p>
+            <a:pPr marL="0" indent="0">
+              <a:buNone/>
+            </a:pPr>
+            <a:r>
+              <a:rPr lang="en-US" b="1" dirty="0"/>
+              <a:t>	SUM(case when </a:t>
+            </a:r>
+            <a:r>
+              <a:rPr lang="en-US" b="1" dirty="0" err="1"/>
+              <a:t>mes_i</a:t>
+            </a:r>
+            <a:r>
+              <a:rPr lang="en-US" b="1" dirty="0"/>
+              <a:t> = '9' then 1 else 0 end) </a:t>
+            </a:r>
+            <a:r>
+              <a:rPr lang="en-US" b="1" dirty="0" err="1"/>
+              <a:t>Setembro</a:t>
+            </a:r>
+            <a:r>
+              <a:rPr lang="en-US" b="1" dirty="0"/>
+              <a:t>,                                                                                                                  </a:t>
+            </a:r>
+            <a:endParaRPr lang="pt-PT" b="1" dirty="0"/>
+          </a:p>
+          <a:p>
+            <a:pPr marL="0" indent="0">
+              <a:buNone/>
+            </a:pPr>
+            <a:r>
+              <a:rPr lang="en-US" b="1" dirty="0"/>
+              <a:t>	SUM(case when </a:t>
+            </a:r>
+            <a:r>
+              <a:rPr lang="en-US" b="1" dirty="0" err="1"/>
+              <a:t>mes_i</a:t>
+            </a:r>
+            <a:r>
+              <a:rPr lang="en-US" b="1" dirty="0"/>
+              <a:t> = '10' then 1 else 0 end) </a:t>
+            </a:r>
+            <a:r>
+              <a:rPr lang="en-US" b="1" dirty="0" err="1"/>
+              <a:t>Outubro</a:t>
+            </a:r>
+            <a:r>
+              <a:rPr lang="en-US" b="1" dirty="0"/>
+              <a:t>,                                                                                                                  </a:t>
+            </a:r>
+            <a:endParaRPr lang="pt-PT" b="1" dirty="0"/>
+          </a:p>
+          <a:p>
+            <a:pPr marL="0" indent="0">
+              <a:buNone/>
+            </a:pPr>
+            <a:r>
+              <a:rPr lang="en-US" b="1" dirty="0"/>
+              <a:t>	SUM(case when </a:t>
+            </a:r>
+            <a:r>
+              <a:rPr lang="en-US" b="1" dirty="0" err="1"/>
+              <a:t>mes_i</a:t>
+            </a:r>
+            <a:r>
+              <a:rPr lang="en-US" b="1" dirty="0"/>
+              <a:t> = '11' then 1 else 0 end) </a:t>
+            </a:r>
+            <a:r>
+              <a:rPr lang="en-US" b="1" dirty="0" err="1"/>
+              <a:t>Novembro</a:t>
+            </a:r>
+            <a:r>
+              <a:rPr lang="en-US" b="1" dirty="0"/>
+              <a:t>,                                                                                                                 </a:t>
+            </a:r>
+            <a:endParaRPr lang="pt-PT" b="1" dirty="0"/>
+          </a:p>
+          <a:p>
+            <a:pPr marL="0" indent="0">
+              <a:buNone/>
+            </a:pPr>
+            <a:r>
+              <a:rPr lang="en-US" b="1" dirty="0"/>
+              <a:t>	SUM(case when </a:t>
+            </a:r>
+            <a:r>
+              <a:rPr lang="en-US" b="1" dirty="0" err="1"/>
+              <a:t>mes_i</a:t>
+            </a:r>
+            <a:r>
+              <a:rPr lang="en-US" b="1" dirty="0"/>
+              <a:t> = '12' then 1 else 0 end) </a:t>
+            </a:r>
+            <a:r>
+              <a:rPr lang="en-US" b="1" dirty="0" err="1"/>
+              <a:t>Dezembro</a:t>
+            </a:r>
+            <a:r>
+              <a:rPr lang="en-US" b="1" dirty="0"/>
+              <a:t>                                                                                                                  </a:t>
+            </a:r>
+            <a:endParaRPr lang="pt-PT" b="1" dirty="0"/>
+          </a:p>
+          <a:p>
+            <a:pPr marL="0" indent="0">
+              <a:buNone/>
+            </a:pPr>
+            <a:r>
+              <a:rPr lang="en-US" b="1" dirty="0"/>
+              <a:t>FROM(SELECT </a:t>
+            </a:r>
+            <a:r>
+              <a:rPr lang="en-US" b="1" dirty="0" err="1"/>
+              <a:t>t.mes_i</a:t>
+            </a:r>
+            <a:r>
+              <a:rPr lang="en-US" b="1" dirty="0"/>
+              <a:t>, </a:t>
+            </a:r>
+            <a:r>
+              <a:rPr lang="en-US" b="1" dirty="0" err="1"/>
+              <a:t>l.freguesia</a:t>
+            </a:r>
+            <a:r>
+              <a:rPr lang="en-US" b="1" dirty="0"/>
+              <a:t> FROM </a:t>
+            </a:r>
+            <a:r>
+              <a:rPr lang="en-US" b="1" dirty="0" err="1"/>
+              <a:t>dw_taxi_services</a:t>
+            </a:r>
+            <a:r>
+              <a:rPr lang="en-US" b="1" dirty="0"/>
+              <a:t> AS s </a:t>
+            </a:r>
+            <a:endParaRPr lang="pt-PT" b="1" dirty="0"/>
+          </a:p>
+          <a:p>
+            <a:pPr marL="0" indent="0">
+              <a:buNone/>
+            </a:pPr>
+            <a:r>
+              <a:rPr lang="en-US" b="1" dirty="0"/>
+              <a:t>	INNER JOIN </a:t>
+            </a:r>
+            <a:r>
+              <a:rPr lang="en-US" b="1" dirty="0" err="1"/>
+              <a:t>dw_tempo</a:t>
+            </a:r>
+            <a:r>
+              <a:rPr lang="en-US" b="1" dirty="0"/>
+              <a:t> t ON </a:t>
+            </a:r>
+            <a:r>
+              <a:rPr lang="en-US" b="1" dirty="0" err="1"/>
+              <a:t>s.tempo_id</a:t>
+            </a:r>
+            <a:r>
+              <a:rPr lang="en-US" b="1" dirty="0"/>
+              <a:t> = </a:t>
+            </a:r>
+            <a:r>
+              <a:rPr lang="en-US" b="1" dirty="0" err="1"/>
+              <a:t>t.tempo_id</a:t>
+            </a:r>
+            <a:r>
+              <a:rPr lang="en-US" b="1" dirty="0"/>
+              <a:t> </a:t>
+            </a:r>
+            <a:endParaRPr lang="pt-PT" b="1" dirty="0"/>
+          </a:p>
+          <a:p>
+            <a:pPr marL="0" indent="0">
+              <a:buNone/>
+            </a:pPr>
+            <a:r>
+              <a:rPr lang="en-US" b="1" dirty="0"/>
+              <a:t>	INNER JOIN </a:t>
+            </a:r>
+            <a:r>
+              <a:rPr lang="en-US" b="1" dirty="0" err="1"/>
+              <a:t>dw_local</a:t>
+            </a:r>
+            <a:r>
+              <a:rPr lang="en-US" b="1" dirty="0"/>
+              <a:t> l ON </a:t>
+            </a:r>
+            <a:r>
+              <a:rPr lang="en-US" b="1" dirty="0" err="1"/>
+              <a:t>l.local_id</a:t>
+            </a:r>
+            <a:r>
+              <a:rPr lang="en-US" b="1" dirty="0"/>
+              <a:t> = </a:t>
+            </a:r>
+            <a:r>
+              <a:rPr lang="en-US" b="1" dirty="0" err="1"/>
+              <a:t>s.local_i_id</a:t>
+            </a:r>
+            <a:r>
+              <a:rPr lang="en-US" b="1" dirty="0"/>
+              <a:t>) AS </a:t>
+            </a:r>
+            <a:r>
+              <a:rPr lang="en-US" b="1" dirty="0" err="1"/>
+              <a:t>cs</a:t>
+            </a:r>
+            <a:r>
+              <a:rPr lang="en-US" b="1" dirty="0"/>
+              <a:t> </a:t>
+            </a:r>
+            <a:endParaRPr lang="pt-PT" b="1" dirty="0"/>
+          </a:p>
+          <a:p>
+            <a:pPr marL="0" indent="0">
+              <a:buNone/>
+            </a:pPr>
+            <a:r>
+              <a:rPr lang="en-US" b="1" dirty="0"/>
+              <a:t>GROUP BY </a:t>
+            </a:r>
+            <a:r>
+              <a:rPr lang="en-US" b="1" dirty="0" err="1"/>
+              <a:t>freguesia</a:t>
+            </a:r>
+            <a:r>
+              <a:rPr lang="en-US" b="1" dirty="0"/>
+              <a:t> ORDER BY </a:t>
+            </a:r>
+            <a:r>
+              <a:rPr lang="en-US" b="1" dirty="0" err="1"/>
+              <a:t>freguesia</a:t>
+            </a:r>
+            <a:r>
+              <a:rPr lang="en-US" b="1" dirty="0"/>
+              <a:t>; </a:t>
+            </a:r>
+            <a:endParaRPr lang="pt-PT" b="1" dirty="0"/>
+          </a:p>
+        </p:txBody>
+      </p:sp>
+    </p:spTree>
+    <p:extLst>
+      <p:ext uri="{BB962C8B-B14F-4D97-AF65-F5344CB8AC3E}">
+        <p14:creationId xmlns:p14="http://schemas.microsoft.com/office/powerpoint/2010/main" val="3712648465"/>
+      </p:ext>
+    </p:extLst>
+  </p:cSld>
+  <p:clrMapOvr>
+    <a:masterClrMapping/>
+  </p:clrMapOvr>
+</p:sld>
+</file>
+
+<file path=ppt/slides/slide23.xml><?xml version="1.0" encoding="utf-8"?>
 <p:sld xmlns:a="http://schemas.openxmlformats.org/drawingml/2006/main" xmlns:r="http://schemas.openxmlformats.org/officeDocument/2006/relationships" xmlns:p="http://schemas.openxmlformats.org/presentationml/2006/main">
   <p:cSld>
     <p:bg>
@@ -3898,7 +7394,7 @@
           </a:blip>
           <a:srcRect/>
           <a:stretch>
-            <a:fillRect/>
+            <a:fillRect t="6000" b="6000"/>
           </a:stretch>
         </a:blipFill>
         <a:effectLst/>
@@ -3918,6 +7414,105 @@
           <a:chExt cx="0" cy="0"/>
         </a:xfrm>
       </p:grpSpPr>
+    </p:spTree>
+    <p:extLst>
+      <p:ext uri="{BB962C8B-B14F-4D97-AF65-F5344CB8AC3E}">
+        <p14:creationId xmlns:p14="http://schemas.microsoft.com/office/powerpoint/2010/main" val="4129613596"/>
+      </p:ext>
+    </p:extLst>
+  </p:cSld>
+  <p:clrMapOvr>
+    <a:masterClrMapping/>
+  </p:clrMapOvr>
+</p:sld>
+</file>
+
+<file path=ppt/slides/slide24.xml><?xml version="1.0" encoding="utf-8"?>
+<p:sld xmlns:a="http://schemas.openxmlformats.org/drawingml/2006/main" xmlns:r="http://schemas.openxmlformats.org/officeDocument/2006/relationships" xmlns:p="http://schemas.openxmlformats.org/presentationml/2006/main">
+  <p:cSld>
+    <p:spTree>
+      <p:nvGrpSpPr>
+        <p:cNvPr id="1" name=""/>
+        <p:cNvGrpSpPr/>
+        <p:nvPr/>
+      </p:nvGrpSpPr>
+      <p:grpSpPr>
+        <a:xfrm>
+          <a:off x="0" y="0"/>
+          <a:ext cx="0" cy="0"/>
+          <a:chOff x="0" y="0"/>
+          <a:chExt cx="0" cy="0"/>
+        </a:xfrm>
+      </p:grpSpPr>
+      <p:pic>
+        <p:nvPicPr>
+          <p:cNvPr id="7" name="Picture 2" descr="Doubt.png (784×926)"/>
+          <p:cNvPicPr>
+            <a:picLocks noChangeAspect="1" noChangeArrowheads="1"/>
+          </p:cNvPicPr>
+          <p:nvPr/>
+        </p:nvPicPr>
+        <p:blipFill rotWithShape="1">
+          <a:blip r:embed="rId2">
+            <a:extLst>
+              <a:ext uri="{28A0092B-C50C-407E-A947-70E740481C1C}">
+                <a14:useLocalDpi xmlns:a14="http://schemas.microsoft.com/office/drawing/2010/main" val="0"/>
+              </a:ext>
+            </a:extLst>
+          </a:blip>
+          <a:srcRect/>
+          <a:stretch/>
+        </p:blipFill>
+        <p:spPr bwMode="auto">
+          <a:xfrm>
+            <a:off x="3802707" y="867361"/>
+            <a:ext cx="4503093" cy="5313385"/>
+          </a:xfrm>
+          <a:prstGeom prst="rect">
+            <a:avLst/>
+          </a:prstGeom>
+          <a:noFill/>
+          <a:extLst>
+            <a:ext uri="{909E8E84-426E-40DD-AFC4-6F175D3DCCD1}">
+              <a14:hiddenFill xmlns:a14="http://schemas.microsoft.com/office/drawing/2010/main">
+                <a:solidFill>
+                  <a:srgbClr val="FFFFFF"/>
+                </a:solidFill>
+              </a14:hiddenFill>
+            </a:ext>
+          </a:extLst>
+        </p:spPr>
+      </p:pic>
+    </p:spTree>
+    <p:extLst>
+      <p:ext uri="{BB962C8B-B14F-4D97-AF65-F5344CB8AC3E}">
+        <p14:creationId xmlns:p14="http://schemas.microsoft.com/office/powerpoint/2010/main" val="3385620981"/>
+      </p:ext>
+    </p:extLst>
+  </p:cSld>
+  <p:clrMapOvr>
+    <a:masterClrMapping/>
+  </p:clrMapOvr>
+</p:sld>
+</file>
+
+<file path=ppt/slides/slide3.xml><?xml version="1.0" encoding="utf-8"?>
+<p:sld xmlns:a="http://schemas.openxmlformats.org/drawingml/2006/main" xmlns:r="http://schemas.openxmlformats.org/officeDocument/2006/relationships" xmlns:p="http://schemas.openxmlformats.org/presentationml/2006/main">
+  <p:cSld>
+    <p:spTree>
+      <p:nvGrpSpPr>
+        <p:cNvPr id="1" name=""/>
+        <p:cNvGrpSpPr/>
+        <p:nvPr/>
+      </p:nvGrpSpPr>
+      <p:grpSpPr>
+        <a:xfrm>
+          <a:off x="0" y="0"/>
+          <a:ext cx="0" cy="0"/>
+          <a:chOff x="0" y="0"/>
+          <a:chExt cx="0" cy="0"/>
+        </a:xfrm>
+      </p:grpSpPr>
       <p:sp>
         <p:nvSpPr>
           <p:cNvPr id="2" name="Título 1"/>
@@ -4003,7 +7598,6 @@
               <a:rPr lang="pt-PT" dirty="0"/>
               <a:t>Manipulação dos dados existentes</a:t>
             </a:r>
-            <a:endParaRPr lang="pt-PT" dirty="0"/>
           </a:p>
           <a:p>
             <a:r>
@@ -4070,189 +7664,6 @@
 <file path=ppt/slides/slide4.xml><?xml version="1.0" encoding="utf-8"?>
 <p:sld xmlns:a="http://schemas.openxmlformats.org/drawingml/2006/main" xmlns:r="http://schemas.openxmlformats.org/officeDocument/2006/relationships" xmlns:p="http://schemas.openxmlformats.org/presentationml/2006/main">
   <p:cSld>
-    <p:bg>
-      <p:bgPr>
-        <a:blipFill dpi="0" rotWithShape="1">
-          <a:blip r:embed="rId2">
-            <a:lum/>
-          </a:blip>
-          <a:srcRect/>
-          <a:stretch>
-            <a:fillRect/>
-          </a:stretch>
-        </a:blipFill>
-        <a:effectLst/>
-      </p:bgPr>
-    </p:bg>
-    <p:spTree>
-      <p:nvGrpSpPr>
-        <p:cNvPr id="1" name=""/>
-        <p:cNvGrpSpPr/>
-        <p:nvPr/>
-      </p:nvGrpSpPr>
-      <p:grpSpPr>
-        <a:xfrm>
-          <a:off x="0" y="0"/>
-          <a:ext cx="0" cy="0"/>
-          <a:chOff x="0" y="0"/>
-          <a:chExt cx="0" cy="0"/>
-        </a:xfrm>
-      </p:grpSpPr>
-      <p:sp>
-        <p:nvSpPr>
-          <p:cNvPr id="2" name="Título 1"/>
-          <p:cNvSpPr>
-            <a:spLocks noGrp="1"/>
-          </p:cNvSpPr>
-          <p:nvPr>
-            <p:ph type="title"/>
-          </p:nvPr>
-        </p:nvSpPr>
-        <p:spPr>
-          <a:xfrm>
-            <a:off x="838200" y="500062"/>
-            <a:ext cx="10515600" cy="1325563"/>
-          </a:xfrm>
-        </p:spPr>
-        <p:txBody>
-          <a:bodyPr/>
-          <a:lstStyle/>
-          <a:p>
-            <a:r>
-              <a:rPr lang="pt-PT" dirty="0">
-                <a:latin typeface="+mn-lt"/>
-              </a:rPr>
-              <a:t>Tabelas</a:t>
-            </a:r>
-          </a:p>
-        </p:txBody>
-      </p:sp>
-      <p:cxnSp>
-        <p:nvCxnSpPr>
-          <p:cNvPr id="5" name="Conexão reta 4"/>
-          <p:cNvCxnSpPr/>
-          <p:nvPr/>
-        </p:nvCxnSpPr>
-        <p:spPr>
-          <a:xfrm flipV="1">
-            <a:off x="838200" y="1660991"/>
-            <a:ext cx="10080000" cy="2"/>
-          </a:xfrm>
-          <a:prstGeom prst="line">
-            <a:avLst/>
-          </a:prstGeom>
-          <a:ln w="12700">
-            <a:solidFill>
-              <a:schemeClr val="tx1"/>
-            </a:solidFill>
-          </a:ln>
-        </p:spPr>
-        <p:style>
-          <a:lnRef idx="1">
-            <a:schemeClr val="accent1"/>
-          </a:lnRef>
-          <a:fillRef idx="0">
-            <a:schemeClr val="accent1"/>
-          </a:fillRef>
-          <a:effectRef idx="0">
-            <a:schemeClr val="accent1"/>
-          </a:effectRef>
-          <a:fontRef idx="minor">
-            <a:schemeClr val="tx1"/>
-          </a:fontRef>
-        </p:style>
-      </p:cxnSp>
-      <p:sp>
-        <p:nvSpPr>
-          <p:cNvPr id="6" name="Marcador de Posição de Conteúdo 2"/>
-          <p:cNvSpPr>
-            <a:spLocks noGrp="1"/>
-          </p:cNvSpPr>
-          <p:nvPr>
-            <p:ph idx="1"/>
-          </p:nvPr>
-        </p:nvSpPr>
-        <p:spPr>
-          <a:xfrm>
-            <a:off x="838200" y="2057399"/>
-            <a:ext cx="10515600" cy="4119563"/>
-          </a:xfrm>
-        </p:spPr>
-        <p:txBody>
-          <a:bodyPr/>
-          <a:lstStyle/>
-          <a:p>
-            <a:r>
-              <a:rPr lang="pt-PT" dirty="0">
-                <a:latin typeface="+mj-lt"/>
-              </a:rPr>
-              <a:t>DW_TAXI_SERVICES</a:t>
-            </a:r>
-          </a:p>
-          <a:p>
-            <a:r>
-              <a:rPr lang="pt-PT" dirty="0">
-                <a:latin typeface="+mj-lt"/>
-              </a:rPr>
-              <a:t>DW_TAXI</a:t>
-            </a:r>
-          </a:p>
-          <a:p>
-            <a:r>
-              <a:rPr lang="pt-PT" dirty="0">
-                <a:latin typeface="+mj-lt"/>
-              </a:rPr>
-              <a:t>DW_LOCAL</a:t>
-            </a:r>
-          </a:p>
-          <a:p>
-            <a:r>
-              <a:rPr lang="pt-PT" dirty="0">
-                <a:latin typeface="+mj-lt"/>
-              </a:rPr>
-              <a:t>DW_STAND</a:t>
-            </a:r>
-          </a:p>
-          <a:p>
-            <a:r>
-              <a:rPr lang="pt-PT" dirty="0">
-                <a:latin typeface="+mj-lt"/>
-              </a:rPr>
-              <a:t>DW_TEMPO</a:t>
-            </a:r>
-          </a:p>
-        </p:txBody>
-      </p:sp>
-    </p:spTree>
-    <p:extLst>
-      <p:ext uri="{BB962C8B-B14F-4D97-AF65-F5344CB8AC3E}">
-        <p14:creationId xmlns:p14="http://schemas.microsoft.com/office/powerpoint/2010/main" val="4023769452"/>
-      </p:ext>
-    </p:extLst>
-  </p:cSld>
-  <p:clrMapOvr>
-    <a:masterClrMapping/>
-  </p:clrMapOvr>
-</p:sld>
-</file>
-
-<file path=ppt/slides/slide5.xml><?xml version="1.0" encoding="utf-8"?>
-<p:sld xmlns:a="http://schemas.openxmlformats.org/drawingml/2006/main" xmlns:r="http://schemas.openxmlformats.org/officeDocument/2006/relationships" xmlns:p="http://schemas.openxmlformats.org/presentationml/2006/main">
-  <p:cSld>
-    <p:bg>
-      <p:bgPr>
-        <a:blipFill dpi="0" rotWithShape="1">
-          <a:blip r:embed="rId2">
-            <a:lum/>
-          </a:blip>
-          <a:srcRect/>
-          <a:stretch>
-            <a:fillRect/>
-          </a:stretch>
-        </a:blipFill>
-        <a:effectLst/>
-      </p:bgPr>
-    </p:bg>
     <p:spTree>
       <p:nvGrpSpPr>
         <p:cNvPr id="1" name=""/>
@@ -4340,7 +7751,7 @@
           <p:nvPr/>
         </p:nvPicPr>
         <p:blipFill>
-          <a:blip r:embed="rId3">
+          <a:blip r:embed="rId2">
             <a:extLst>
               <a:ext uri="{28A0092B-C50C-407E-A947-70E740481C1C}">
                 <a14:useLocalDpi xmlns:a14="http://schemas.microsoft.com/office/drawing/2010/main" val="0"/>
@@ -4390,15 +7801,7 @@
               <a:srgbClr val="FFFFFF"/>
             </a:contourClr>
           </a:sp3d>
-          <a:extLst>
-            <a:ext uri="{909E8E84-426E-40DD-AFC4-6F175D3DCCD1}">
-              <a14:hiddenFill xmlns:a14="http://schemas.microsoft.com/office/drawing/2010/main">
-                <a:solidFill>
-                  <a:srgbClr val="FFFFFF"/>
-                </a:solidFill>
-              </a14:hiddenFill>
-            </a:ext>
-          </a:extLst>
+          <a:extLst/>
         </p:spPr>
       </p:pic>
     </p:spTree>
@@ -4414,23 +7817,9 @@
 </p:sld>
 </file>
 
-<file path=ppt/slides/slide6.xml><?xml version="1.0" encoding="utf-8"?>
+<file path=ppt/slides/slide5.xml><?xml version="1.0" encoding="utf-8"?>
 <p:sld xmlns:a="http://schemas.openxmlformats.org/drawingml/2006/main" xmlns:r="http://schemas.openxmlformats.org/officeDocument/2006/relationships" xmlns:p="http://schemas.openxmlformats.org/presentationml/2006/main">
   <p:cSld>
-    <p:bg>
-      <p:bgPr>
-        <a:blipFill dpi="0" rotWithShape="1">
-          <a:blip r:embed="rId2">
-            <a:lum/>
-          </a:blip>
-          <a:srcRect/>
-          <a:stretch>
-            <a:fillRect/>
-          </a:stretch>
-        </a:blipFill>
-        <a:effectLst/>
-      </p:bgPr>
-    </p:bg>
     <p:spTree>
       <p:nvGrpSpPr>
         <p:cNvPr id="1" name=""/>
@@ -4457,19 +7846,22 @@
         </p:nvSpPr>
         <p:spPr>
           <a:xfrm>
-            <a:off x="838200" y="500062"/>
+            <a:off x="838200" y="2766219"/>
             <a:ext cx="10515600" cy="1325563"/>
           </a:xfrm>
         </p:spPr>
         <p:txBody>
-          <a:bodyPr/>
-          <a:lstStyle/>
-          <a:p>
-            <a:r>
-              <a:rPr lang="pt-PT" dirty="0">
+          <a:bodyPr>
+            <a:normAutofit/>
+          </a:bodyPr>
+          <a:lstStyle/>
+          <a:p>
+            <a:pPr algn="ctr"/>
+            <a:r>
+              <a:rPr lang="pt-PT" sz="6000" b="1" dirty="0">
                 <a:latin typeface="+mn-lt"/>
               </a:rPr>
-              <a:t>Consultas OLAP</a:t>
+              <a:t>Tabelas</a:t>
             </a:r>
           </a:p>
         </p:txBody>
@@ -4477,13 +7869,15 @@
       <p:cxnSp>
         <p:nvCxnSpPr>
           <p:cNvPr id="5" name="Conexão reta 4"/>
-          <p:cNvCxnSpPr/>
+          <p:cNvCxnSpPr>
+            <a:cxnSpLocks/>
+          </p:cNvCxnSpPr>
           <p:nvPr/>
         </p:nvCxnSpPr>
         <p:spPr>
-          <a:xfrm flipV="1">
-            <a:off x="838200" y="1660991"/>
-            <a:ext cx="10080000" cy="2"/>
+          <a:xfrm>
+            <a:off x="847436" y="3964708"/>
+            <a:ext cx="10365509" cy="0"/>
           </a:xfrm>
           <a:prstGeom prst="line">
             <a:avLst/>
@@ -4509,36 +7903,10 @@
           </a:fontRef>
         </p:style>
       </p:cxnSp>
-      <p:sp>
-        <p:nvSpPr>
-          <p:cNvPr id="6" name="Marcador de Posição de Conteúdo 2"/>
-          <p:cNvSpPr>
-            <a:spLocks noGrp="1"/>
-          </p:cNvSpPr>
-          <p:nvPr>
-            <p:ph idx="1"/>
-          </p:nvPr>
-        </p:nvSpPr>
-        <p:spPr>
-          <a:xfrm>
-            <a:off x="838200" y="2057399"/>
-            <a:ext cx="10515600" cy="4119563"/>
-          </a:xfrm>
-        </p:spPr>
-        <p:txBody>
-          <a:bodyPr/>
-          <a:lstStyle/>
-          <a:p>
-            <a:endParaRPr lang="pt-PT" dirty="0">
-              <a:latin typeface="+mj-lt"/>
-            </a:endParaRPr>
-          </a:p>
-        </p:txBody>
-      </p:sp>
     </p:spTree>
     <p:extLst>
       <p:ext uri="{BB962C8B-B14F-4D97-AF65-F5344CB8AC3E}">
-        <p14:creationId xmlns:p14="http://schemas.microsoft.com/office/powerpoint/2010/main" val="2823466934"/>
+        <p14:creationId xmlns:p14="http://schemas.microsoft.com/office/powerpoint/2010/main" val="4023769452"/>
       </p:ext>
     </p:extLst>
   </p:cSld>
@@ -4548,23 +7916,9 @@
 </p:sld>
 </file>
 
-<file path=ppt/slides/slide7.xml><?xml version="1.0" encoding="utf-8"?>
+<file path=ppt/slides/slide6.xml><?xml version="1.0" encoding="utf-8"?>
 <p:sld xmlns:a="http://schemas.openxmlformats.org/drawingml/2006/main" xmlns:r="http://schemas.openxmlformats.org/officeDocument/2006/relationships" xmlns:p="http://schemas.openxmlformats.org/presentationml/2006/main">
   <p:cSld>
-    <p:bg>
-      <p:bgPr>
-        <a:blipFill dpi="0" rotWithShape="1">
-          <a:blip r:embed="rId2">
-            <a:lum/>
-          </a:blip>
-          <a:srcRect/>
-          <a:stretch>
-            <a:fillRect/>
-          </a:stretch>
-        </a:blipFill>
-        <a:effectLst/>
-      </p:bgPr>
-    </p:bg>
     <p:spTree>
       <p:nvGrpSpPr>
         <p:cNvPr id="1" name=""/>
@@ -4591,8 +7945,8 @@
         </p:nvSpPr>
         <p:spPr>
           <a:xfrm>
-            <a:off x="838200" y="500062"/>
-            <a:ext cx="10515600" cy="1325563"/>
+            <a:off x="838200" y="528093"/>
+            <a:ext cx="10515600" cy="1132898"/>
           </a:xfrm>
         </p:spPr>
         <p:txBody>
@@ -4600,11 +7954,12 @@
           <a:lstStyle/>
           <a:p>
             <a:r>
-              <a:rPr lang="pt-PT" dirty="0">
-                <a:latin typeface="+mn-lt"/>
-              </a:rPr>
-              <a:t>Histograma</a:t>
-            </a:r>
+              <a:rPr lang="pt-PT" dirty="0"/>
+              <a:t>DW_TAXI_SERVICES</a:t>
+            </a:r>
+            <a:endParaRPr lang="pt-PT" dirty="0">
+              <a:latin typeface="+mn-lt"/>
+            </a:endParaRPr>
           </a:p>
         </p:txBody>
       </p:sp>
@@ -4656,23 +8011,52 @@
         <p:spPr>
           <a:xfrm>
             <a:off x="838200" y="2057399"/>
-            <a:ext cx="10515600" cy="4119563"/>
+            <a:ext cx="6152535" cy="4119563"/>
           </a:xfrm>
         </p:spPr>
         <p:txBody>
           <a:bodyPr/>
           <a:lstStyle/>
           <a:p>
+            <a:pPr algn="just"/>
+            <a:r>
+              <a:rPr lang="pt-PT" dirty="0"/>
+              <a:t>Contém informações sobre todos os serviços de táxis na zona do Porto representadas nas respetivas tabelas dimensão associadas.</a:t>
+            </a:r>
             <a:endParaRPr lang="pt-PT" dirty="0">
               <a:latin typeface="+mj-lt"/>
             </a:endParaRPr>
           </a:p>
         </p:txBody>
       </p:sp>
+      <p:pic>
+        <p:nvPicPr>
+          <p:cNvPr id="3" name="Imagem 2"/>
+          <p:cNvPicPr>
+            <a:picLocks noChangeAspect="1"/>
+          </p:cNvPicPr>
+          <p:nvPr/>
+        </p:nvPicPr>
+        <p:blipFill>
+          <a:blip r:embed="rId2"/>
+          <a:stretch>
+            <a:fillRect/>
+          </a:stretch>
+        </p:blipFill>
+        <p:spPr>
+          <a:xfrm>
+            <a:off x="8270250" y="1983580"/>
+            <a:ext cx="2647950" cy="4267200"/>
+          </a:xfrm>
+          <a:prstGeom prst="rect">
+            <a:avLst/>
+          </a:prstGeom>
+        </p:spPr>
+      </p:pic>
     </p:spTree>
     <p:extLst>
       <p:ext uri="{BB962C8B-B14F-4D97-AF65-F5344CB8AC3E}">
-        <p14:creationId xmlns:p14="http://schemas.microsoft.com/office/powerpoint/2010/main" val="2904082290"/>
+        <p14:creationId xmlns:p14="http://schemas.microsoft.com/office/powerpoint/2010/main" val="228122400"/>
       </p:ext>
     </p:extLst>
   </p:cSld>
@@ -4682,23 +8066,9 @@
 </p:sld>
 </file>
 
-<file path=ppt/slides/slide8.xml><?xml version="1.0" encoding="utf-8"?>
+<file path=ppt/slides/slide7.xml><?xml version="1.0" encoding="utf-8"?>
 <p:sld xmlns:a="http://schemas.openxmlformats.org/drawingml/2006/main" xmlns:r="http://schemas.openxmlformats.org/officeDocument/2006/relationships" xmlns:p="http://schemas.openxmlformats.org/presentationml/2006/main">
   <p:cSld>
-    <p:bg>
-      <p:bgPr>
-        <a:blipFill dpi="0" rotWithShape="1">
-          <a:blip r:embed="rId2">
-            <a:lum/>
-          </a:blip>
-          <a:srcRect/>
-          <a:stretch>
-            <a:fillRect/>
-          </a:stretch>
-        </a:blipFill>
-        <a:effectLst/>
-      </p:bgPr>
-    </p:bg>
     <p:spTree>
       <p:nvGrpSpPr>
         <p:cNvPr id="1" name=""/>
@@ -4734,18 +8104,10 @@
           <a:lstStyle/>
           <a:p>
             <a:r>
-              <a:rPr lang="pt-PT" i="1" dirty="0">
-                <a:latin typeface="+mn-lt"/>
-              </a:rPr>
-              <a:t>Cross-</a:t>
-            </a:r>
-            <a:r>
-              <a:rPr lang="pt-PT" i="1" dirty="0" err="1">
-                <a:latin typeface="+mn-lt"/>
-              </a:rPr>
-              <a:t>tabulation</a:t>
-            </a:r>
-            <a:endParaRPr lang="pt-PT" i="1" dirty="0">
+              <a:rPr lang="pt-PT" dirty="0"/>
+              <a:t>DW_TAXI</a:t>
+            </a:r>
+            <a:endParaRPr lang="pt-PT" dirty="0">
               <a:latin typeface="+mn-lt"/>
             </a:endParaRPr>
           </a:p>
@@ -4798,24 +8160,53 @@
         </p:nvSpPr>
         <p:spPr>
           <a:xfrm>
-            <a:off x="838200" y="2057399"/>
-            <a:ext cx="10515600" cy="4119563"/>
+            <a:off x="838199" y="2057399"/>
+            <a:ext cx="6098309" cy="4119563"/>
           </a:xfrm>
         </p:spPr>
         <p:txBody>
           <a:bodyPr/>
           <a:lstStyle/>
           <a:p>
+            <a:pPr algn="just"/>
+            <a:r>
+              <a:rPr lang="pt-PT" dirty="0"/>
+              <a:t>Representa cada táxi que realiza serviços.</a:t>
+            </a:r>
             <a:endParaRPr lang="pt-PT" dirty="0">
               <a:latin typeface="+mj-lt"/>
             </a:endParaRPr>
           </a:p>
         </p:txBody>
       </p:sp>
+      <p:pic>
+        <p:nvPicPr>
+          <p:cNvPr id="3" name="Imagem 2"/>
+          <p:cNvPicPr>
+            <a:picLocks noChangeAspect="1"/>
+          </p:cNvPicPr>
+          <p:nvPr/>
+        </p:nvPicPr>
+        <p:blipFill>
+          <a:blip r:embed="rId2"/>
+          <a:stretch>
+            <a:fillRect/>
+          </a:stretch>
+        </p:blipFill>
+        <p:spPr>
+          <a:xfrm>
+            <a:off x="8260725" y="3159917"/>
+            <a:ext cx="2657475" cy="1914525"/>
+          </a:xfrm>
+          <a:prstGeom prst="rect">
+            <a:avLst/>
+          </a:prstGeom>
+        </p:spPr>
+      </p:pic>
     </p:spTree>
     <p:extLst>
       <p:ext uri="{BB962C8B-B14F-4D97-AF65-F5344CB8AC3E}">
-        <p14:creationId xmlns:p14="http://schemas.microsoft.com/office/powerpoint/2010/main" val="188823008"/>
+        <p14:creationId xmlns:p14="http://schemas.microsoft.com/office/powerpoint/2010/main" val="3958991595"/>
       </p:ext>
     </p:extLst>
   </p:cSld>
@@ -4825,23 +8216,9 @@
 </p:sld>
 </file>
 
-<file path=ppt/slides/slide9.xml><?xml version="1.0" encoding="utf-8"?>
+<file path=ppt/slides/slide8.xml><?xml version="1.0" encoding="utf-8"?>
 <p:sld xmlns:a="http://schemas.openxmlformats.org/drawingml/2006/main" xmlns:r="http://schemas.openxmlformats.org/officeDocument/2006/relationships" xmlns:p="http://schemas.openxmlformats.org/presentationml/2006/main">
   <p:cSld>
-    <p:bg>
-      <p:bgPr>
-        <a:blipFill dpi="0" rotWithShape="1">
-          <a:blip r:embed="rId2">
-            <a:lum/>
-          </a:blip>
-          <a:srcRect/>
-          <a:stretch>
-            <a:fillRect/>
-          </a:stretch>
-        </a:blipFill>
-        <a:effectLst/>
-      </p:bgPr>
-    </p:bg>
     <p:spTree>
       <p:nvGrpSpPr>
         <p:cNvPr id="1" name=""/>
@@ -4877,10 +8254,8 @@
           <a:lstStyle/>
           <a:p>
             <a:r>
-              <a:rPr lang="pt-PT" dirty="0">
-                <a:latin typeface="+mn-lt"/>
-              </a:rPr>
-              <a:t>CUBE BY</a:t>
+              <a:rPr lang="pt-PT" dirty="0"/>
+              <a:t>DW_TEMPO</a:t>
             </a:r>
           </a:p>
         </p:txBody>
@@ -4933,23 +8308,222 @@
         <p:spPr>
           <a:xfrm>
             <a:off x="838200" y="2057399"/>
-            <a:ext cx="10515600" cy="4119563"/>
+            <a:ext cx="6366164" cy="4119563"/>
           </a:xfrm>
         </p:spPr>
         <p:txBody>
           <a:bodyPr/>
           <a:lstStyle/>
           <a:p>
+            <a:pPr algn="just"/>
+            <a:r>
+              <a:rPr lang="pt-PT" dirty="0">
+                <a:latin typeface="+mj-lt"/>
+              </a:rPr>
+              <a:t>Contém informações temporais relativas ao início do serviço, assim como do seu final.</a:t>
+            </a:r>
+          </a:p>
+          <a:p>
+            <a:pPr algn="just"/>
+            <a:r>
+              <a:rPr lang="pt-PT" dirty="0"/>
+              <a:t>formato UNIX TIME.</a:t>
+            </a:r>
             <a:endParaRPr lang="pt-PT" dirty="0">
               <a:latin typeface="+mj-lt"/>
             </a:endParaRPr>
           </a:p>
         </p:txBody>
       </p:sp>
+      <p:pic>
+        <p:nvPicPr>
+          <p:cNvPr id="3" name="Imagem 2"/>
+          <p:cNvPicPr>
+            <a:picLocks noChangeAspect="1"/>
+          </p:cNvPicPr>
+          <p:nvPr/>
+        </p:nvPicPr>
+        <p:blipFill>
+          <a:blip r:embed="rId2"/>
+          <a:stretch>
+            <a:fillRect/>
+          </a:stretch>
+        </p:blipFill>
+        <p:spPr>
+          <a:xfrm>
+            <a:off x="8559721" y="1965067"/>
+            <a:ext cx="2358479" cy="4304225"/>
+          </a:xfrm>
+          <a:prstGeom prst="rect">
+            <a:avLst/>
+          </a:prstGeom>
+        </p:spPr>
+      </p:pic>
     </p:spTree>
     <p:extLst>
       <p:ext uri="{BB962C8B-B14F-4D97-AF65-F5344CB8AC3E}">
-        <p14:creationId xmlns:p14="http://schemas.microsoft.com/office/powerpoint/2010/main" val="3843195993"/>
+        <p14:creationId xmlns:p14="http://schemas.microsoft.com/office/powerpoint/2010/main" val="2210115547"/>
+      </p:ext>
+    </p:extLst>
+  </p:cSld>
+  <p:clrMapOvr>
+    <a:masterClrMapping/>
+  </p:clrMapOvr>
+</p:sld>
+</file>
+
+<file path=ppt/slides/slide9.xml><?xml version="1.0" encoding="utf-8"?>
+<p:sld xmlns:a="http://schemas.openxmlformats.org/drawingml/2006/main" xmlns:r="http://schemas.openxmlformats.org/officeDocument/2006/relationships" xmlns:p="http://schemas.openxmlformats.org/presentationml/2006/main">
+  <p:cSld>
+    <p:spTree>
+      <p:nvGrpSpPr>
+        <p:cNvPr id="1" name=""/>
+        <p:cNvGrpSpPr/>
+        <p:nvPr/>
+      </p:nvGrpSpPr>
+      <p:grpSpPr>
+        <a:xfrm>
+          <a:off x="0" y="0"/>
+          <a:ext cx="0" cy="0"/>
+          <a:chOff x="0" y="0"/>
+          <a:chExt cx="0" cy="0"/>
+        </a:xfrm>
+      </p:grpSpPr>
+      <p:sp>
+        <p:nvSpPr>
+          <p:cNvPr id="2" name="Título 1"/>
+          <p:cNvSpPr>
+            <a:spLocks noGrp="1"/>
+          </p:cNvSpPr>
+          <p:nvPr>
+            <p:ph type="title"/>
+          </p:nvPr>
+        </p:nvSpPr>
+        <p:spPr>
+          <a:xfrm>
+            <a:off x="838200" y="500062"/>
+            <a:ext cx="10515600" cy="1325563"/>
+          </a:xfrm>
+        </p:spPr>
+        <p:txBody>
+          <a:bodyPr/>
+          <a:lstStyle/>
+          <a:p>
+            <a:r>
+              <a:rPr lang="pt-PT" dirty="0"/>
+              <a:t>DW_STAND</a:t>
+            </a:r>
+            <a:endParaRPr lang="pt-PT" dirty="0">
+              <a:latin typeface="+mn-lt"/>
+            </a:endParaRPr>
+          </a:p>
+        </p:txBody>
+      </p:sp>
+      <p:cxnSp>
+        <p:nvCxnSpPr>
+          <p:cNvPr id="5" name="Conexão reta 4"/>
+          <p:cNvCxnSpPr/>
+          <p:nvPr/>
+        </p:nvCxnSpPr>
+        <p:spPr>
+          <a:xfrm flipV="1">
+            <a:off x="838200" y="1660991"/>
+            <a:ext cx="10080000" cy="2"/>
+          </a:xfrm>
+          <a:prstGeom prst="line">
+            <a:avLst/>
+          </a:prstGeom>
+          <a:ln w="12700">
+            <a:solidFill>
+              <a:schemeClr val="tx1"/>
+            </a:solidFill>
+          </a:ln>
+        </p:spPr>
+        <p:style>
+          <a:lnRef idx="1">
+            <a:schemeClr val="accent1"/>
+          </a:lnRef>
+          <a:fillRef idx="0">
+            <a:schemeClr val="accent1"/>
+          </a:fillRef>
+          <a:effectRef idx="0">
+            <a:schemeClr val="accent1"/>
+          </a:effectRef>
+          <a:fontRef idx="minor">
+            <a:schemeClr val="tx1"/>
+          </a:fontRef>
+        </p:style>
+      </p:cxnSp>
+      <p:sp>
+        <p:nvSpPr>
+          <p:cNvPr id="6" name="Marcador de Posição de Conteúdo 2"/>
+          <p:cNvSpPr>
+            <a:spLocks noGrp="1"/>
+          </p:cNvSpPr>
+          <p:nvPr>
+            <p:ph idx="1"/>
+          </p:nvPr>
+        </p:nvSpPr>
+        <p:spPr>
+          <a:xfrm>
+            <a:off x="838200" y="2057399"/>
+            <a:ext cx="6827982" cy="4119563"/>
+          </a:xfrm>
+        </p:spPr>
+        <p:txBody>
+          <a:bodyPr/>
+          <a:lstStyle/>
+          <a:p>
+            <a:pPr algn="just"/>
+            <a:r>
+              <a:rPr lang="pt-PT" dirty="0">
+                <a:latin typeface="+mj-lt"/>
+              </a:rPr>
+              <a:t>Simples exportação da tabela </a:t>
+            </a:r>
+            <a:r>
+              <a:rPr lang="pt-PT" i="1" dirty="0" err="1">
+                <a:latin typeface="+mj-lt"/>
+              </a:rPr>
+              <a:t>táxi_stands</a:t>
+            </a:r>
+            <a:r>
+              <a:rPr lang="pt-PT" dirty="0">
+                <a:latin typeface="+mj-lt"/>
+              </a:rPr>
+              <a:t>.</a:t>
+            </a:r>
+          </a:p>
+        </p:txBody>
+      </p:sp>
+      <p:pic>
+        <p:nvPicPr>
+          <p:cNvPr id="4" name="Imagem 3"/>
+          <p:cNvPicPr>
+            <a:picLocks noChangeAspect="1"/>
+          </p:cNvPicPr>
+          <p:nvPr/>
+        </p:nvPicPr>
+        <p:blipFill>
+          <a:blip r:embed="rId2"/>
+          <a:stretch>
+            <a:fillRect/>
+          </a:stretch>
+        </p:blipFill>
+        <p:spPr>
+          <a:xfrm>
+            <a:off x="8241675" y="3164680"/>
+            <a:ext cx="2676525" cy="1905000"/>
+          </a:xfrm>
+          <a:prstGeom prst="rect">
+            <a:avLst/>
+          </a:prstGeom>
+        </p:spPr>
+      </p:pic>
+    </p:spTree>
+    <p:extLst>
+      <p:ext uri="{BB962C8B-B14F-4D97-AF65-F5344CB8AC3E}">
+        <p14:creationId xmlns:p14="http://schemas.microsoft.com/office/powerpoint/2010/main" val="2066742038"/>
       </p:ext>
     </p:extLst>
   </p:cSld>

--- a/Data-Warehouse.pptx
+++ b/Data-Warehouse.pptx
@@ -3703,8 +3703,8 @@
         </p:nvSpPr>
         <p:spPr>
           <a:xfrm>
-            <a:off x="838200" y="2057399"/>
-            <a:ext cx="7086600" cy="4119563"/>
+            <a:off x="838200" y="2057400"/>
+            <a:ext cx="7280564" cy="1378528"/>
           </a:xfrm>
         </p:spPr>
         <p:txBody>
@@ -3749,12 +3749,52 @@
         </p:blipFill>
         <p:spPr>
           <a:xfrm>
-            <a:off x="8222625" y="2564605"/>
-            <a:ext cx="2695575" cy="3105150"/>
+            <a:off x="8502066" y="2730860"/>
+            <a:ext cx="2416134" cy="2783250"/>
           </a:xfrm>
           <a:prstGeom prst="rect">
             <a:avLst/>
           </a:prstGeom>
+        </p:spPr>
+      </p:pic>
+      <p:pic>
+        <p:nvPicPr>
+          <p:cNvPr id="7" name="Imagem 6"/>
+          <p:cNvPicPr>
+            <a:picLocks noChangeAspect="1"/>
+          </p:cNvPicPr>
+          <p:nvPr/>
+        </p:nvPicPr>
+        <p:blipFill>
+          <a:blip r:embed="rId3">
+            <a:extLst>
+              <a:ext uri="{28A0092B-C50C-407E-A947-70E740481C1C}">
+                <a14:useLocalDpi xmlns:a14="http://schemas.microsoft.com/office/drawing/2010/main" val="0"/>
+              </a:ext>
+            </a:extLst>
+          </a:blip>
+          <a:stretch>
+            <a:fillRect/>
+          </a:stretch>
+        </p:blipFill>
+        <p:spPr>
+          <a:xfrm>
+            <a:off x="2001981" y="3435928"/>
+            <a:ext cx="5110018" cy="2900280"/>
+          </a:xfrm>
+          <a:prstGeom prst="rect">
+            <a:avLst/>
+          </a:prstGeom>
+          <a:ln>
+            <a:noFill/>
+          </a:ln>
+          <a:effectLst>
+            <a:outerShdw blurRad="292100" dist="139700" dir="2700000" algn="tl" rotWithShape="0">
+              <a:srgbClr val="333333">
+                <a:alpha val="65000"/>
+              </a:srgbClr>
+            </a:outerShdw>
+          </a:effectLst>
         </p:spPr>
       </p:pic>
     </p:spTree>
@@ -7664,6 +7704,20 @@
 <file path=ppt/slides/slide4.xml><?xml version="1.0" encoding="utf-8"?>
 <p:sld xmlns:a="http://schemas.openxmlformats.org/drawingml/2006/main" xmlns:r="http://schemas.openxmlformats.org/officeDocument/2006/relationships" xmlns:p="http://schemas.openxmlformats.org/presentationml/2006/main">
   <p:cSld>
+    <p:bg>
+      <p:bgPr>
+        <a:blipFill dpi="0" rotWithShape="1">
+          <a:blip r:embed="rId2">
+            <a:lum/>
+          </a:blip>
+          <a:srcRect/>
+          <a:stretch>
+            <a:fillRect l="-10000" t="-25000" r="-5000" b="-9000"/>
+          </a:stretch>
+        </a:blipFill>
+        <a:effectLst/>
+      </p:bgPr>
+    </p:bg>
     <p:spTree>
       <p:nvGrpSpPr>
         <p:cNvPr id="1" name=""/>
@@ -7690,8 +7744,8 @@
         </p:nvSpPr>
         <p:spPr>
           <a:xfrm>
-            <a:off x="838200" y="500062"/>
-            <a:ext cx="10515600" cy="1325563"/>
+            <a:off x="4914899" y="74035"/>
+            <a:ext cx="2493819" cy="1325563"/>
           </a:xfrm>
         </p:spPr>
         <p:txBody>
@@ -7699,7 +7753,14 @@
           <a:lstStyle/>
           <a:p>
             <a:r>
-              <a:rPr lang="pt-PT" dirty="0">
+              <a:rPr lang="pt-PT" b="1" dirty="0">
+                <a:effectLst>
+                  <a:outerShdw blurRad="38100" dist="38100" dir="2700000" algn="tl">
+                    <a:srgbClr val="000000">
+                      <a:alpha val="43137"/>
+                    </a:srgbClr>
+                  </a:outerShdw>
+                </a:effectLst>
                 <a:latin typeface="+mn-lt"/>
               </a:rPr>
               <a:t>Estrutura</a:t>
@@ -7710,13 +7771,15 @@
       <p:cxnSp>
         <p:nvCxnSpPr>
           <p:cNvPr id="5" name="Conexão reta 4"/>
-          <p:cNvCxnSpPr/>
+          <p:cNvCxnSpPr>
+            <a:cxnSpLocks/>
+          </p:cNvCxnSpPr>
           <p:nvPr/>
         </p:nvCxnSpPr>
         <p:spPr>
-          <a:xfrm flipV="1">
-            <a:off x="838200" y="1660991"/>
-            <a:ext cx="10080000" cy="2"/>
+          <a:xfrm>
+            <a:off x="4686300" y="1245356"/>
+            <a:ext cx="2795155" cy="0"/>
           </a:xfrm>
           <a:prstGeom prst="line">
             <a:avLst/>
@@ -7742,68 +7805,6 @@
           </a:fontRef>
         </p:style>
       </p:cxnSp>
-      <p:pic>
-        <p:nvPicPr>
-          <p:cNvPr id="3076" name="Picture 4" descr="database.png"/>
-          <p:cNvPicPr>
-            <a:picLocks noChangeAspect="1" noChangeArrowheads="1"/>
-          </p:cNvPicPr>
-          <p:nvPr/>
-        </p:nvPicPr>
-        <p:blipFill>
-          <a:blip r:embed="rId2">
-            <a:extLst>
-              <a:ext uri="{28A0092B-C50C-407E-A947-70E740481C1C}">
-                <a14:useLocalDpi xmlns:a14="http://schemas.microsoft.com/office/drawing/2010/main" val="0"/>
-              </a:ext>
-            </a:extLst>
-          </a:blip>
-          <a:srcRect/>
-          <a:stretch>
-            <a:fillRect/>
-          </a:stretch>
-        </p:blipFill>
-        <p:spPr bwMode="auto">
-          <a:xfrm>
-            <a:off x="2867025" y="1955190"/>
-            <a:ext cx="6013206" cy="4087629"/>
-          </a:xfrm>
-          <a:prstGeom prst="rect">
-            <a:avLst/>
-          </a:prstGeom>
-          <a:solidFill>
-            <a:srgbClr val="FFFFFF">
-              <a:shade val="85000"/>
-            </a:srgbClr>
-          </a:solidFill>
-          <a:ln w="88900" cap="sq">
-            <a:solidFill>
-              <a:srgbClr val="FFFFFF"/>
-            </a:solidFill>
-            <a:miter lim="800000"/>
-          </a:ln>
-          <a:effectLst>
-            <a:outerShdw blurRad="55000" dist="18000" dir="5400000" algn="tl" rotWithShape="0">
-              <a:srgbClr val="000000">
-                <a:alpha val="40000"/>
-              </a:srgbClr>
-            </a:outerShdw>
-          </a:effectLst>
-          <a:scene3d>
-            <a:camera prst="orthographicFront"/>
-            <a:lightRig rig="twoPt" dir="t">
-              <a:rot lat="0" lon="0" rev="7200000"/>
-            </a:lightRig>
-          </a:scene3d>
-          <a:sp3d>
-            <a:bevelT w="25400" h="19050"/>
-            <a:contourClr>
-              <a:srgbClr val="FFFFFF"/>
-            </a:contourClr>
-          </a:sp3d>
-          <a:extLst/>
-        </p:spPr>
-      </p:pic>
     </p:spTree>
     <p:extLst>
       <p:ext uri="{BB962C8B-B14F-4D97-AF65-F5344CB8AC3E}">
@@ -8010,8 +8011,8 @@
         </p:nvSpPr>
         <p:spPr>
           <a:xfrm>
-            <a:off x="838200" y="2057399"/>
-            <a:ext cx="6152535" cy="4119563"/>
+            <a:off x="838200" y="2057400"/>
+            <a:ext cx="7659255" cy="1332346"/>
           </a:xfrm>
         </p:spPr>
         <p:txBody>
@@ -8045,12 +8046,52 @@
         </p:blipFill>
         <p:spPr>
           <a:xfrm>
-            <a:off x="8270250" y="1983580"/>
-            <a:ext cx="2647950" cy="4267200"/>
+            <a:off x="8811491" y="2356533"/>
+            <a:ext cx="2106709" cy="3394984"/>
           </a:xfrm>
           <a:prstGeom prst="rect">
             <a:avLst/>
           </a:prstGeom>
+        </p:spPr>
+      </p:pic>
+      <p:pic>
+        <p:nvPicPr>
+          <p:cNvPr id="8" name="Imagem 7"/>
+          <p:cNvPicPr>
+            <a:picLocks noChangeAspect="1"/>
+          </p:cNvPicPr>
+          <p:nvPr/>
+        </p:nvPicPr>
+        <p:blipFill>
+          <a:blip r:embed="rId3">
+            <a:extLst>
+              <a:ext uri="{28A0092B-C50C-407E-A947-70E740481C1C}">
+                <a14:useLocalDpi xmlns:a14="http://schemas.microsoft.com/office/drawing/2010/main" val="0"/>
+              </a:ext>
+            </a:extLst>
+          </a:blip>
+          <a:stretch>
+            <a:fillRect/>
+          </a:stretch>
+        </p:blipFill>
+        <p:spPr>
+          <a:xfrm>
+            <a:off x="1650999" y="3389746"/>
+            <a:ext cx="6033655" cy="2980974"/>
+          </a:xfrm>
+          <a:prstGeom prst="rect">
+            <a:avLst/>
+          </a:prstGeom>
+          <a:ln>
+            <a:noFill/>
+          </a:ln>
+          <a:effectLst>
+            <a:outerShdw blurRad="292100" dist="139700" dir="2700000" algn="tl" rotWithShape="0">
+              <a:srgbClr val="333333">
+                <a:alpha val="65000"/>
+              </a:srgbClr>
+            </a:outerShdw>
+          </a:effectLst>
         </p:spPr>
       </p:pic>
     </p:spTree>
@@ -8161,7 +8202,7 @@
         <p:spPr>
           <a:xfrm>
             <a:off x="838199" y="2057399"/>
-            <a:ext cx="6098309" cy="4119563"/>
+            <a:ext cx="7566892" cy="764523"/>
           </a:xfrm>
         </p:spPr>
         <p:txBody>
@@ -8195,12 +8236,52 @@
         </p:blipFill>
         <p:spPr>
           <a:xfrm>
-            <a:off x="8260725" y="3159917"/>
-            <a:ext cx="2657475" cy="1914525"/>
+            <a:off x="8778658" y="3344645"/>
+            <a:ext cx="2139542" cy="1541391"/>
           </a:xfrm>
           <a:prstGeom prst="rect">
             <a:avLst/>
           </a:prstGeom>
+        </p:spPr>
+      </p:pic>
+      <p:pic>
+        <p:nvPicPr>
+          <p:cNvPr id="7" name="Imagem 6"/>
+          <p:cNvPicPr>
+            <a:picLocks noChangeAspect="1"/>
+          </p:cNvPicPr>
+          <p:nvPr/>
+        </p:nvPicPr>
+        <p:blipFill>
+          <a:blip r:embed="rId3">
+            <a:extLst>
+              <a:ext uri="{28A0092B-C50C-407E-A947-70E740481C1C}">
+                <a14:useLocalDpi xmlns:a14="http://schemas.microsoft.com/office/drawing/2010/main" val="0"/>
+              </a:ext>
+            </a:extLst>
+          </a:blip>
+          <a:stretch>
+            <a:fillRect/>
+          </a:stretch>
+        </p:blipFill>
+        <p:spPr>
+          <a:xfrm>
+            <a:off x="1686238" y="2821922"/>
+            <a:ext cx="5859872" cy="3477418"/>
+          </a:xfrm>
+          <a:prstGeom prst="rect">
+            <a:avLst/>
+          </a:prstGeom>
+          <a:ln>
+            <a:noFill/>
+          </a:ln>
+          <a:effectLst>
+            <a:outerShdw blurRad="292100" dist="139700" dir="2700000" algn="tl" rotWithShape="0">
+              <a:srgbClr val="333333">
+                <a:alpha val="65000"/>
+              </a:srgbClr>
+            </a:outerShdw>
+          </a:effectLst>
         </p:spPr>
       </p:pic>
     </p:spTree>
@@ -8307,8 +8388,8 @@
         </p:nvSpPr>
         <p:spPr>
           <a:xfrm>
-            <a:off x="838200" y="2057399"/>
-            <a:ext cx="6366164" cy="4119563"/>
+            <a:off x="838199" y="2057400"/>
+            <a:ext cx="7511473" cy="1480128"/>
           </a:xfrm>
         </p:spPr>
         <p:txBody>
@@ -8327,7 +8408,7 @@
             <a:pPr algn="just"/>
             <a:r>
               <a:rPr lang="pt-PT" dirty="0"/>
-              <a:t>formato UNIX TIME.</a:t>
+              <a:t>Formato UNIX TIME.</a:t>
             </a:r>
             <a:endParaRPr lang="pt-PT" dirty="0">
               <a:latin typeface="+mj-lt"/>
@@ -8351,12 +8432,52 @@
         </p:blipFill>
         <p:spPr>
           <a:xfrm>
-            <a:off x="8559721" y="1965067"/>
-            <a:ext cx="2358479" cy="4304225"/>
+            <a:off x="8710347" y="2102513"/>
+            <a:ext cx="2207853" cy="4029333"/>
           </a:xfrm>
           <a:prstGeom prst="rect">
             <a:avLst/>
           </a:prstGeom>
+        </p:spPr>
+      </p:pic>
+      <p:pic>
+        <p:nvPicPr>
+          <p:cNvPr id="7" name="Imagem 6"/>
+          <p:cNvPicPr>
+            <a:picLocks noChangeAspect="1"/>
+          </p:cNvPicPr>
+          <p:nvPr/>
+        </p:nvPicPr>
+        <p:blipFill>
+          <a:blip r:embed="rId3">
+            <a:extLst>
+              <a:ext uri="{28A0092B-C50C-407E-A947-70E740481C1C}">
+                <a14:useLocalDpi xmlns:a14="http://schemas.microsoft.com/office/drawing/2010/main" val="0"/>
+              </a:ext>
+            </a:extLst>
+          </a:blip>
+          <a:stretch>
+            <a:fillRect/>
+          </a:stretch>
+        </p:blipFill>
+        <p:spPr>
+          <a:xfrm>
+            <a:off x="1609434" y="3537528"/>
+            <a:ext cx="5969001" cy="2800392"/>
+          </a:xfrm>
+          <a:prstGeom prst="rect">
+            <a:avLst/>
+          </a:prstGeom>
+          <a:ln>
+            <a:noFill/>
+          </a:ln>
+          <a:effectLst>
+            <a:outerShdw blurRad="292100" dist="139700" dir="2700000" algn="tl" rotWithShape="0">
+              <a:srgbClr val="333333">
+                <a:alpha val="65000"/>
+              </a:srgbClr>
+            </a:outerShdw>
+          </a:effectLst>
         </p:spPr>
       </p:pic>
     </p:spTree>
@@ -8467,7 +8588,7 @@
         <p:spPr>
           <a:xfrm>
             <a:off x="838200" y="2057399"/>
-            <a:ext cx="6827982" cy="4119563"/>
+            <a:ext cx="7299036" cy="764523"/>
           </a:xfrm>
         </p:spPr>
         <p:txBody>
@@ -8512,12 +8633,52 @@
         </p:blipFill>
         <p:spPr>
           <a:xfrm>
-            <a:off x="8241675" y="3164680"/>
-            <a:ext cx="2676525" cy="1905000"/>
+            <a:off x="8636000" y="3303224"/>
+            <a:ext cx="2282200" cy="1624341"/>
           </a:xfrm>
           <a:prstGeom prst="rect">
             <a:avLst/>
           </a:prstGeom>
+        </p:spPr>
+      </p:pic>
+      <p:pic>
+        <p:nvPicPr>
+          <p:cNvPr id="7" name="Imagem 6"/>
+          <p:cNvPicPr>
+            <a:picLocks noChangeAspect="1"/>
+          </p:cNvPicPr>
+          <p:nvPr/>
+        </p:nvPicPr>
+        <p:blipFill>
+          <a:blip r:embed="rId3">
+            <a:extLst>
+              <a:ext uri="{28A0092B-C50C-407E-A947-70E740481C1C}">
+                <a14:useLocalDpi xmlns:a14="http://schemas.microsoft.com/office/drawing/2010/main" val="0"/>
+              </a:ext>
+            </a:extLst>
+          </a:blip>
+          <a:stretch>
+            <a:fillRect/>
+          </a:stretch>
+        </p:blipFill>
+        <p:spPr>
+          <a:xfrm>
+            <a:off x="1660236" y="2821922"/>
+            <a:ext cx="5654964" cy="3392978"/>
+          </a:xfrm>
+          <a:prstGeom prst="rect">
+            <a:avLst/>
+          </a:prstGeom>
+          <a:ln>
+            <a:noFill/>
+          </a:ln>
+          <a:effectLst>
+            <a:outerShdw blurRad="292100" dist="139700" dir="2700000" algn="tl" rotWithShape="0">
+              <a:srgbClr val="333333">
+                <a:alpha val="65000"/>
+              </a:srgbClr>
+            </a:outerShdw>
+          </a:effectLst>
         </p:spPr>
       </p:pic>
     </p:spTree>

--- a/Data-Warehouse.pptx
+++ b/Data-Warehouse.pptx
@@ -27,7 +27,7 @@
     <p:sldId id="266" r:id="rId21"/>
     <p:sldId id="270" r:id="rId22"/>
     <p:sldId id="286" r:id="rId23"/>
-    <p:sldId id="287" r:id="rId24"/>
+    <p:sldId id="288" r:id="rId24"/>
     <p:sldId id="268" r:id="rId25"/>
   </p:sldIdLst>
   <p:sldSz cx="12192000" cy="6858000"/>
@@ -3703,7 +3703,7 @@
         </p:nvSpPr>
         <p:spPr>
           <a:xfrm>
-            <a:off x="838200" y="2057400"/>
+            <a:off x="838200" y="1825625"/>
             <a:ext cx="7280564" cy="1378528"/>
           </a:xfrm>
         </p:spPr>
@@ -3765,7 +3765,7 @@
           </p:cNvPicPr>
           <p:nvPr/>
         </p:nvPicPr>
-        <p:blipFill>
+        <p:blipFill rotWithShape="1">
           <a:blip r:embed="rId3">
             <a:extLst>
               <a:ext uri="{28A0092B-C50C-407E-A947-70E740481C1C}">
@@ -3773,14 +3773,13 @@
               </a:ext>
             </a:extLst>
           </a:blip>
-          <a:stretch>
-            <a:fillRect/>
-          </a:stretch>
+          <a:srcRect l="245"/>
+          <a:stretch/>
         </p:blipFill>
         <p:spPr>
           <a:xfrm>
-            <a:off x="2001981" y="3435928"/>
-            <a:ext cx="5110018" cy="2900280"/>
+            <a:off x="2083777" y="3274492"/>
+            <a:ext cx="5097496" cy="2900280"/>
           </a:xfrm>
           <a:prstGeom prst="rect">
             <a:avLst/>
@@ -4014,7 +4013,9 @@
               <a:buNone/>
             </a:pPr>
             <a:r>
-              <a:rPr lang="en-US" dirty="0"/>
+              <a:rPr lang="en-US" dirty="0">
+                <a:latin typeface="+mj-lt"/>
+              </a:rPr>
               <a:t>SELECT </a:t>
             </a:r>
           </a:p>
@@ -4023,15 +4024,21 @@
               <a:buNone/>
             </a:pPr>
             <a:r>
-              <a:rPr lang="en-US" dirty="0"/>
+              <a:rPr lang="en-US" dirty="0">
+                <a:latin typeface="+mj-lt"/>
+              </a:rPr>
               <a:t>	</a:t>
             </a:r>
             <a:r>
-              <a:rPr lang="en-US" dirty="0" err="1"/>
+              <a:rPr lang="en-US" dirty="0" err="1">
+                <a:latin typeface="+mj-lt"/>
+              </a:rPr>
               <a:t>dw_taxi.nlicenca</a:t>
             </a:r>
             <a:r>
-              <a:rPr lang="en-US" dirty="0"/>
+              <a:rPr lang="en-US" dirty="0">
+                <a:latin typeface="+mj-lt"/>
+              </a:rPr>
               <a:t>, </a:t>
             </a:r>
           </a:p>
@@ -4040,106 +4047,154 @@
               <a:buNone/>
             </a:pPr>
             <a:r>
-              <a:rPr lang="en-US" dirty="0"/>
+              <a:rPr lang="en-US" dirty="0">
+                <a:latin typeface="+mj-lt"/>
+              </a:rPr>
               <a:t>	SUM(CAST(</a:t>
             </a:r>
             <a:r>
-              <a:rPr lang="en-US" dirty="0" err="1"/>
+              <a:rPr lang="en-US" dirty="0" err="1">
+                <a:latin typeface="+mj-lt"/>
+              </a:rPr>
               <a:t>tempototal</a:t>
             </a:r>
             <a:r>
-              <a:rPr lang="en-US" dirty="0"/>
+              <a:rPr lang="en-US" dirty="0">
+                <a:latin typeface="+mj-lt"/>
+              </a:rPr>
               <a:t> AS interval)) AS </a:t>
             </a:r>
             <a:r>
-              <a:rPr lang="en-US" dirty="0" err="1"/>
+              <a:rPr lang="en-US" dirty="0" err="1">
+                <a:latin typeface="+mj-lt"/>
+              </a:rPr>
               <a:t>total_time</a:t>
             </a:r>
             <a:r>
-              <a:rPr lang="en-US" dirty="0"/>
+              <a:rPr lang="en-US" dirty="0">
+                <a:latin typeface="+mj-lt"/>
+              </a:rPr>
               <a:t> </a:t>
             </a:r>
-            <a:endParaRPr lang="pt-PT" dirty="0"/>
+            <a:endParaRPr lang="pt-PT" dirty="0">
+              <a:latin typeface="+mj-lt"/>
+            </a:endParaRPr>
           </a:p>
           <a:p>
             <a:pPr marL="0" indent="0">
               <a:buNone/>
             </a:pPr>
             <a:r>
-              <a:rPr lang="en-US" dirty="0"/>
+              <a:rPr lang="en-US" dirty="0">
+                <a:latin typeface="+mj-lt"/>
+              </a:rPr>
               <a:t>FROM </a:t>
             </a:r>
             <a:r>
-              <a:rPr lang="en-US" dirty="0" err="1"/>
+              <a:rPr lang="en-US" dirty="0" err="1">
+                <a:latin typeface="+mj-lt"/>
+              </a:rPr>
               <a:t>dw_taxi_services</a:t>
             </a:r>
             <a:r>
-              <a:rPr lang="en-US" dirty="0"/>
+              <a:rPr lang="en-US" dirty="0">
+                <a:latin typeface="+mj-lt"/>
+              </a:rPr>
               <a:t> </a:t>
             </a:r>
-            <a:endParaRPr lang="pt-PT" dirty="0"/>
+            <a:endParaRPr lang="pt-PT" dirty="0">
+              <a:latin typeface="+mj-lt"/>
+            </a:endParaRPr>
           </a:p>
           <a:p>
             <a:pPr marL="0" indent="0">
               <a:buNone/>
             </a:pPr>
             <a:r>
-              <a:rPr lang="en-US" dirty="0"/>
+              <a:rPr lang="en-US" dirty="0">
+                <a:latin typeface="+mj-lt"/>
+              </a:rPr>
               <a:t>INNER JOIN </a:t>
             </a:r>
             <a:r>
-              <a:rPr lang="en-US" dirty="0" err="1"/>
+              <a:rPr lang="en-US" dirty="0" err="1">
+                <a:latin typeface="+mj-lt"/>
+              </a:rPr>
               <a:t>dw_taxi</a:t>
             </a:r>
             <a:r>
-              <a:rPr lang="en-US" dirty="0"/>
+              <a:rPr lang="en-US" dirty="0">
+                <a:latin typeface="+mj-lt"/>
+              </a:rPr>
               <a:t> ON </a:t>
             </a:r>
-            <a:endParaRPr lang="pt-PT" dirty="0"/>
+            <a:endParaRPr lang="pt-PT" dirty="0">
+              <a:latin typeface="+mj-lt"/>
+            </a:endParaRPr>
           </a:p>
           <a:p>
             <a:pPr marL="0" indent="0">
               <a:buNone/>
             </a:pPr>
             <a:r>
-              <a:rPr lang="en-US" dirty="0"/>
+              <a:rPr lang="en-US" dirty="0">
+                <a:latin typeface="+mj-lt"/>
+              </a:rPr>
               <a:t>	</a:t>
             </a:r>
             <a:r>
-              <a:rPr lang="en-US" dirty="0" err="1"/>
+              <a:rPr lang="en-US" dirty="0" err="1">
+                <a:latin typeface="+mj-lt"/>
+              </a:rPr>
               <a:t>dw_taxi.taxi_id</a:t>
             </a:r>
             <a:r>
-              <a:rPr lang="en-US" dirty="0"/>
+              <a:rPr lang="en-US" dirty="0">
+                <a:latin typeface="+mj-lt"/>
+              </a:rPr>
               <a:t> = </a:t>
             </a:r>
             <a:r>
-              <a:rPr lang="en-US" dirty="0" err="1"/>
+              <a:rPr lang="en-US" dirty="0" err="1">
+                <a:latin typeface="+mj-lt"/>
+              </a:rPr>
               <a:t>dw_taxi_services.taxi_id</a:t>
             </a:r>
             <a:r>
-              <a:rPr lang="en-US" dirty="0"/>
+              <a:rPr lang="en-US" dirty="0">
+                <a:latin typeface="+mj-lt"/>
+              </a:rPr>
               <a:t> </a:t>
             </a:r>
-            <a:endParaRPr lang="pt-PT" dirty="0"/>
+            <a:endParaRPr lang="pt-PT" dirty="0">
+              <a:latin typeface="+mj-lt"/>
+            </a:endParaRPr>
           </a:p>
           <a:p>
             <a:pPr marL="0" indent="0">
               <a:buNone/>
             </a:pPr>
             <a:r>
-              <a:rPr lang="en-US" dirty="0"/>
+              <a:rPr lang="en-US" dirty="0">
+                <a:latin typeface="+mj-lt"/>
+              </a:rPr>
               <a:t>GROUP BY CUBE(</a:t>
             </a:r>
             <a:r>
-              <a:rPr lang="en-US" dirty="0" err="1"/>
+              <a:rPr lang="en-US" dirty="0" err="1">
+                <a:latin typeface="+mj-lt"/>
+              </a:rPr>
               <a:t>dw_taxi.nlicenca</a:t>
             </a:r>
             <a:r>
-              <a:rPr lang="en-US" dirty="0"/>
+              <a:rPr lang="en-US" dirty="0">
+                <a:latin typeface="+mj-lt"/>
+              </a:rPr>
               <a:t>);</a:t>
             </a:r>
-            <a:endParaRPr lang="pt-PT" dirty="0"/>
+            <a:endParaRPr lang="pt-PT" dirty="0">
+              <a:latin typeface="+mj-lt"/>
+            </a:endParaRPr>
           </a:p>
           <a:p>
             <a:pPr marL="0" indent="0">
@@ -4378,7 +4433,7 @@
       </p:sp>
       <p:pic>
         <p:nvPicPr>
-          <p:cNvPr id="14" name="Imagem 13"/>
+          <p:cNvPr id="8" name="Imagem 7"/>
           <p:cNvPicPr>
             <a:picLocks noChangeAspect="1"/>
           </p:cNvPicPr>
@@ -4525,31 +4580,45 @@
               <a:buNone/>
             </a:pPr>
             <a:r>
-              <a:rPr lang="pt-PT" b="1" dirty="0"/>
+              <a:rPr lang="pt-PT" dirty="0">
+                <a:latin typeface="+mj-lt"/>
+              </a:rPr>
               <a:t>SELECT </a:t>
             </a:r>
             <a:r>
-              <a:rPr lang="pt-PT" b="1" dirty="0" err="1"/>
+              <a:rPr lang="pt-PT" dirty="0" err="1">
+                <a:latin typeface="+mj-lt"/>
+              </a:rPr>
               <a:t>mes</a:t>
             </a:r>
             <a:r>
-              <a:rPr lang="pt-PT" b="1" dirty="0"/>
+              <a:rPr lang="pt-PT" dirty="0">
+                <a:latin typeface="+mj-lt"/>
+              </a:rPr>
               <a:t>, freguesia, SUM(CAST(</a:t>
             </a:r>
             <a:r>
-              <a:rPr lang="pt-PT" b="1" dirty="0" err="1"/>
+              <a:rPr lang="pt-PT" dirty="0" err="1">
+                <a:latin typeface="+mj-lt"/>
+              </a:rPr>
               <a:t>tempototal</a:t>
             </a:r>
             <a:r>
-              <a:rPr lang="pt-PT" b="1" dirty="0"/>
+              <a:rPr lang="pt-PT" dirty="0">
+                <a:latin typeface="+mj-lt"/>
+              </a:rPr>
               <a:t> AS </a:t>
             </a:r>
             <a:r>
-              <a:rPr lang="pt-PT" b="1" dirty="0" err="1"/>
+              <a:rPr lang="pt-PT" dirty="0" err="1">
+                <a:latin typeface="+mj-lt"/>
+              </a:rPr>
               <a:t>interval</a:t>
             </a:r>
             <a:r>
-              <a:rPr lang="pt-PT" b="1" dirty="0"/>
+              <a:rPr lang="pt-PT" dirty="0">
+                <a:latin typeface="+mj-lt"/>
+              </a:rPr>
               <a:t>)) </a:t>
             </a:r>
           </a:p>
@@ -4558,228 +4627,332 @@
               <a:buNone/>
             </a:pPr>
             <a:r>
-              <a:rPr lang="en-US" b="1" dirty="0"/>
+              <a:rPr lang="en-US" dirty="0">
+                <a:latin typeface="+mj-lt"/>
+              </a:rPr>
               <a:t>FROM (SELECT </a:t>
             </a:r>
             <a:r>
-              <a:rPr lang="en-US" b="1" dirty="0" err="1"/>
+              <a:rPr lang="en-US" dirty="0" err="1">
+                <a:latin typeface="+mj-lt"/>
+              </a:rPr>
               <a:t>mes_i</a:t>
             </a:r>
             <a:r>
-              <a:rPr lang="en-US" b="1" dirty="0"/>
+              <a:rPr lang="en-US" dirty="0">
+                <a:latin typeface="+mj-lt"/>
+              </a:rPr>
               <a:t> AS </a:t>
             </a:r>
             <a:r>
-              <a:rPr lang="en-US" b="1" dirty="0" err="1"/>
+              <a:rPr lang="en-US" dirty="0" err="1">
+                <a:latin typeface="+mj-lt"/>
+              </a:rPr>
               <a:t>mes</a:t>
             </a:r>
             <a:r>
-              <a:rPr lang="en-US" b="1" dirty="0"/>
+              <a:rPr lang="en-US" dirty="0">
+                <a:latin typeface="+mj-lt"/>
+              </a:rPr>
               <a:t>, </a:t>
             </a:r>
             <a:r>
-              <a:rPr lang="en-US" b="1" dirty="0" err="1"/>
+              <a:rPr lang="en-US" dirty="0" err="1">
+                <a:latin typeface="+mj-lt"/>
+              </a:rPr>
               <a:t>freguesia</a:t>
             </a:r>
             <a:r>
-              <a:rPr lang="en-US" b="1" dirty="0"/>
+              <a:rPr lang="en-US" dirty="0">
+                <a:latin typeface="+mj-lt"/>
+              </a:rPr>
               <a:t>, </a:t>
             </a:r>
             <a:r>
-              <a:rPr lang="en-US" b="1" dirty="0" err="1"/>
+              <a:rPr lang="en-US" dirty="0" err="1">
+                <a:latin typeface="+mj-lt"/>
+              </a:rPr>
               <a:t>tempototal</a:t>
             </a:r>
             <a:r>
-              <a:rPr lang="en-US" b="1" dirty="0"/>
+              <a:rPr lang="en-US" dirty="0">
+                <a:latin typeface="+mj-lt"/>
+              </a:rPr>
               <a:t> </a:t>
             </a:r>
-            <a:endParaRPr lang="pt-PT" b="1" dirty="0"/>
+            <a:endParaRPr lang="pt-PT" dirty="0">
+              <a:latin typeface="+mj-lt"/>
+            </a:endParaRPr>
           </a:p>
           <a:p>
             <a:pPr marL="0" indent="0">
               <a:buNone/>
             </a:pPr>
             <a:r>
-              <a:rPr lang="en-US" b="1" dirty="0"/>
+              <a:rPr lang="en-US" dirty="0">
+                <a:latin typeface="+mj-lt"/>
+              </a:rPr>
               <a:t>	FROM </a:t>
             </a:r>
             <a:r>
-              <a:rPr lang="en-US" b="1" dirty="0" err="1"/>
+              <a:rPr lang="en-US" dirty="0" err="1">
+                <a:latin typeface="+mj-lt"/>
+              </a:rPr>
               <a:t>dw_taxi_services</a:t>
             </a:r>
             <a:r>
-              <a:rPr lang="en-US" b="1" dirty="0"/>
+              <a:rPr lang="en-US" dirty="0">
+                <a:latin typeface="+mj-lt"/>
+              </a:rPr>
               <a:t> </a:t>
             </a:r>
-            <a:endParaRPr lang="pt-PT" b="1" dirty="0"/>
+            <a:endParaRPr lang="pt-PT" dirty="0">
+              <a:latin typeface="+mj-lt"/>
+            </a:endParaRPr>
           </a:p>
           <a:p>
             <a:pPr marL="0" indent="0">
               <a:buNone/>
             </a:pPr>
             <a:r>
-              <a:rPr lang="en-US" b="1" dirty="0"/>
+              <a:rPr lang="en-US" dirty="0">
+                <a:latin typeface="+mj-lt"/>
+              </a:rPr>
               <a:t>	INNER JOIN </a:t>
             </a:r>
             <a:r>
-              <a:rPr lang="en-US" b="1" dirty="0" err="1"/>
+              <a:rPr lang="en-US" dirty="0" err="1">
+                <a:latin typeface="+mj-lt"/>
+              </a:rPr>
               <a:t>dw_local</a:t>
             </a:r>
             <a:r>
-              <a:rPr lang="en-US" b="1" dirty="0"/>
+              <a:rPr lang="en-US" dirty="0">
+                <a:latin typeface="+mj-lt"/>
+              </a:rPr>
               <a:t> ON </a:t>
             </a:r>
-            <a:endParaRPr lang="pt-PT" b="1" dirty="0"/>
+            <a:endParaRPr lang="pt-PT" dirty="0">
+              <a:latin typeface="+mj-lt"/>
+            </a:endParaRPr>
           </a:p>
           <a:p>
             <a:pPr marL="0" indent="0">
               <a:buNone/>
             </a:pPr>
             <a:r>
-              <a:rPr lang="en-US" b="1" dirty="0"/>
+              <a:rPr lang="en-US" dirty="0">
+                <a:latin typeface="+mj-lt"/>
+              </a:rPr>
               <a:t>		</a:t>
             </a:r>
             <a:r>
-              <a:rPr lang="en-US" b="1" dirty="0" err="1"/>
+              <a:rPr lang="en-US" dirty="0" err="1">
+                <a:latin typeface="+mj-lt"/>
+              </a:rPr>
               <a:t>dw_local.local_id</a:t>
             </a:r>
             <a:r>
-              <a:rPr lang="en-US" b="1" dirty="0"/>
+              <a:rPr lang="en-US" dirty="0">
+                <a:latin typeface="+mj-lt"/>
+              </a:rPr>
               <a:t> = </a:t>
             </a:r>
             <a:r>
-              <a:rPr lang="en-US" b="1" dirty="0" err="1"/>
+              <a:rPr lang="en-US" dirty="0" err="1">
+                <a:latin typeface="+mj-lt"/>
+              </a:rPr>
               <a:t>dw_taxi_services.local_i_id</a:t>
             </a:r>
             <a:r>
-              <a:rPr lang="en-US" b="1" dirty="0"/>
+              <a:rPr lang="en-US" dirty="0">
+                <a:latin typeface="+mj-lt"/>
+              </a:rPr>
               <a:t> </a:t>
             </a:r>
-            <a:endParaRPr lang="pt-PT" b="1" dirty="0"/>
+            <a:endParaRPr lang="pt-PT" dirty="0">
+              <a:latin typeface="+mj-lt"/>
+            </a:endParaRPr>
           </a:p>
           <a:p>
             <a:pPr marL="0" indent="0">
               <a:buNone/>
             </a:pPr>
             <a:r>
-              <a:rPr lang="en-US" b="1" dirty="0"/>
+              <a:rPr lang="en-US" dirty="0">
+                <a:latin typeface="+mj-lt"/>
+              </a:rPr>
               <a:t>	INNER JOIN </a:t>
             </a:r>
             <a:r>
-              <a:rPr lang="en-US" b="1" dirty="0" err="1"/>
+              <a:rPr lang="en-US" dirty="0" err="1">
+                <a:latin typeface="+mj-lt"/>
+              </a:rPr>
               <a:t>dw_stand</a:t>
             </a:r>
             <a:r>
-              <a:rPr lang="en-US" b="1" dirty="0"/>
+              <a:rPr lang="en-US" dirty="0">
+                <a:latin typeface="+mj-lt"/>
+              </a:rPr>
               <a:t> ON </a:t>
             </a:r>
-            <a:endParaRPr lang="pt-PT" b="1" dirty="0"/>
+            <a:endParaRPr lang="pt-PT" dirty="0">
+              <a:latin typeface="+mj-lt"/>
+            </a:endParaRPr>
           </a:p>
           <a:p>
             <a:pPr marL="0" indent="0">
               <a:buNone/>
             </a:pPr>
             <a:r>
-              <a:rPr lang="en-US" b="1" dirty="0"/>
+              <a:rPr lang="en-US" dirty="0">
+                <a:latin typeface="+mj-lt"/>
+              </a:rPr>
               <a:t>		</a:t>
             </a:r>
             <a:r>
-              <a:rPr lang="en-US" b="1" dirty="0" err="1"/>
+              <a:rPr lang="en-US" dirty="0" err="1">
+                <a:latin typeface="+mj-lt"/>
+              </a:rPr>
               <a:t>dw_stand.stand_id</a:t>
             </a:r>
             <a:r>
-              <a:rPr lang="en-US" b="1" dirty="0"/>
+              <a:rPr lang="en-US" dirty="0">
+                <a:latin typeface="+mj-lt"/>
+              </a:rPr>
               <a:t> = </a:t>
             </a:r>
             <a:r>
-              <a:rPr lang="en-US" b="1" dirty="0" err="1"/>
+              <a:rPr lang="en-US" dirty="0" err="1">
+                <a:latin typeface="+mj-lt"/>
+              </a:rPr>
               <a:t>dw_local.stand_id</a:t>
             </a:r>
             <a:r>
-              <a:rPr lang="en-US" b="1" dirty="0"/>
+              <a:rPr lang="en-US" dirty="0">
+                <a:latin typeface="+mj-lt"/>
+              </a:rPr>
               <a:t> </a:t>
             </a:r>
-            <a:endParaRPr lang="pt-PT" b="1" dirty="0"/>
+            <a:endParaRPr lang="pt-PT" dirty="0">
+              <a:latin typeface="+mj-lt"/>
+            </a:endParaRPr>
           </a:p>
           <a:p>
             <a:pPr marL="0" indent="0">
               <a:buNone/>
             </a:pPr>
             <a:r>
-              <a:rPr lang="en-US" b="1" dirty="0"/>
+              <a:rPr lang="en-US" dirty="0">
+                <a:latin typeface="+mj-lt"/>
+              </a:rPr>
               <a:t>	INNER JOIN </a:t>
             </a:r>
             <a:r>
-              <a:rPr lang="en-US" b="1" dirty="0" err="1"/>
+              <a:rPr lang="en-US" dirty="0" err="1">
+                <a:latin typeface="+mj-lt"/>
+              </a:rPr>
               <a:t>dw_tempo</a:t>
             </a:r>
             <a:r>
-              <a:rPr lang="en-US" b="1" dirty="0"/>
+              <a:rPr lang="en-US" dirty="0">
+                <a:latin typeface="+mj-lt"/>
+              </a:rPr>
               <a:t> ON</a:t>
             </a:r>
-            <a:endParaRPr lang="pt-PT" b="1" dirty="0"/>
+            <a:endParaRPr lang="pt-PT" dirty="0">
+              <a:latin typeface="+mj-lt"/>
+            </a:endParaRPr>
           </a:p>
           <a:p>
             <a:pPr marL="0" indent="0">
               <a:buNone/>
             </a:pPr>
             <a:r>
-              <a:rPr lang="en-US" b="1" dirty="0"/>
+              <a:rPr lang="en-US" dirty="0">
+                <a:latin typeface="+mj-lt"/>
+              </a:rPr>
               <a:t>		</a:t>
             </a:r>
             <a:r>
-              <a:rPr lang="en-US" b="1" dirty="0" err="1"/>
+              <a:rPr lang="en-US" dirty="0" err="1">
+                <a:latin typeface="+mj-lt"/>
+              </a:rPr>
               <a:t>dw_tempo.tempo_id</a:t>
             </a:r>
             <a:r>
-              <a:rPr lang="en-US" b="1" dirty="0"/>
+              <a:rPr lang="en-US" dirty="0">
+                <a:latin typeface="+mj-lt"/>
+              </a:rPr>
               <a:t> = </a:t>
             </a:r>
             <a:r>
-              <a:rPr lang="en-US" b="1" dirty="0" err="1"/>
+              <a:rPr lang="en-US" dirty="0" err="1">
+                <a:latin typeface="+mj-lt"/>
+              </a:rPr>
               <a:t>dw_taxi_services.tempo_id</a:t>
             </a:r>
             <a:r>
-              <a:rPr lang="en-US" b="1" dirty="0"/>
+              <a:rPr lang="en-US" dirty="0">
+                <a:latin typeface="+mj-lt"/>
+              </a:rPr>
               <a:t>) AS  aux </a:t>
             </a:r>
-            <a:endParaRPr lang="pt-PT" b="1" dirty="0"/>
+            <a:endParaRPr lang="pt-PT" dirty="0">
+              <a:latin typeface="+mj-lt"/>
+            </a:endParaRPr>
           </a:p>
           <a:p>
             <a:pPr marL="0" indent="0">
               <a:buNone/>
             </a:pPr>
             <a:r>
-              <a:rPr lang="en-US" b="1" dirty="0"/>
+              <a:rPr lang="en-US" dirty="0">
+                <a:latin typeface="+mj-lt"/>
+              </a:rPr>
               <a:t>GROUP BY </a:t>
             </a:r>
             <a:r>
-              <a:rPr lang="en-US" b="1" dirty="0" err="1"/>
+              <a:rPr lang="en-US" dirty="0" err="1">
+                <a:latin typeface="+mj-lt"/>
+              </a:rPr>
               <a:t>mes</a:t>
             </a:r>
             <a:r>
-              <a:rPr lang="en-US" b="1" dirty="0"/>
+              <a:rPr lang="en-US" dirty="0">
+                <a:latin typeface="+mj-lt"/>
+              </a:rPr>
               <a:t>, </a:t>
             </a:r>
             <a:r>
-              <a:rPr lang="en-US" b="1" dirty="0" err="1"/>
+              <a:rPr lang="en-US" dirty="0" err="1">
+                <a:latin typeface="+mj-lt"/>
+              </a:rPr>
               <a:t>freguesia</a:t>
             </a:r>
             <a:r>
-              <a:rPr lang="en-US" b="1" dirty="0"/>
+              <a:rPr lang="en-US" dirty="0">
+                <a:latin typeface="+mj-lt"/>
+              </a:rPr>
               <a:t> </a:t>
             </a:r>
-            <a:endParaRPr lang="pt-PT" b="1" dirty="0"/>
+            <a:endParaRPr lang="pt-PT" dirty="0">
+              <a:latin typeface="+mj-lt"/>
+            </a:endParaRPr>
           </a:p>
           <a:p>
             <a:pPr marL="0" indent="0">
               <a:buNone/>
             </a:pPr>
             <a:r>
-              <a:rPr lang="en-US" b="1" dirty="0"/>
+              <a:rPr lang="en-US" dirty="0">
+                <a:latin typeface="+mj-lt"/>
+              </a:rPr>
               <a:t>LIMIT 10;</a:t>
             </a:r>
-            <a:endParaRPr lang="pt-PT" b="1" dirty="0"/>
+            <a:endParaRPr lang="pt-PT" dirty="0">
+              <a:latin typeface="+mj-lt"/>
+            </a:endParaRPr>
           </a:p>
         </p:txBody>
       </p:sp>
@@ -5016,7 +5189,7 @@
           </p:cNvPicPr>
           <p:nvPr/>
         </p:nvPicPr>
-        <p:blipFill>
+        <p:blipFill rotWithShape="1">
           <a:blip r:embed="rId2">
             <a:extLst>
               <a:ext uri="{28A0092B-C50C-407E-A947-70E740481C1C}">
@@ -5024,14 +5197,13 @@
               </a:ext>
             </a:extLst>
           </a:blip>
-          <a:stretch>
-            <a:fillRect/>
-          </a:stretch>
+          <a:srcRect l="497" t="11000" r="2588"/>
+          <a:stretch/>
         </p:blipFill>
         <p:spPr>
           <a:xfrm>
-            <a:off x="971550" y="1524000"/>
-            <a:ext cx="10248900" cy="3810000"/>
+            <a:off x="1228799" y="1767405"/>
+            <a:ext cx="9734400" cy="3323189"/>
           </a:xfrm>
           <a:prstGeom prst="rect">
             <a:avLst/>
@@ -5158,186 +5330,270 @@
               <a:buNone/>
             </a:pPr>
             <a:r>
-              <a:rPr lang="en-US" b="1" dirty="0"/>
+              <a:rPr lang="en-US" dirty="0">
+                <a:latin typeface="+mj-lt"/>
+              </a:rPr>
               <a:t>SELECT </a:t>
             </a:r>
             <a:r>
-              <a:rPr lang="en-US" b="1" dirty="0" err="1"/>
+              <a:rPr lang="en-US" dirty="0" err="1">
+                <a:latin typeface="+mj-lt"/>
+              </a:rPr>
               <a:t>mes</a:t>
             </a:r>
             <a:r>
-              <a:rPr lang="en-US" b="1" dirty="0"/>
+              <a:rPr lang="en-US" dirty="0">
+                <a:latin typeface="+mj-lt"/>
+              </a:rPr>
               <a:t>, taxi, COUNT(*) </a:t>
             </a:r>
-            <a:endParaRPr lang="pt-PT" b="1" dirty="0"/>
+            <a:endParaRPr lang="pt-PT" dirty="0">
+              <a:latin typeface="+mj-lt"/>
+            </a:endParaRPr>
           </a:p>
           <a:p>
             <a:pPr marL="0" indent="0">
               <a:buNone/>
             </a:pPr>
             <a:r>
-              <a:rPr lang="en-US" b="1" dirty="0"/>
+              <a:rPr lang="en-US" dirty="0">
+                <a:latin typeface="+mj-lt"/>
+              </a:rPr>
               <a:t>FROM (SELECT </a:t>
             </a:r>
             <a:r>
-              <a:rPr lang="en-US" b="1" dirty="0" err="1"/>
+              <a:rPr lang="en-US" dirty="0" err="1">
+                <a:latin typeface="+mj-lt"/>
+              </a:rPr>
               <a:t>mes_i</a:t>
             </a:r>
             <a:r>
-              <a:rPr lang="en-US" b="1" dirty="0"/>
+              <a:rPr lang="en-US" dirty="0">
+                <a:latin typeface="+mj-lt"/>
+              </a:rPr>
               <a:t> AS </a:t>
             </a:r>
             <a:r>
-              <a:rPr lang="en-US" b="1" dirty="0" err="1"/>
+              <a:rPr lang="en-US" dirty="0" err="1">
+                <a:latin typeface="+mj-lt"/>
+              </a:rPr>
               <a:t>mes</a:t>
             </a:r>
             <a:r>
-              <a:rPr lang="en-US" b="1" dirty="0"/>
+              <a:rPr lang="en-US" dirty="0">
+                <a:latin typeface="+mj-lt"/>
+              </a:rPr>
               <a:t>, </a:t>
             </a:r>
             <a:r>
-              <a:rPr lang="en-US" b="1" dirty="0" err="1"/>
+              <a:rPr lang="en-US" dirty="0" err="1">
+                <a:latin typeface="+mj-lt"/>
+              </a:rPr>
               <a:t>nlicenca</a:t>
             </a:r>
             <a:r>
-              <a:rPr lang="en-US" b="1" dirty="0"/>
+              <a:rPr lang="en-US" dirty="0">
+                <a:latin typeface="+mj-lt"/>
+              </a:rPr>
               <a:t> AS taxi </a:t>
             </a:r>
-            <a:endParaRPr lang="pt-PT" b="1" dirty="0"/>
+            <a:endParaRPr lang="pt-PT" dirty="0">
+              <a:latin typeface="+mj-lt"/>
+            </a:endParaRPr>
           </a:p>
           <a:p>
             <a:pPr marL="0" indent="0">
               <a:buNone/>
             </a:pPr>
             <a:r>
-              <a:rPr lang="en-US" b="1" dirty="0"/>
+              <a:rPr lang="en-US" dirty="0">
+                <a:latin typeface="+mj-lt"/>
+              </a:rPr>
               <a:t>	FROM </a:t>
             </a:r>
             <a:r>
-              <a:rPr lang="en-US" b="1" dirty="0" err="1"/>
+              <a:rPr lang="en-US" dirty="0" err="1">
+                <a:latin typeface="+mj-lt"/>
+              </a:rPr>
               <a:t>dw_taxi_services</a:t>
             </a:r>
             <a:r>
-              <a:rPr lang="en-US" b="1" dirty="0"/>
+              <a:rPr lang="en-US" dirty="0">
+                <a:latin typeface="+mj-lt"/>
+              </a:rPr>
               <a:t> </a:t>
             </a:r>
-            <a:endParaRPr lang="pt-PT" b="1" dirty="0"/>
+            <a:endParaRPr lang="pt-PT" dirty="0">
+              <a:latin typeface="+mj-lt"/>
+            </a:endParaRPr>
           </a:p>
           <a:p>
             <a:pPr marL="0" indent="0">
               <a:buNone/>
             </a:pPr>
             <a:r>
-              <a:rPr lang="en-US" b="1" dirty="0"/>
+              <a:rPr lang="en-US" dirty="0">
+                <a:latin typeface="+mj-lt"/>
+              </a:rPr>
               <a:t>	INNER JOIN </a:t>
             </a:r>
             <a:r>
-              <a:rPr lang="en-US" b="1" dirty="0" err="1"/>
+              <a:rPr lang="en-US" dirty="0" err="1">
+                <a:latin typeface="+mj-lt"/>
+              </a:rPr>
               <a:t>dw_taxi</a:t>
             </a:r>
             <a:r>
-              <a:rPr lang="en-US" b="1" dirty="0"/>
+              <a:rPr lang="en-US" dirty="0">
+                <a:latin typeface="+mj-lt"/>
+              </a:rPr>
               <a:t> ON</a:t>
             </a:r>
-            <a:endParaRPr lang="pt-PT" b="1" dirty="0"/>
+            <a:endParaRPr lang="pt-PT" dirty="0">
+              <a:latin typeface="+mj-lt"/>
+            </a:endParaRPr>
           </a:p>
           <a:p>
             <a:pPr marL="0" indent="0">
               <a:buNone/>
             </a:pPr>
             <a:r>
-              <a:rPr lang="en-US" b="1" dirty="0"/>
+              <a:rPr lang="en-US" dirty="0">
+                <a:latin typeface="+mj-lt"/>
+              </a:rPr>
               <a:t>		</a:t>
             </a:r>
             <a:r>
-              <a:rPr lang="en-US" b="1" dirty="0" err="1"/>
+              <a:rPr lang="en-US" dirty="0" err="1">
+                <a:latin typeface="+mj-lt"/>
+              </a:rPr>
               <a:t>dw_taxi_services.taxi_id</a:t>
             </a:r>
             <a:r>
-              <a:rPr lang="en-US" b="1" dirty="0"/>
+              <a:rPr lang="en-US" dirty="0">
+                <a:latin typeface="+mj-lt"/>
+              </a:rPr>
               <a:t> = </a:t>
             </a:r>
             <a:r>
-              <a:rPr lang="en-US" b="1" dirty="0" err="1"/>
+              <a:rPr lang="en-US" dirty="0" err="1">
+                <a:latin typeface="+mj-lt"/>
+              </a:rPr>
               <a:t>dw_taxi.taxi_id</a:t>
             </a:r>
             <a:r>
-              <a:rPr lang="en-US" b="1" dirty="0"/>
+              <a:rPr lang="en-US" dirty="0">
+                <a:latin typeface="+mj-lt"/>
+              </a:rPr>
               <a:t> </a:t>
             </a:r>
-            <a:endParaRPr lang="pt-PT" b="1" dirty="0"/>
+            <a:endParaRPr lang="pt-PT" dirty="0">
+              <a:latin typeface="+mj-lt"/>
+            </a:endParaRPr>
           </a:p>
           <a:p>
             <a:pPr marL="0" indent="0">
               <a:buNone/>
             </a:pPr>
             <a:r>
-              <a:rPr lang="en-US" b="1" dirty="0"/>
+              <a:rPr lang="en-US" dirty="0">
+                <a:latin typeface="+mj-lt"/>
+              </a:rPr>
               <a:t>	INNER JOIN </a:t>
             </a:r>
             <a:r>
-              <a:rPr lang="en-US" b="1" dirty="0" err="1"/>
+              <a:rPr lang="en-US" dirty="0" err="1">
+                <a:latin typeface="+mj-lt"/>
+              </a:rPr>
               <a:t>dw_tempo</a:t>
             </a:r>
             <a:r>
-              <a:rPr lang="en-US" b="1" dirty="0"/>
+              <a:rPr lang="en-US" dirty="0">
+                <a:latin typeface="+mj-lt"/>
+              </a:rPr>
               <a:t> ON</a:t>
             </a:r>
-            <a:endParaRPr lang="pt-PT" b="1" dirty="0"/>
+            <a:endParaRPr lang="pt-PT" dirty="0">
+              <a:latin typeface="+mj-lt"/>
+            </a:endParaRPr>
           </a:p>
           <a:p>
             <a:pPr marL="0" indent="0">
               <a:buNone/>
             </a:pPr>
             <a:r>
-              <a:rPr lang="en-US" b="1" dirty="0"/>
+              <a:rPr lang="en-US" dirty="0">
+                <a:latin typeface="+mj-lt"/>
+              </a:rPr>
               <a:t>		</a:t>
             </a:r>
             <a:r>
-              <a:rPr lang="en-US" b="1" dirty="0" err="1"/>
+              <a:rPr lang="en-US" dirty="0" err="1">
+                <a:latin typeface="+mj-lt"/>
+              </a:rPr>
               <a:t>dw_taxi_services.tempo_id</a:t>
             </a:r>
             <a:r>
-              <a:rPr lang="en-US" b="1" dirty="0"/>
+              <a:rPr lang="en-US" dirty="0">
+                <a:latin typeface="+mj-lt"/>
+              </a:rPr>
               <a:t> = </a:t>
             </a:r>
             <a:r>
-              <a:rPr lang="en-US" b="1" dirty="0" err="1"/>
+              <a:rPr lang="en-US" dirty="0" err="1">
+                <a:latin typeface="+mj-lt"/>
+              </a:rPr>
               <a:t>dw_tempo.tempo_id</a:t>
             </a:r>
             <a:r>
-              <a:rPr lang="en-US" b="1" dirty="0"/>
+              <a:rPr lang="en-US" dirty="0">
+                <a:latin typeface="+mj-lt"/>
+              </a:rPr>
               <a:t>) AS aux </a:t>
             </a:r>
-            <a:endParaRPr lang="pt-PT" b="1" dirty="0"/>
+            <a:endParaRPr lang="pt-PT" dirty="0">
+              <a:latin typeface="+mj-lt"/>
+            </a:endParaRPr>
           </a:p>
           <a:p>
             <a:pPr marL="0" indent="0">
               <a:buNone/>
             </a:pPr>
             <a:r>
-              <a:rPr lang="en-US" b="1" dirty="0"/>
+              <a:rPr lang="en-US" dirty="0">
+                <a:latin typeface="+mj-lt"/>
+              </a:rPr>
               <a:t>GROUP BY </a:t>
             </a:r>
             <a:r>
-              <a:rPr lang="en-US" b="1" dirty="0" err="1"/>
+              <a:rPr lang="en-US" dirty="0" err="1">
+                <a:latin typeface="+mj-lt"/>
+              </a:rPr>
               <a:t>mes</a:t>
             </a:r>
             <a:r>
-              <a:rPr lang="en-US" b="1" dirty="0"/>
+              <a:rPr lang="en-US" dirty="0">
+                <a:latin typeface="+mj-lt"/>
+              </a:rPr>
               <a:t>, taxi </a:t>
             </a:r>
-            <a:endParaRPr lang="pt-PT" b="1" dirty="0"/>
+            <a:endParaRPr lang="pt-PT" dirty="0">
+              <a:latin typeface="+mj-lt"/>
+            </a:endParaRPr>
           </a:p>
           <a:p>
             <a:pPr marL="0" indent="0">
               <a:buNone/>
             </a:pPr>
             <a:r>
-              <a:rPr lang="en-US" b="1" dirty="0"/>
+              <a:rPr lang="en-US" dirty="0">
+                <a:latin typeface="+mj-lt"/>
+              </a:rPr>
               <a:t>LIMIT 10;</a:t>
             </a:r>
-            <a:endParaRPr lang="pt-PT" b="1" dirty="0"/>
+            <a:endParaRPr lang="pt-PT" dirty="0">
+              <a:latin typeface="+mj-lt"/>
+            </a:endParaRPr>
           </a:p>
         </p:txBody>
       </p:sp>
@@ -5574,7 +5830,7 @@
           </p:cNvPicPr>
           <p:nvPr/>
         </p:nvPicPr>
-        <p:blipFill>
+        <p:blipFill rotWithShape="1">
           <a:blip r:embed="rId2">
             <a:extLst>
               <a:ext uri="{28A0092B-C50C-407E-A947-70E740481C1C}">
@@ -5582,14 +5838,13 @@
               </a:ext>
             </a:extLst>
           </a:blip>
-          <a:stretch>
-            <a:fillRect/>
-          </a:stretch>
+          <a:srcRect l="58" t="10410" r="2665"/>
+          <a:stretch/>
         </p:blipFill>
         <p:spPr>
           <a:xfrm>
-            <a:off x="1251614" y="1543923"/>
-            <a:ext cx="9716402" cy="3834322"/>
+            <a:off x="1228799" y="1660061"/>
+            <a:ext cx="9734400" cy="3537878"/>
           </a:xfrm>
           <a:prstGeom prst="rect">
             <a:avLst/>
@@ -5716,202 +5971,294 @@
               <a:buNone/>
             </a:pPr>
             <a:r>
-              <a:rPr lang="en-US" b="1" dirty="0"/>
+              <a:rPr lang="en-US" dirty="0">
+                <a:latin typeface="+mj-lt"/>
+              </a:rPr>
               <a:t>SELECT </a:t>
             </a:r>
             <a:r>
-              <a:rPr lang="en-US" b="1" dirty="0" err="1"/>
+              <a:rPr lang="en-US" dirty="0" err="1">
+                <a:latin typeface="+mj-lt"/>
+              </a:rPr>
               <a:t>mes</a:t>
             </a:r>
             <a:r>
-              <a:rPr lang="en-US" b="1" dirty="0"/>
+              <a:rPr lang="en-US" dirty="0">
+                <a:latin typeface="+mj-lt"/>
+              </a:rPr>
               <a:t>, taxi, MAX(CAST(</a:t>
             </a:r>
             <a:r>
-              <a:rPr lang="en-US" b="1" dirty="0" err="1"/>
+              <a:rPr lang="en-US" dirty="0" err="1">
+                <a:latin typeface="+mj-lt"/>
+              </a:rPr>
               <a:t>tempototal</a:t>
             </a:r>
             <a:r>
-              <a:rPr lang="en-US" b="1" dirty="0"/>
+              <a:rPr lang="en-US" dirty="0">
+                <a:latin typeface="+mj-lt"/>
+              </a:rPr>
               <a:t> as interval)) </a:t>
             </a:r>
-            <a:endParaRPr lang="pt-PT" b="1" dirty="0"/>
+            <a:endParaRPr lang="pt-PT" dirty="0">
+              <a:latin typeface="+mj-lt"/>
+            </a:endParaRPr>
           </a:p>
           <a:p>
             <a:pPr marL="0" indent="0">
               <a:buNone/>
             </a:pPr>
             <a:r>
-              <a:rPr lang="en-US" b="1" dirty="0"/>
+              <a:rPr lang="en-US" dirty="0">
+                <a:latin typeface="+mj-lt"/>
+              </a:rPr>
               <a:t>FROM (SELECT </a:t>
             </a:r>
             <a:r>
-              <a:rPr lang="en-US" b="1" dirty="0" err="1"/>
+              <a:rPr lang="en-US" dirty="0" err="1">
+                <a:latin typeface="+mj-lt"/>
+              </a:rPr>
               <a:t>mes_i</a:t>
             </a:r>
             <a:r>
-              <a:rPr lang="en-US" b="1" dirty="0"/>
+              <a:rPr lang="en-US" dirty="0">
+                <a:latin typeface="+mj-lt"/>
+              </a:rPr>
               <a:t> AS </a:t>
             </a:r>
             <a:r>
-              <a:rPr lang="en-US" b="1" dirty="0" err="1"/>
+              <a:rPr lang="en-US" dirty="0" err="1">
+                <a:latin typeface="+mj-lt"/>
+              </a:rPr>
               <a:t>mes</a:t>
             </a:r>
             <a:r>
-              <a:rPr lang="en-US" b="1" dirty="0"/>
+              <a:rPr lang="en-US" dirty="0">
+                <a:latin typeface="+mj-lt"/>
+              </a:rPr>
               <a:t>, </a:t>
             </a:r>
             <a:r>
-              <a:rPr lang="en-US" b="1" dirty="0" err="1"/>
+              <a:rPr lang="en-US" dirty="0" err="1">
+                <a:latin typeface="+mj-lt"/>
+              </a:rPr>
               <a:t>nlicenca</a:t>
             </a:r>
             <a:r>
-              <a:rPr lang="en-US" b="1" dirty="0"/>
+              <a:rPr lang="en-US" dirty="0">
+                <a:latin typeface="+mj-lt"/>
+              </a:rPr>
               <a:t> AS taxi, </a:t>
             </a:r>
             <a:r>
-              <a:rPr lang="en-US" b="1" dirty="0" err="1"/>
+              <a:rPr lang="en-US" dirty="0" err="1">
+                <a:latin typeface="+mj-lt"/>
+              </a:rPr>
               <a:t>tempototal</a:t>
             </a:r>
             <a:r>
-              <a:rPr lang="en-US" b="1" dirty="0"/>
+              <a:rPr lang="en-US" dirty="0">
+                <a:latin typeface="+mj-lt"/>
+              </a:rPr>
               <a:t> </a:t>
             </a:r>
-            <a:endParaRPr lang="pt-PT" b="1" dirty="0"/>
+            <a:endParaRPr lang="pt-PT" dirty="0">
+              <a:latin typeface="+mj-lt"/>
+            </a:endParaRPr>
           </a:p>
           <a:p>
             <a:pPr marL="0" indent="0">
               <a:buNone/>
             </a:pPr>
             <a:r>
-              <a:rPr lang="en-US" b="1" dirty="0"/>
+              <a:rPr lang="en-US" dirty="0">
+                <a:latin typeface="+mj-lt"/>
+              </a:rPr>
               <a:t>	FROM </a:t>
             </a:r>
             <a:r>
-              <a:rPr lang="en-US" b="1" dirty="0" err="1"/>
+              <a:rPr lang="en-US" dirty="0" err="1">
+                <a:latin typeface="+mj-lt"/>
+              </a:rPr>
               <a:t>dw_taxi_services</a:t>
             </a:r>
             <a:r>
-              <a:rPr lang="en-US" b="1" dirty="0"/>
+              <a:rPr lang="en-US" dirty="0">
+                <a:latin typeface="+mj-lt"/>
+              </a:rPr>
               <a:t> </a:t>
             </a:r>
-            <a:endParaRPr lang="pt-PT" b="1" dirty="0"/>
+            <a:endParaRPr lang="pt-PT" dirty="0">
+              <a:latin typeface="+mj-lt"/>
+            </a:endParaRPr>
           </a:p>
           <a:p>
             <a:pPr marL="0" indent="0">
               <a:buNone/>
             </a:pPr>
             <a:r>
-              <a:rPr lang="en-US" b="1" dirty="0"/>
+              <a:rPr lang="en-US" dirty="0">
+                <a:latin typeface="+mj-lt"/>
+              </a:rPr>
               <a:t>	INNER JOIN </a:t>
             </a:r>
             <a:r>
-              <a:rPr lang="en-US" b="1" dirty="0" err="1"/>
+              <a:rPr lang="en-US" dirty="0" err="1">
+                <a:latin typeface="+mj-lt"/>
+              </a:rPr>
               <a:t>dw_taxi</a:t>
             </a:r>
             <a:r>
-              <a:rPr lang="en-US" b="1" dirty="0"/>
+              <a:rPr lang="en-US" dirty="0">
+                <a:latin typeface="+mj-lt"/>
+              </a:rPr>
               <a:t> ON </a:t>
             </a:r>
-            <a:endParaRPr lang="pt-PT" b="1" dirty="0"/>
+            <a:endParaRPr lang="pt-PT" dirty="0">
+              <a:latin typeface="+mj-lt"/>
+            </a:endParaRPr>
           </a:p>
           <a:p>
             <a:pPr marL="0" indent="0">
               <a:buNone/>
             </a:pPr>
             <a:r>
-              <a:rPr lang="en-US" b="1" dirty="0"/>
+              <a:rPr lang="en-US" dirty="0">
+                <a:latin typeface="+mj-lt"/>
+              </a:rPr>
               <a:t>		</a:t>
             </a:r>
             <a:r>
-              <a:rPr lang="en-US" b="1" dirty="0" err="1"/>
+              <a:rPr lang="en-US" dirty="0" err="1">
+                <a:latin typeface="+mj-lt"/>
+              </a:rPr>
               <a:t>dw_taxi.taxi_id</a:t>
             </a:r>
             <a:r>
-              <a:rPr lang="en-US" b="1" dirty="0"/>
+              <a:rPr lang="en-US" dirty="0">
+                <a:latin typeface="+mj-lt"/>
+              </a:rPr>
               <a:t> = </a:t>
             </a:r>
             <a:r>
-              <a:rPr lang="en-US" b="1" dirty="0" err="1"/>
+              <a:rPr lang="en-US" dirty="0" err="1">
+                <a:latin typeface="+mj-lt"/>
+              </a:rPr>
               <a:t>dw_taxi_services.taxi_id</a:t>
             </a:r>
             <a:r>
-              <a:rPr lang="en-US" b="1" dirty="0"/>
+              <a:rPr lang="en-US" dirty="0">
+                <a:latin typeface="+mj-lt"/>
+              </a:rPr>
               <a:t> </a:t>
             </a:r>
-            <a:endParaRPr lang="pt-PT" b="1" dirty="0"/>
+            <a:endParaRPr lang="pt-PT" dirty="0">
+              <a:latin typeface="+mj-lt"/>
+            </a:endParaRPr>
           </a:p>
           <a:p>
             <a:pPr marL="0" indent="0">
               <a:buNone/>
             </a:pPr>
             <a:r>
-              <a:rPr lang="en-US" b="1" dirty="0"/>
+              <a:rPr lang="en-US" dirty="0">
+                <a:latin typeface="+mj-lt"/>
+              </a:rPr>
               <a:t>	INNER JOIN </a:t>
             </a:r>
             <a:r>
-              <a:rPr lang="en-US" b="1" dirty="0" err="1"/>
+              <a:rPr lang="en-US" dirty="0" err="1">
+                <a:latin typeface="+mj-lt"/>
+              </a:rPr>
               <a:t>dw_tempo</a:t>
             </a:r>
             <a:r>
-              <a:rPr lang="en-US" b="1" dirty="0"/>
+              <a:rPr lang="en-US" dirty="0">
+                <a:latin typeface="+mj-lt"/>
+              </a:rPr>
               <a:t> ON </a:t>
             </a:r>
-            <a:endParaRPr lang="pt-PT" b="1" dirty="0"/>
+            <a:endParaRPr lang="pt-PT" dirty="0">
+              <a:latin typeface="+mj-lt"/>
+            </a:endParaRPr>
           </a:p>
           <a:p>
             <a:pPr marL="0" indent="0">
               <a:buNone/>
             </a:pPr>
             <a:r>
-              <a:rPr lang="en-US" b="1" dirty="0"/>
+              <a:rPr lang="en-US" dirty="0">
+                <a:latin typeface="+mj-lt"/>
+              </a:rPr>
               <a:t>		</a:t>
             </a:r>
             <a:r>
-              <a:rPr lang="en-US" b="1" dirty="0" err="1"/>
+              <a:rPr lang="en-US" dirty="0" err="1">
+                <a:latin typeface="+mj-lt"/>
+              </a:rPr>
               <a:t>dw_tempo.tempo_id</a:t>
             </a:r>
             <a:r>
-              <a:rPr lang="en-US" b="1" dirty="0"/>
+              <a:rPr lang="en-US" dirty="0">
+                <a:latin typeface="+mj-lt"/>
+              </a:rPr>
               <a:t> = </a:t>
             </a:r>
             <a:r>
-              <a:rPr lang="en-US" b="1" dirty="0" err="1"/>
+              <a:rPr lang="en-US" dirty="0" err="1">
+                <a:latin typeface="+mj-lt"/>
+              </a:rPr>
               <a:t>dw_taxi_services.tempo_id</a:t>
             </a:r>
             <a:r>
-              <a:rPr lang="en-US" b="1" dirty="0"/>
+              <a:rPr lang="en-US" dirty="0">
+                <a:latin typeface="+mj-lt"/>
+              </a:rPr>
               <a:t>) AS aux </a:t>
             </a:r>
-            <a:endParaRPr lang="pt-PT" b="1" dirty="0"/>
+            <a:endParaRPr lang="pt-PT" dirty="0">
+              <a:latin typeface="+mj-lt"/>
+            </a:endParaRPr>
           </a:p>
           <a:p>
             <a:pPr marL="0" indent="0">
               <a:buNone/>
             </a:pPr>
             <a:r>
-              <a:rPr lang="en-US" b="1" dirty="0"/>
+              <a:rPr lang="en-US" dirty="0">
+                <a:latin typeface="+mj-lt"/>
+              </a:rPr>
               <a:t>GROUP BY </a:t>
             </a:r>
             <a:r>
-              <a:rPr lang="en-US" b="1" dirty="0" err="1"/>
+              <a:rPr lang="en-US" dirty="0" err="1">
+                <a:latin typeface="+mj-lt"/>
+              </a:rPr>
               <a:t>mes</a:t>
             </a:r>
             <a:r>
-              <a:rPr lang="en-US" b="1" dirty="0"/>
+              <a:rPr lang="en-US" dirty="0">
+                <a:latin typeface="+mj-lt"/>
+              </a:rPr>
               <a:t>, taxi </a:t>
             </a:r>
-            <a:endParaRPr lang="pt-PT" b="1" dirty="0"/>
+            <a:endParaRPr lang="pt-PT" dirty="0">
+              <a:latin typeface="+mj-lt"/>
+            </a:endParaRPr>
           </a:p>
           <a:p>
             <a:pPr marL="0" indent="0">
               <a:buNone/>
             </a:pPr>
             <a:r>
-              <a:rPr lang="en-US" b="1" dirty="0"/>
+              <a:rPr lang="en-US" dirty="0">
+                <a:latin typeface="+mj-lt"/>
+              </a:rPr>
               <a:t>LIMIT 10;</a:t>
             </a:r>
-            <a:endParaRPr lang="pt-PT" b="1" dirty="0"/>
+            <a:endParaRPr lang="pt-PT" dirty="0">
+              <a:latin typeface="+mj-lt"/>
+            </a:endParaRPr>
           </a:p>
         </p:txBody>
       </p:sp>
@@ -6487,276 +6834,400 @@
               <a:buNone/>
             </a:pPr>
             <a:r>
-              <a:rPr lang="en-US" b="1" dirty="0"/>
+              <a:rPr lang="en-US" dirty="0">
+                <a:latin typeface="+mj-lt"/>
+              </a:rPr>
               <a:t>SELECT concelho, </a:t>
             </a:r>
             <a:r>
-              <a:rPr lang="en-US" b="1" dirty="0" err="1"/>
+              <a:rPr lang="en-US" dirty="0" err="1">
+                <a:latin typeface="+mj-lt"/>
+              </a:rPr>
               <a:t>freguesia</a:t>
             </a:r>
             <a:r>
-              <a:rPr lang="en-US" b="1" dirty="0"/>
+              <a:rPr lang="en-US" dirty="0">
+                <a:latin typeface="+mj-lt"/>
+              </a:rPr>
               <a:t>, </a:t>
             </a:r>
             <a:r>
-              <a:rPr lang="en-US" b="1" dirty="0" err="1"/>
+              <a:rPr lang="en-US" dirty="0" err="1">
+                <a:latin typeface="+mj-lt"/>
+              </a:rPr>
               <a:t>local_id</a:t>
             </a:r>
             <a:r>
-              <a:rPr lang="en-US" b="1" dirty="0"/>
+              <a:rPr lang="en-US" dirty="0">
+                <a:latin typeface="+mj-lt"/>
+              </a:rPr>
               <a:t>, COUNT(</a:t>
             </a:r>
             <a:r>
-              <a:rPr lang="en-US" b="1" dirty="0" err="1"/>
+              <a:rPr lang="en-US" dirty="0" err="1">
+                <a:latin typeface="+mj-lt"/>
+              </a:rPr>
               <a:t>stand_id</a:t>
             </a:r>
             <a:r>
-              <a:rPr lang="en-US" b="1" dirty="0"/>
+              <a:rPr lang="en-US" dirty="0">
+                <a:latin typeface="+mj-lt"/>
+              </a:rPr>
               <a:t>) AS </a:t>
             </a:r>
             <a:r>
-              <a:rPr lang="en-US" b="1" dirty="0" err="1"/>
+              <a:rPr lang="en-US" dirty="0" err="1">
+                <a:latin typeface="+mj-lt"/>
+              </a:rPr>
               <a:t>num_stands</a:t>
             </a:r>
             <a:r>
-              <a:rPr lang="en-US" b="1" dirty="0"/>
+              <a:rPr lang="en-US" dirty="0">
+                <a:latin typeface="+mj-lt"/>
+              </a:rPr>
               <a:t> </a:t>
             </a:r>
-            <a:endParaRPr lang="pt-PT" b="1" dirty="0"/>
+            <a:endParaRPr lang="pt-PT" dirty="0">
+              <a:latin typeface="+mj-lt"/>
+            </a:endParaRPr>
           </a:p>
           <a:p>
             <a:pPr marL="0" indent="0">
               <a:buNone/>
             </a:pPr>
             <a:r>
-              <a:rPr lang="en-US" b="1" dirty="0"/>
+              <a:rPr lang="en-US" dirty="0">
+                <a:latin typeface="+mj-lt"/>
+              </a:rPr>
               <a:t>FROM </a:t>
             </a:r>
             <a:r>
-              <a:rPr lang="en-US" b="1" dirty="0" err="1"/>
+              <a:rPr lang="en-US" dirty="0" err="1">
+                <a:latin typeface="+mj-lt"/>
+              </a:rPr>
               <a:t>dw_local</a:t>
             </a:r>
             <a:r>
-              <a:rPr lang="en-US" b="1" dirty="0"/>
+              <a:rPr lang="en-US" dirty="0">
+                <a:latin typeface="+mj-lt"/>
+              </a:rPr>
               <a:t> WHERE concelho = 'PORTO' </a:t>
             </a:r>
-            <a:endParaRPr lang="pt-PT" b="1" dirty="0"/>
+            <a:endParaRPr lang="pt-PT" dirty="0">
+              <a:latin typeface="+mj-lt"/>
+            </a:endParaRPr>
           </a:p>
           <a:p>
             <a:pPr marL="0" indent="0">
               <a:buNone/>
             </a:pPr>
             <a:r>
-              <a:rPr lang="en-US" b="1" dirty="0"/>
+              <a:rPr lang="en-US" dirty="0">
+                <a:latin typeface="+mj-lt"/>
+              </a:rPr>
               <a:t>GROUP BY concelho, </a:t>
             </a:r>
             <a:r>
-              <a:rPr lang="en-US" b="1" dirty="0" err="1"/>
+              <a:rPr lang="en-US" dirty="0" err="1">
+                <a:latin typeface="+mj-lt"/>
+              </a:rPr>
               <a:t>freguesia</a:t>
             </a:r>
             <a:r>
-              <a:rPr lang="en-US" b="1" dirty="0"/>
+              <a:rPr lang="en-US" dirty="0">
+                <a:latin typeface="+mj-lt"/>
+              </a:rPr>
               <a:t>, </a:t>
             </a:r>
             <a:r>
-              <a:rPr lang="en-US" b="1" dirty="0" err="1"/>
+              <a:rPr lang="en-US" dirty="0" err="1">
+                <a:latin typeface="+mj-lt"/>
+              </a:rPr>
               <a:t>local_id</a:t>
             </a:r>
             <a:r>
-              <a:rPr lang="en-US" b="1" dirty="0"/>
+              <a:rPr lang="en-US" dirty="0">
+                <a:latin typeface="+mj-lt"/>
+              </a:rPr>
               <a:t> </a:t>
             </a:r>
-            <a:endParaRPr lang="pt-PT" b="1" dirty="0"/>
+            <a:endParaRPr lang="pt-PT" dirty="0">
+              <a:latin typeface="+mj-lt"/>
+            </a:endParaRPr>
           </a:p>
           <a:p>
             <a:pPr marL="0" indent="0">
               <a:buNone/>
             </a:pPr>
             <a:r>
-              <a:rPr lang="en-US" b="1" dirty="0"/>
+              <a:rPr lang="en-US" dirty="0">
+                <a:latin typeface="+mj-lt"/>
+              </a:rPr>
               <a:t>UNION ALL </a:t>
             </a:r>
-            <a:endParaRPr lang="pt-PT" b="1" dirty="0"/>
+            <a:endParaRPr lang="pt-PT" dirty="0">
+              <a:latin typeface="+mj-lt"/>
+            </a:endParaRPr>
           </a:p>
           <a:p>
             <a:pPr marL="0" indent="0">
               <a:buNone/>
             </a:pPr>
             <a:r>
-              <a:rPr lang="en-US" b="1" dirty="0"/>
+              <a:rPr lang="en-US" dirty="0">
+                <a:latin typeface="+mj-lt"/>
+              </a:rPr>
               <a:t>SELECT concelho, </a:t>
             </a:r>
             <a:r>
-              <a:rPr lang="en-US" b="1" dirty="0" err="1"/>
+              <a:rPr lang="en-US" dirty="0" err="1">
+                <a:latin typeface="+mj-lt"/>
+              </a:rPr>
               <a:t>freguesia</a:t>
             </a:r>
             <a:r>
-              <a:rPr lang="en-US" b="1" dirty="0"/>
+              <a:rPr lang="en-US" dirty="0">
+                <a:latin typeface="+mj-lt"/>
+              </a:rPr>
               <a:t>, NULL, COUNT(</a:t>
             </a:r>
             <a:r>
-              <a:rPr lang="en-US" b="1" dirty="0" err="1"/>
+              <a:rPr lang="en-US" dirty="0" err="1">
+                <a:latin typeface="+mj-lt"/>
+              </a:rPr>
               <a:t>stand_id</a:t>
             </a:r>
             <a:r>
-              <a:rPr lang="en-US" b="1" dirty="0"/>
+              <a:rPr lang="en-US" dirty="0">
+                <a:latin typeface="+mj-lt"/>
+              </a:rPr>
               <a:t>) </a:t>
             </a:r>
-            <a:endParaRPr lang="pt-PT" b="1" dirty="0"/>
+            <a:endParaRPr lang="pt-PT" dirty="0">
+              <a:latin typeface="+mj-lt"/>
+            </a:endParaRPr>
           </a:p>
           <a:p>
             <a:pPr marL="0" indent="0">
               <a:buNone/>
             </a:pPr>
             <a:r>
-              <a:rPr lang="en-US" b="1" dirty="0"/>
+              <a:rPr lang="en-US" dirty="0">
+                <a:latin typeface="+mj-lt"/>
+              </a:rPr>
               <a:t>FROM </a:t>
             </a:r>
             <a:r>
-              <a:rPr lang="en-US" b="1" dirty="0" err="1"/>
+              <a:rPr lang="en-US" dirty="0" err="1">
+                <a:latin typeface="+mj-lt"/>
+              </a:rPr>
               <a:t>dw_local</a:t>
             </a:r>
             <a:r>
-              <a:rPr lang="en-US" b="1" dirty="0"/>
+              <a:rPr lang="en-US" dirty="0">
+                <a:latin typeface="+mj-lt"/>
+              </a:rPr>
               <a:t> WHERE concelho = 'PORTO' </a:t>
             </a:r>
-            <a:endParaRPr lang="pt-PT" b="1" dirty="0"/>
+            <a:endParaRPr lang="pt-PT" dirty="0">
+              <a:latin typeface="+mj-lt"/>
+            </a:endParaRPr>
           </a:p>
           <a:p>
             <a:pPr marL="0" indent="0">
               <a:buNone/>
             </a:pPr>
             <a:r>
-              <a:rPr lang="en-US" b="1" dirty="0"/>
+              <a:rPr lang="en-US" dirty="0">
+                <a:latin typeface="+mj-lt"/>
+              </a:rPr>
               <a:t>GROUP BY concelho, </a:t>
             </a:r>
             <a:r>
-              <a:rPr lang="en-US" b="1" dirty="0" err="1"/>
+              <a:rPr lang="en-US" dirty="0" err="1">
+                <a:latin typeface="+mj-lt"/>
+              </a:rPr>
               <a:t>freguesia</a:t>
             </a:r>
             <a:r>
-              <a:rPr lang="en-US" b="1" dirty="0"/>
+              <a:rPr lang="en-US" dirty="0">
+                <a:latin typeface="+mj-lt"/>
+              </a:rPr>
               <a:t> </a:t>
             </a:r>
-            <a:endParaRPr lang="pt-PT" b="1" dirty="0"/>
+            <a:endParaRPr lang="pt-PT" dirty="0">
+              <a:latin typeface="+mj-lt"/>
+            </a:endParaRPr>
           </a:p>
           <a:p>
             <a:pPr marL="0" indent="0">
               <a:buNone/>
             </a:pPr>
             <a:r>
-              <a:rPr lang="en-US" b="1" dirty="0"/>
+              <a:rPr lang="en-US" dirty="0">
+                <a:latin typeface="+mj-lt"/>
+              </a:rPr>
               <a:t>UNION ALL </a:t>
             </a:r>
-            <a:endParaRPr lang="pt-PT" b="1" dirty="0"/>
+            <a:endParaRPr lang="pt-PT" dirty="0">
+              <a:latin typeface="+mj-lt"/>
+            </a:endParaRPr>
           </a:p>
           <a:p>
             <a:pPr marL="0" indent="0">
               <a:buNone/>
             </a:pPr>
             <a:r>
-              <a:rPr lang="en-US" b="1" dirty="0"/>
+              <a:rPr lang="en-US" dirty="0">
+                <a:latin typeface="+mj-lt"/>
+              </a:rPr>
               <a:t>SELECT concelho, NULL, NULL, COUNT(</a:t>
             </a:r>
             <a:r>
-              <a:rPr lang="en-US" b="1" dirty="0" err="1"/>
+              <a:rPr lang="en-US" dirty="0" err="1">
+                <a:latin typeface="+mj-lt"/>
+              </a:rPr>
               <a:t>stand_id</a:t>
             </a:r>
             <a:r>
-              <a:rPr lang="en-US" b="1" dirty="0"/>
+              <a:rPr lang="en-US" dirty="0">
+                <a:latin typeface="+mj-lt"/>
+              </a:rPr>
               <a:t>) </a:t>
             </a:r>
-            <a:endParaRPr lang="pt-PT" b="1" dirty="0"/>
+            <a:endParaRPr lang="pt-PT" dirty="0">
+              <a:latin typeface="+mj-lt"/>
+            </a:endParaRPr>
           </a:p>
           <a:p>
             <a:pPr marL="0" indent="0">
               <a:buNone/>
             </a:pPr>
             <a:r>
-              <a:rPr lang="en-US" b="1" dirty="0"/>
+              <a:rPr lang="en-US" dirty="0">
+                <a:latin typeface="+mj-lt"/>
+              </a:rPr>
               <a:t>FROM </a:t>
             </a:r>
             <a:r>
-              <a:rPr lang="en-US" b="1" dirty="0" err="1"/>
+              <a:rPr lang="en-US" dirty="0" err="1">
+                <a:latin typeface="+mj-lt"/>
+              </a:rPr>
               <a:t>dw_local</a:t>
             </a:r>
             <a:r>
-              <a:rPr lang="en-US" b="1" dirty="0"/>
+              <a:rPr lang="en-US" dirty="0">
+                <a:latin typeface="+mj-lt"/>
+              </a:rPr>
               <a:t> WHERE concelho = 'PORTO' </a:t>
             </a:r>
-            <a:endParaRPr lang="pt-PT" b="1" dirty="0"/>
+            <a:endParaRPr lang="pt-PT" dirty="0">
+              <a:latin typeface="+mj-lt"/>
+            </a:endParaRPr>
           </a:p>
           <a:p>
             <a:pPr marL="0" indent="0">
               <a:buNone/>
             </a:pPr>
             <a:r>
-              <a:rPr lang="en-US" b="1" dirty="0"/>
+              <a:rPr lang="en-US" dirty="0">
+                <a:latin typeface="+mj-lt"/>
+              </a:rPr>
               <a:t>GROUP BY concelho UNION ALL </a:t>
             </a:r>
-            <a:endParaRPr lang="pt-PT" b="1" dirty="0"/>
+            <a:endParaRPr lang="pt-PT" dirty="0">
+              <a:latin typeface="+mj-lt"/>
+            </a:endParaRPr>
           </a:p>
           <a:p>
             <a:pPr marL="0" indent="0">
               <a:buNone/>
             </a:pPr>
             <a:r>
-              <a:rPr lang="en-US" b="1" dirty="0"/>
+              <a:rPr lang="en-US" dirty="0">
+                <a:latin typeface="+mj-lt"/>
+              </a:rPr>
               <a:t>SELECT NULL, NULL, NULL, COUNT(</a:t>
             </a:r>
             <a:r>
-              <a:rPr lang="en-US" b="1" dirty="0" err="1"/>
+              <a:rPr lang="en-US" dirty="0" err="1">
+                <a:latin typeface="+mj-lt"/>
+              </a:rPr>
               <a:t>stand_id</a:t>
             </a:r>
             <a:r>
-              <a:rPr lang="en-US" b="1" dirty="0"/>
+              <a:rPr lang="en-US" dirty="0">
+                <a:latin typeface="+mj-lt"/>
+              </a:rPr>
               <a:t>) </a:t>
             </a:r>
-            <a:endParaRPr lang="pt-PT" b="1" dirty="0"/>
+            <a:endParaRPr lang="pt-PT" dirty="0">
+              <a:latin typeface="+mj-lt"/>
+            </a:endParaRPr>
           </a:p>
           <a:p>
             <a:pPr marL="0" indent="0">
               <a:buNone/>
             </a:pPr>
             <a:r>
-              <a:rPr lang="en-US" b="1" dirty="0"/>
+              <a:rPr lang="en-US" dirty="0">
+                <a:latin typeface="+mj-lt"/>
+              </a:rPr>
               <a:t>FROM </a:t>
             </a:r>
             <a:r>
-              <a:rPr lang="en-US" b="1" dirty="0" err="1"/>
+              <a:rPr lang="en-US" dirty="0" err="1">
+                <a:latin typeface="+mj-lt"/>
+              </a:rPr>
               <a:t>dw_local</a:t>
             </a:r>
             <a:r>
-              <a:rPr lang="en-US" b="1" dirty="0"/>
+              <a:rPr lang="en-US" dirty="0">
+                <a:latin typeface="+mj-lt"/>
+              </a:rPr>
               <a:t> WHERE concelho = 'PORTO' </a:t>
             </a:r>
-            <a:endParaRPr lang="pt-PT" b="1" dirty="0"/>
+            <a:endParaRPr lang="pt-PT" dirty="0">
+              <a:latin typeface="+mj-lt"/>
+            </a:endParaRPr>
           </a:p>
           <a:p>
             <a:pPr marL="0" indent="0">
               <a:buNone/>
             </a:pPr>
             <a:r>
-              <a:rPr lang="en-US" b="1" dirty="0"/>
+              <a:rPr lang="en-US" dirty="0">
+                <a:latin typeface="+mj-lt"/>
+              </a:rPr>
               <a:t>ORDER BY concelho, </a:t>
             </a:r>
             <a:r>
-              <a:rPr lang="en-US" b="1" dirty="0" err="1"/>
+              <a:rPr lang="en-US" dirty="0" err="1">
+                <a:latin typeface="+mj-lt"/>
+              </a:rPr>
               <a:t>freguesia</a:t>
             </a:r>
             <a:r>
-              <a:rPr lang="en-US" b="1" dirty="0"/>
+              <a:rPr lang="en-US" dirty="0">
+                <a:latin typeface="+mj-lt"/>
+              </a:rPr>
               <a:t>, </a:t>
             </a:r>
             <a:r>
-              <a:rPr lang="en-US" b="1" dirty="0" err="1"/>
+              <a:rPr lang="en-US" dirty="0" err="1">
+                <a:latin typeface="+mj-lt"/>
+              </a:rPr>
               <a:t>local_id</a:t>
             </a:r>
             <a:r>
-              <a:rPr lang="en-US" b="1" dirty="0"/>
+              <a:rPr lang="en-US" dirty="0">
+                <a:latin typeface="+mj-lt"/>
+              </a:rPr>
               <a:t>;</a:t>
             </a:r>
-            <a:endParaRPr lang="pt-PT" b="1" dirty="0"/>
+            <a:endParaRPr lang="pt-PT" dirty="0">
+              <a:latin typeface="+mj-lt"/>
+            </a:endParaRPr>
           </a:p>
         </p:txBody>
       </p:sp>
@@ -6798,7 +7269,7 @@
           </p:cNvPicPr>
           <p:nvPr/>
         </p:nvPicPr>
-        <p:blipFill>
+        <p:blipFill rotWithShape="1">
           <a:blip r:embed="rId2">
             <a:extLst>
               <a:ext uri="{28A0092B-C50C-407E-A947-70E740481C1C}">
@@ -6806,15 +7277,13 @@
               </a:ext>
             </a:extLst>
           </a:blip>
-          <a:srcRect/>
-          <a:stretch>
-            <a:fillRect/>
-          </a:stretch>
+          <a:srcRect t="2179" r="7948" b="5769"/>
+          <a:stretch/>
         </p:blipFill>
         <p:spPr bwMode="auto">
           <a:xfrm>
-            <a:off x="0" y="0"/>
-            <a:ext cx="12192000" cy="6858000"/>
+            <a:off x="-1" y="0"/>
+            <a:ext cx="12192001" cy="6857999"/>
           </a:xfrm>
           <a:prstGeom prst="rect">
             <a:avLst/>
@@ -6949,7 +7418,7 @@
         </p:nvSpPr>
         <p:spPr>
           <a:xfrm>
-            <a:off x="838200" y="1533832"/>
+            <a:off x="838200" y="1489870"/>
             <a:ext cx="10515600" cy="4994787"/>
           </a:xfrm>
         </p:spPr>
@@ -6963,450 +7432,658 @@
               <a:buNone/>
             </a:pPr>
             <a:r>
-              <a:rPr lang="en-US" b="1" dirty="0"/>
+              <a:rPr lang="en-US" dirty="0">
+                <a:latin typeface="+mj-lt"/>
+              </a:rPr>
               <a:t>SELECT </a:t>
             </a:r>
             <a:r>
-              <a:rPr lang="en-US" b="1" dirty="0" err="1"/>
+              <a:rPr lang="en-US" dirty="0" err="1">
+                <a:latin typeface="+mj-lt"/>
+              </a:rPr>
               <a:t>freguesia</a:t>
             </a:r>
             <a:r>
-              <a:rPr lang="en-US" b="1" dirty="0"/>
+              <a:rPr lang="en-US" dirty="0">
+                <a:latin typeface="+mj-lt"/>
+              </a:rPr>
               <a:t>, COUNT(</a:t>
             </a:r>
             <a:r>
-              <a:rPr lang="en-US" b="1" dirty="0" err="1"/>
+              <a:rPr lang="en-US" dirty="0" err="1">
+                <a:latin typeface="+mj-lt"/>
+              </a:rPr>
               <a:t>mes_i</a:t>
             </a:r>
             <a:r>
-              <a:rPr lang="en-US" b="1" dirty="0"/>
+              <a:rPr lang="en-US" dirty="0">
+                <a:latin typeface="+mj-lt"/>
+              </a:rPr>
               <a:t>), </a:t>
             </a:r>
-            <a:endParaRPr lang="pt-PT" b="1" dirty="0"/>
+            <a:endParaRPr lang="pt-PT" dirty="0">
+              <a:latin typeface="+mj-lt"/>
+            </a:endParaRPr>
           </a:p>
           <a:p>
             <a:pPr marL="0" indent="0">
               <a:buNone/>
             </a:pPr>
             <a:r>
-              <a:rPr lang="en-US" b="1" dirty="0"/>
+              <a:rPr lang="en-US" dirty="0">
+                <a:latin typeface="+mj-lt"/>
+              </a:rPr>
               <a:t>	SUM(case when </a:t>
             </a:r>
             <a:r>
-              <a:rPr lang="en-US" b="1" dirty="0" err="1"/>
+              <a:rPr lang="en-US" dirty="0" err="1">
+                <a:latin typeface="+mj-lt"/>
+              </a:rPr>
               <a:t>mes_i</a:t>
             </a:r>
             <a:r>
-              <a:rPr lang="en-US" b="1" dirty="0"/>
+              <a:rPr lang="en-US" dirty="0">
+                <a:latin typeface="+mj-lt"/>
+              </a:rPr>
               <a:t> = '1' then 1 else 0 end) Janeiro,                                                </a:t>
             </a:r>
-            <a:endParaRPr lang="pt-PT" b="1" dirty="0"/>
+            <a:endParaRPr lang="pt-PT" dirty="0">
+              <a:latin typeface="+mj-lt"/>
+            </a:endParaRPr>
           </a:p>
           <a:p>
             <a:pPr marL="0" indent="0">
               <a:buNone/>
             </a:pPr>
             <a:r>
-              <a:rPr lang="en-US" b="1" dirty="0"/>
+              <a:rPr lang="en-US" dirty="0">
+                <a:latin typeface="+mj-lt"/>
+              </a:rPr>
               <a:t>	SUM(case when </a:t>
             </a:r>
             <a:r>
-              <a:rPr lang="en-US" b="1" dirty="0" err="1"/>
+              <a:rPr lang="en-US" dirty="0" err="1">
+                <a:latin typeface="+mj-lt"/>
+              </a:rPr>
               <a:t>mes_i</a:t>
             </a:r>
             <a:r>
-              <a:rPr lang="en-US" b="1" dirty="0"/>
+              <a:rPr lang="en-US" dirty="0">
+                <a:latin typeface="+mj-lt"/>
+              </a:rPr>
               <a:t> = '2' then 1 else 0 end) </a:t>
             </a:r>
             <a:r>
-              <a:rPr lang="en-US" b="1" dirty="0" err="1"/>
+              <a:rPr lang="en-US" dirty="0" err="1">
+                <a:latin typeface="+mj-lt"/>
+              </a:rPr>
               <a:t>Fevereiro</a:t>
             </a:r>
             <a:r>
-              <a:rPr lang="en-US" b="1" dirty="0"/>
+              <a:rPr lang="en-US" dirty="0">
+                <a:latin typeface="+mj-lt"/>
+              </a:rPr>
               <a:t>,                                                                                                                 </a:t>
             </a:r>
-            <a:endParaRPr lang="pt-PT" b="1" dirty="0"/>
+            <a:endParaRPr lang="pt-PT" dirty="0">
+              <a:latin typeface="+mj-lt"/>
+            </a:endParaRPr>
           </a:p>
           <a:p>
             <a:pPr marL="0" indent="0">
               <a:buNone/>
             </a:pPr>
             <a:r>
-              <a:rPr lang="en-US" b="1" dirty="0"/>
+              <a:rPr lang="en-US" dirty="0">
+                <a:latin typeface="+mj-lt"/>
+              </a:rPr>
               <a:t>	SUM(case when </a:t>
             </a:r>
             <a:r>
-              <a:rPr lang="en-US" b="1" dirty="0" err="1"/>
+              <a:rPr lang="en-US" dirty="0" err="1">
+                <a:latin typeface="+mj-lt"/>
+              </a:rPr>
               <a:t>mes_i</a:t>
             </a:r>
             <a:r>
-              <a:rPr lang="en-US" b="1" dirty="0"/>
+              <a:rPr lang="en-US" dirty="0">
+                <a:latin typeface="+mj-lt"/>
+              </a:rPr>
               <a:t> = '3' then 1 else 0 end) </a:t>
             </a:r>
             <a:r>
-              <a:rPr lang="en-US" b="1" dirty="0" err="1"/>
+              <a:rPr lang="en-US" dirty="0" err="1">
+                <a:latin typeface="+mj-lt"/>
+              </a:rPr>
               <a:t>Março</a:t>
             </a:r>
             <a:r>
-              <a:rPr lang="en-US" b="1" dirty="0"/>
+              <a:rPr lang="en-US" dirty="0">
+                <a:latin typeface="+mj-lt"/>
+              </a:rPr>
               <a:t>,                                                                                                                     </a:t>
             </a:r>
-            <a:endParaRPr lang="pt-PT" b="1" dirty="0"/>
+            <a:endParaRPr lang="pt-PT" dirty="0">
+              <a:latin typeface="+mj-lt"/>
+            </a:endParaRPr>
           </a:p>
           <a:p>
             <a:pPr marL="0" indent="0">
               <a:buNone/>
             </a:pPr>
             <a:r>
-              <a:rPr lang="en-US" b="1" dirty="0"/>
+              <a:rPr lang="en-US" dirty="0">
+                <a:latin typeface="+mj-lt"/>
+              </a:rPr>
               <a:t>	SUM(case when </a:t>
             </a:r>
             <a:r>
-              <a:rPr lang="en-US" b="1" dirty="0" err="1"/>
+              <a:rPr lang="en-US" dirty="0" err="1">
+                <a:latin typeface="+mj-lt"/>
+              </a:rPr>
               <a:t>mes_i</a:t>
             </a:r>
             <a:r>
-              <a:rPr lang="en-US" b="1" dirty="0"/>
+              <a:rPr lang="en-US" dirty="0">
+                <a:latin typeface="+mj-lt"/>
+              </a:rPr>
               <a:t> = '4' then 1 else 0 end) Abril,                                                                                                                     </a:t>
             </a:r>
-            <a:endParaRPr lang="pt-PT" b="1" dirty="0"/>
+            <a:endParaRPr lang="pt-PT" dirty="0">
+              <a:latin typeface="+mj-lt"/>
+            </a:endParaRPr>
           </a:p>
           <a:p>
             <a:pPr marL="0" indent="0">
               <a:buNone/>
             </a:pPr>
             <a:r>
-              <a:rPr lang="en-US" b="1" dirty="0"/>
+              <a:rPr lang="en-US" dirty="0">
+                <a:latin typeface="+mj-lt"/>
+              </a:rPr>
               <a:t>	SUM(case when </a:t>
             </a:r>
             <a:r>
-              <a:rPr lang="en-US" b="1" dirty="0" err="1"/>
+              <a:rPr lang="en-US" dirty="0" err="1">
+                <a:latin typeface="+mj-lt"/>
+              </a:rPr>
               <a:t>mes_i</a:t>
             </a:r>
             <a:r>
-              <a:rPr lang="en-US" b="1" dirty="0"/>
+              <a:rPr lang="en-US" dirty="0">
+                <a:latin typeface="+mj-lt"/>
+              </a:rPr>
               <a:t> = '5' then 1 else 0 end) </a:t>
             </a:r>
             <a:r>
-              <a:rPr lang="en-US" b="1" dirty="0" err="1"/>
+              <a:rPr lang="en-US" dirty="0" err="1">
+                <a:latin typeface="+mj-lt"/>
+              </a:rPr>
               <a:t>Maio</a:t>
             </a:r>
             <a:r>
-              <a:rPr lang="en-US" b="1" dirty="0"/>
+              <a:rPr lang="en-US" dirty="0">
+                <a:latin typeface="+mj-lt"/>
+              </a:rPr>
               <a:t>,                                                                                                                      </a:t>
             </a:r>
-            <a:endParaRPr lang="pt-PT" b="1" dirty="0"/>
+            <a:endParaRPr lang="pt-PT" dirty="0">
+              <a:latin typeface="+mj-lt"/>
+            </a:endParaRPr>
           </a:p>
           <a:p>
             <a:pPr marL="0" indent="0">
               <a:buNone/>
             </a:pPr>
             <a:r>
-              <a:rPr lang="en-US" b="1" dirty="0"/>
+              <a:rPr lang="en-US" dirty="0">
+                <a:latin typeface="+mj-lt"/>
+              </a:rPr>
               <a:t>	SUM(case when </a:t>
             </a:r>
             <a:r>
-              <a:rPr lang="en-US" b="1" dirty="0" err="1"/>
+              <a:rPr lang="en-US" dirty="0" err="1">
+                <a:latin typeface="+mj-lt"/>
+              </a:rPr>
               <a:t>mes_i</a:t>
             </a:r>
             <a:r>
-              <a:rPr lang="en-US" b="1" dirty="0"/>
+              <a:rPr lang="en-US" dirty="0">
+                <a:latin typeface="+mj-lt"/>
+              </a:rPr>
               <a:t> = '6' then 1 else 0 end) </a:t>
             </a:r>
             <a:r>
-              <a:rPr lang="en-US" b="1" dirty="0" err="1"/>
+              <a:rPr lang="en-US" dirty="0" err="1">
+                <a:latin typeface="+mj-lt"/>
+              </a:rPr>
               <a:t>Junho</a:t>
             </a:r>
             <a:r>
-              <a:rPr lang="en-US" b="1" dirty="0"/>
+              <a:rPr lang="en-US" dirty="0">
+                <a:latin typeface="+mj-lt"/>
+              </a:rPr>
               <a:t>,                                                                                                                     </a:t>
             </a:r>
-            <a:endParaRPr lang="pt-PT" b="1" dirty="0"/>
+            <a:endParaRPr lang="pt-PT" dirty="0">
+              <a:latin typeface="+mj-lt"/>
+            </a:endParaRPr>
           </a:p>
           <a:p>
             <a:pPr marL="0" indent="0">
               <a:buNone/>
             </a:pPr>
             <a:r>
-              <a:rPr lang="en-US" b="1" dirty="0"/>
+              <a:rPr lang="en-US" dirty="0">
+                <a:latin typeface="+mj-lt"/>
+              </a:rPr>
               <a:t>	SUM(case when </a:t>
             </a:r>
             <a:r>
-              <a:rPr lang="en-US" b="1" dirty="0" err="1"/>
+              <a:rPr lang="en-US" dirty="0" err="1">
+                <a:latin typeface="+mj-lt"/>
+              </a:rPr>
               <a:t>mes_i</a:t>
             </a:r>
             <a:r>
-              <a:rPr lang="en-US" b="1" dirty="0"/>
+              <a:rPr lang="en-US" dirty="0">
+                <a:latin typeface="+mj-lt"/>
+              </a:rPr>
               <a:t> = '7' then 1 else 0 end) </a:t>
             </a:r>
             <a:r>
-              <a:rPr lang="en-US" b="1" dirty="0" err="1"/>
+              <a:rPr lang="en-US" dirty="0" err="1">
+                <a:latin typeface="+mj-lt"/>
+              </a:rPr>
               <a:t>Julho</a:t>
             </a:r>
             <a:r>
-              <a:rPr lang="en-US" b="1" dirty="0"/>
+              <a:rPr lang="en-US" dirty="0">
+                <a:latin typeface="+mj-lt"/>
+              </a:rPr>
               <a:t>,                                                                                                                     </a:t>
             </a:r>
-            <a:endParaRPr lang="pt-PT" b="1" dirty="0"/>
+            <a:endParaRPr lang="pt-PT" dirty="0">
+              <a:latin typeface="+mj-lt"/>
+            </a:endParaRPr>
           </a:p>
           <a:p>
             <a:pPr marL="0" indent="0">
               <a:buNone/>
             </a:pPr>
             <a:r>
-              <a:rPr lang="en-US" b="1" dirty="0"/>
+              <a:rPr lang="en-US" dirty="0">
+                <a:latin typeface="+mj-lt"/>
+              </a:rPr>
               <a:t>	SUM(case when </a:t>
             </a:r>
             <a:r>
-              <a:rPr lang="en-US" b="1" dirty="0" err="1"/>
+              <a:rPr lang="en-US" dirty="0" err="1">
+                <a:latin typeface="+mj-lt"/>
+              </a:rPr>
               <a:t>mes_i</a:t>
             </a:r>
             <a:r>
-              <a:rPr lang="en-US" b="1" dirty="0"/>
+              <a:rPr lang="en-US" dirty="0">
+                <a:latin typeface="+mj-lt"/>
+              </a:rPr>
               <a:t> = '8' then 1 else 0 end) Agosto,                                                                                                                    </a:t>
             </a:r>
-            <a:endParaRPr lang="pt-PT" b="1" dirty="0"/>
+            <a:endParaRPr lang="pt-PT" dirty="0">
+              <a:latin typeface="+mj-lt"/>
+            </a:endParaRPr>
           </a:p>
           <a:p>
             <a:pPr marL="0" indent="0">
               <a:buNone/>
             </a:pPr>
             <a:r>
-              <a:rPr lang="en-US" b="1" dirty="0"/>
+              <a:rPr lang="en-US" dirty="0">
+                <a:latin typeface="+mj-lt"/>
+              </a:rPr>
               <a:t>	SUM(case when </a:t>
             </a:r>
             <a:r>
-              <a:rPr lang="en-US" b="1" dirty="0" err="1"/>
+              <a:rPr lang="en-US" dirty="0" err="1">
+                <a:latin typeface="+mj-lt"/>
+              </a:rPr>
               <a:t>mes_i</a:t>
             </a:r>
             <a:r>
-              <a:rPr lang="en-US" b="1" dirty="0"/>
+              <a:rPr lang="en-US" dirty="0">
+                <a:latin typeface="+mj-lt"/>
+              </a:rPr>
               <a:t> = '9' then 1 else 0 end) </a:t>
             </a:r>
             <a:r>
-              <a:rPr lang="en-US" b="1" dirty="0" err="1"/>
+              <a:rPr lang="en-US" dirty="0" err="1">
+                <a:latin typeface="+mj-lt"/>
+              </a:rPr>
               <a:t>Setembro</a:t>
             </a:r>
             <a:r>
-              <a:rPr lang="en-US" b="1" dirty="0"/>
+              <a:rPr lang="en-US" dirty="0">
+                <a:latin typeface="+mj-lt"/>
+              </a:rPr>
               <a:t>,                                                                                                                  </a:t>
             </a:r>
-            <a:endParaRPr lang="pt-PT" b="1" dirty="0"/>
+            <a:endParaRPr lang="pt-PT" dirty="0">
+              <a:latin typeface="+mj-lt"/>
+            </a:endParaRPr>
           </a:p>
           <a:p>
             <a:pPr marL="0" indent="0">
               <a:buNone/>
             </a:pPr>
             <a:r>
-              <a:rPr lang="en-US" b="1" dirty="0"/>
+              <a:rPr lang="en-US" dirty="0">
+                <a:latin typeface="+mj-lt"/>
+              </a:rPr>
               <a:t>	SUM(case when </a:t>
             </a:r>
             <a:r>
-              <a:rPr lang="en-US" b="1" dirty="0" err="1"/>
+              <a:rPr lang="en-US" dirty="0" err="1">
+                <a:latin typeface="+mj-lt"/>
+              </a:rPr>
               <a:t>mes_i</a:t>
             </a:r>
             <a:r>
-              <a:rPr lang="en-US" b="1" dirty="0"/>
+              <a:rPr lang="en-US" dirty="0">
+                <a:latin typeface="+mj-lt"/>
+              </a:rPr>
               <a:t> = '10' then 1 else 0 end) </a:t>
             </a:r>
             <a:r>
-              <a:rPr lang="en-US" b="1" dirty="0" err="1"/>
+              <a:rPr lang="en-US" dirty="0" err="1">
+                <a:latin typeface="+mj-lt"/>
+              </a:rPr>
               <a:t>Outubro</a:t>
             </a:r>
             <a:r>
-              <a:rPr lang="en-US" b="1" dirty="0"/>
+              <a:rPr lang="en-US" dirty="0">
+                <a:latin typeface="+mj-lt"/>
+              </a:rPr>
               <a:t>,                                                                                                                  </a:t>
             </a:r>
-            <a:endParaRPr lang="pt-PT" b="1" dirty="0"/>
+            <a:endParaRPr lang="pt-PT" dirty="0">
+              <a:latin typeface="+mj-lt"/>
+            </a:endParaRPr>
           </a:p>
           <a:p>
             <a:pPr marL="0" indent="0">
               <a:buNone/>
             </a:pPr>
             <a:r>
-              <a:rPr lang="en-US" b="1" dirty="0"/>
+              <a:rPr lang="en-US" dirty="0">
+                <a:latin typeface="+mj-lt"/>
+              </a:rPr>
               <a:t>	SUM(case when </a:t>
             </a:r>
             <a:r>
-              <a:rPr lang="en-US" b="1" dirty="0" err="1"/>
+              <a:rPr lang="en-US" dirty="0" err="1">
+                <a:latin typeface="+mj-lt"/>
+              </a:rPr>
               <a:t>mes_i</a:t>
             </a:r>
             <a:r>
-              <a:rPr lang="en-US" b="1" dirty="0"/>
+              <a:rPr lang="en-US" dirty="0">
+                <a:latin typeface="+mj-lt"/>
+              </a:rPr>
               <a:t> = '11' then 1 else 0 end) </a:t>
             </a:r>
             <a:r>
-              <a:rPr lang="en-US" b="1" dirty="0" err="1"/>
+              <a:rPr lang="en-US" dirty="0" err="1">
+                <a:latin typeface="+mj-lt"/>
+              </a:rPr>
               <a:t>Novembro</a:t>
             </a:r>
             <a:r>
-              <a:rPr lang="en-US" b="1" dirty="0"/>
+              <a:rPr lang="en-US" dirty="0">
+                <a:latin typeface="+mj-lt"/>
+              </a:rPr>
               <a:t>,                                                                                                                 </a:t>
             </a:r>
-            <a:endParaRPr lang="pt-PT" b="1" dirty="0"/>
+            <a:endParaRPr lang="pt-PT" dirty="0">
+              <a:latin typeface="+mj-lt"/>
+            </a:endParaRPr>
           </a:p>
           <a:p>
             <a:pPr marL="0" indent="0">
               <a:buNone/>
             </a:pPr>
             <a:r>
-              <a:rPr lang="en-US" b="1" dirty="0"/>
+              <a:rPr lang="en-US" dirty="0">
+                <a:latin typeface="+mj-lt"/>
+              </a:rPr>
               <a:t>	SUM(case when </a:t>
             </a:r>
             <a:r>
-              <a:rPr lang="en-US" b="1" dirty="0" err="1"/>
+              <a:rPr lang="en-US" dirty="0" err="1">
+                <a:latin typeface="+mj-lt"/>
+              </a:rPr>
               <a:t>mes_i</a:t>
             </a:r>
             <a:r>
-              <a:rPr lang="en-US" b="1" dirty="0"/>
+              <a:rPr lang="en-US" dirty="0">
+                <a:latin typeface="+mj-lt"/>
+              </a:rPr>
               <a:t> = '12' then 1 else 0 end) </a:t>
             </a:r>
             <a:r>
-              <a:rPr lang="en-US" b="1" dirty="0" err="1"/>
+              <a:rPr lang="en-US" dirty="0" err="1">
+                <a:latin typeface="+mj-lt"/>
+              </a:rPr>
               <a:t>Dezembro</a:t>
             </a:r>
             <a:r>
-              <a:rPr lang="en-US" b="1" dirty="0"/>
+              <a:rPr lang="en-US" dirty="0">
+                <a:latin typeface="+mj-lt"/>
+              </a:rPr>
               <a:t>                                                                                                                  </a:t>
             </a:r>
-            <a:endParaRPr lang="pt-PT" b="1" dirty="0"/>
+            <a:endParaRPr lang="pt-PT" dirty="0">
+              <a:latin typeface="+mj-lt"/>
+            </a:endParaRPr>
           </a:p>
           <a:p>
             <a:pPr marL="0" indent="0">
               <a:buNone/>
             </a:pPr>
             <a:r>
-              <a:rPr lang="en-US" b="1" dirty="0"/>
+              <a:rPr lang="en-US" dirty="0">
+                <a:latin typeface="+mj-lt"/>
+              </a:rPr>
               <a:t>FROM(SELECT </a:t>
             </a:r>
             <a:r>
-              <a:rPr lang="en-US" b="1" dirty="0" err="1"/>
+              <a:rPr lang="en-US" dirty="0" err="1">
+                <a:latin typeface="+mj-lt"/>
+              </a:rPr>
               <a:t>t.mes_i</a:t>
             </a:r>
             <a:r>
-              <a:rPr lang="en-US" b="1" dirty="0"/>
+              <a:rPr lang="en-US" dirty="0">
+                <a:latin typeface="+mj-lt"/>
+              </a:rPr>
               <a:t>, </a:t>
             </a:r>
             <a:r>
-              <a:rPr lang="en-US" b="1" dirty="0" err="1"/>
+              <a:rPr lang="en-US" dirty="0" err="1">
+                <a:latin typeface="+mj-lt"/>
+              </a:rPr>
               <a:t>l.freguesia</a:t>
             </a:r>
             <a:r>
-              <a:rPr lang="en-US" b="1" dirty="0"/>
+              <a:rPr lang="en-US" dirty="0">
+                <a:latin typeface="+mj-lt"/>
+              </a:rPr>
               <a:t> FROM </a:t>
             </a:r>
             <a:r>
-              <a:rPr lang="en-US" b="1" dirty="0" err="1"/>
+              <a:rPr lang="en-US" dirty="0" err="1">
+                <a:latin typeface="+mj-lt"/>
+              </a:rPr>
               <a:t>dw_taxi_services</a:t>
             </a:r>
             <a:r>
-              <a:rPr lang="en-US" b="1" dirty="0"/>
+              <a:rPr lang="en-US" dirty="0">
+                <a:latin typeface="+mj-lt"/>
+              </a:rPr>
               <a:t> AS s </a:t>
             </a:r>
-            <a:endParaRPr lang="pt-PT" b="1" dirty="0"/>
+            <a:endParaRPr lang="pt-PT" dirty="0">
+              <a:latin typeface="+mj-lt"/>
+            </a:endParaRPr>
           </a:p>
           <a:p>
             <a:pPr marL="0" indent="0">
               <a:buNone/>
             </a:pPr>
             <a:r>
-              <a:rPr lang="en-US" b="1" dirty="0"/>
+              <a:rPr lang="en-US" dirty="0">
+                <a:latin typeface="+mj-lt"/>
+              </a:rPr>
               <a:t>	INNER JOIN </a:t>
             </a:r>
             <a:r>
-              <a:rPr lang="en-US" b="1" dirty="0" err="1"/>
+              <a:rPr lang="en-US" dirty="0" err="1">
+                <a:latin typeface="+mj-lt"/>
+              </a:rPr>
               <a:t>dw_tempo</a:t>
             </a:r>
             <a:r>
-              <a:rPr lang="en-US" b="1" dirty="0"/>
+              <a:rPr lang="en-US" dirty="0">
+                <a:latin typeface="+mj-lt"/>
+              </a:rPr>
               <a:t> t ON </a:t>
             </a:r>
             <a:r>
-              <a:rPr lang="en-US" b="1" dirty="0" err="1"/>
+              <a:rPr lang="en-US" dirty="0" err="1">
+                <a:latin typeface="+mj-lt"/>
+              </a:rPr>
               <a:t>s.tempo_id</a:t>
             </a:r>
             <a:r>
-              <a:rPr lang="en-US" b="1" dirty="0"/>
+              <a:rPr lang="en-US" dirty="0">
+                <a:latin typeface="+mj-lt"/>
+              </a:rPr>
               <a:t> = </a:t>
             </a:r>
             <a:r>
-              <a:rPr lang="en-US" b="1" dirty="0" err="1"/>
+              <a:rPr lang="en-US" dirty="0" err="1">
+                <a:latin typeface="+mj-lt"/>
+              </a:rPr>
               <a:t>t.tempo_id</a:t>
             </a:r>
             <a:r>
-              <a:rPr lang="en-US" b="1" dirty="0"/>
+              <a:rPr lang="en-US" dirty="0">
+                <a:latin typeface="+mj-lt"/>
+              </a:rPr>
               <a:t> </a:t>
             </a:r>
-            <a:endParaRPr lang="pt-PT" b="1" dirty="0"/>
+            <a:endParaRPr lang="pt-PT" dirty="0">
+              <a:latin typeface="+mj-lt"/>
+            </a:endParaRPr>
           </a:p>
           <a:p>
             <a:pPr marL="0" indent="0">
               <a:buNone/>
             </a:pPr>
             <a:r>
-              <a:rPr lang="en-US" b="1" dirty="0"/>
+              <a:rPr lang="en-US" dirty="0">
+                <a:latin typeface="+mj-lt"/>
+              </a:rPr>
               <a:t>	INNER JOIN </a:t>
             </a:r>
             <a:r>
-              <a:rPr lang="en-US" b="1" dirty="0" err="1"/>
+              <a:rPr lang="en-US" dirty="0" err="1">
+                <a:latin typeface="+mj-lt"/>
+              </a:rPr>
               <a:t>dw_local</a:t>
             </a:r>
             <a:r>
-              <a:rPr lang="en-US" b="1" dirty="0"/>
+              <a:rPr lang="en-US" dirty="0">
+                <a:latin typeface="+mj-lt"/>
+              </a:rPr>
               <a:t> l ON </a:t>
             </a:r>
             <a:r>
-              <a:rPr lang="en-US" b="1" dirty="0" err="1"/>
+              <a:rPr lang="en-US" dirty="0" err="1">
+                <a:latin typeface="+mj-lt"/>
+              </a:rPr>
               <a:t>l.local_id</a:t>
             </a:r>
             <a:r>
-              <a:rPr lang="en-US" b="1" dirty="0"/>
+              <a:rPr lang="en-US" dirty="0">
+                <a:latin typeface="+mj-lt"/>
+              </a:rPr>
               <a:t> = </a:t>
             </a:r>
             <a:r>
-              <a:rPr lang="en-US" b="1" dirty="0" err="1"/>
+              <a:rPr lang="en-US" dirty="0" err="1">
+                <a:latin typeface="+mj-lt"/>
+              </a:rPr>
               <a:t>s.local_i_id</a:t>
             </a:r>
             <a:r>
-              <a:rPr lang="en-US" b="1" dirty="0"/>
+              <a:rPr lang="en-US" dirty="0">
+                <a:latin typeface="+mj-lt"/>
+              </a:rPr>
               <a:t>) AS </a:t>
             </a:r>
             <a:r>
-              <a:rPr lang="en-US" b="1" dirty="0" err="1"/>
+              <a:rPr lang="en-US" dirty="0" err="1">
+                <a:latin typeface="+mj-lt"/>
+              </a:rPr>
               <a:t>cs</a:t>
             </a:r>
             <a:r>
-              <a:rPr lang="en-US" b="1" dirty="0"/>
+              <a:rPr lang="en-US" dirty="0">
+                <a:latin typeface="+mj-lt"/>
+              </a:rPr>
               <a:t> </a:t>
             </a:r>
-            <a:endParaRPr lang="pt-PT" b="1" dirty="0"/>
+            <a:endParaRPr lang="pt-PT" dirty="0">
+              <a:latin typeface="+mj-lt"/>
+            </a:endParaRPr>
           </a:p>
           <a:p>
             <a:pPr marL="0" indent="0">
               <a:buNone/>
             </a:pPr>
             <a:r>
-              <a:rPr lang="en-US" b="1" dirty="0"/>
+              <a:rPr lang="en-US" dirty="0">
+                <a:latin typeface="+mj-lt"/>
+              </a:rPr>
               <a:t>GROUP BY </a:t>
             </a:r>
             <a:r>
-              <a:rPr lang="en-US" b="1" dirty="0" err="1"/>
+              <a:rPr lang="en-US" dirty="0" err="1">
+                <a:latin typeface="+mj-lt"/>
+              </a:rPr>
               <a:t>freguesia</a:t>
             </a:r>
             <a:r>
-              <a:rPr lang="en-US" b="1" dirty="0"/>
+              <a:rPr lang="en-US" dirty="0">
+                <a:latin typeface="+mj-lt"/>
+              </a:rPr>
               <a:t> ORDER BY </a:t>
             </a:r>
             <a:r>
-              <a:rPr lang="en-US" b="1" dirty="0" err="1"/>
+              <a:rPr lang="en-US" dirty="0" err="1">
+                <a:latin typeface="+mj-lt"/>
+              </a:rPr>
               <a:t>freguesia</a:t>
             </a:r>
             <a:r>
-              <a:rPr lang="en-US" b="1" dirty="0"/>
+              <a:rPr lang="en-US" dirty="0">
+                <a:latin typeface="+mj-lt"/>
+              </a:rPr>
               <a:t>; </a:t>
             </a:r>
-            <a:endParaRPr lang="pt-PT" b="1" dirty="0"/>
+            <a:endParaRPr lang="pt-PT" dirty="0">
+              <a:latin typeface="+mj-lt"/>
+            </a:endParaRPr>
           </a:p>
         </p:txBody>
       </p:sp>
@@ -7428,15 +8105,9 @@
   <p:cSld>
     <p:bg>
       <p:bgPr>
-        <a:blipFill dpi="0" rotWithShape="1">
-          <a:blip r:embed="rId2">
-            <a:lum/>
-          </a:blip>
-          <a:srcRect/>
-          <a:stretch>
-            <a:fillRect t="6000" b="6000"/>
-          </a:stretch>
-        </a:blipFill>
+        <a:solidFill>
+          <a:schemeClr val="tx1"/>
+        </a:solidFill>
         <a:effectLst/>
       </p:bgPr>
     </p:bg>
@@ -7454,10 +8125,34 @@
           <a:chExt cx="0" cy="0"/>
         </a:xfrm>
       </p:grpSpPr>
+      <p:pic>
+        <p:nvPicPr>
+          <p:cNvPr id="5" name="Imagem 4"/>
+          <p:cNvPicPr>
+            <a:picLocks noChangeAspect="1"/>
+          </p:cNvPicPr>
+          <p:nvPr/>
+        </p:nvPicPr>
+        <p:blipFill>
+          <a:blip r:embed="rId2"/>
+          <a:stretch>
+            <a:fillRect/>
+          </a:stretch>
+        </p:blipFill>
+        <p:spPr>
+          <a:xfrm>
+            <a:off x="76200" y="333375"/>
+            <a:ext cx="12039600" cy="6191250"/>
+          </a:xfrm>
+          <a:prstGeom prst="rect">
+            <a:avLst/>
+          </a:prstGeom>
+        </p:spPr>
+      </p:pic>
     </p:spTree>
     <p:extLst>
       <p:ext uri="{BB962C8B-B14F-4D97-AF65-F5344CB8AC3E}">
-        <p14:creationId xmlns:p14="http://schemas.microsoft.com/office/powerpoint/2010/main" val="4129613596"/>
+        <p14:creationId xmlns:p14="http://schemas.microsoft.com/office/powerpoint/2010/main" val="3550272498"/>
       </p:ext>
     </p:extLst>
   </p:cSld>
@@ -8011,7 +8706,7 @@
         </p:nvSpPr>
         <p:spPr>
           <a:xfrm>
-            <a:off x="838200" y="2057400"/>
+            <a:off x="838198" y="1859194"/>
             <a:ext cx="7659255" cy="1332346"/>
           </a:xfrm>
         </p:spPr>
@@ -8062,7 +8757,7 @@
           </p:cNvPicPr>
           <p:nvPr/>
         </p:nvPicPr>
-        <p:blipFill>
+        <p:blipFill rotWithShape="1">
           <a:blip r:embed="rId3">
             <a:extLst>
               <a:ext uri="{28A0092B-C50C-407E-A947-70E740481C1C}">
@@ -8070,14 +8765,13 @@
               </a:ext>
             </a:extLst>
           </a:blip>
-          <a:stretch>
-            <a:fillRect/>
-          </a:stretch>
+          <a:srcRect t="2067" b="1"/>
+          <a:stretch/>
         </p:blipFill>
         <p:spPr>
           <a:xfrm>
-            <a:off x="1650999" y="3389746"/>
-            <a:ext cx="6033655" cy="2980974"/>
+            <a:off x="1650997" y="3226798"/>
+            <a:ext cx="6033655" cy="2919360"/>
           </a:xfrm>
           <a:prstGeom prst="rect">
             <a:avLst/>
@@ -8201,7 +8895,7 @@
         </p:nvSpPr>
         <p:spPr>
           <a:xfrm>
-            <a:off x="838199" y="2057399"/>
+            <a:off x="838200" y="1891179"/>
             <a:ext cx="7566892" cy="764523"/>
           </a:xfrm>
         </p:spPr>
@@ -8252,7 +8946,7 @@
           </p:cNvPicPr>
           <p:nvPr/>
         </p:nvPicPr>
-        <p:blipFill>
+        <p:blipFill rotWithShape="1">
           <a:blip r:embed="rId3">
             <a:extLst>
               <a:ext uri="{28A0092B-C50C-407E-A947-70E740481C1C}">
@@ -8260,14 +8954,13 @@
               </a:ext>
             </a:extLst>
           </a:blip>
-          <a:stretch>
-            <a:fillRect/>
-          </a:stretch>
+          <a:srcRect l="389" r="1"/>
+          <a:stretch/>
         </p:blipFill>
         <p:spPr>
           <a:xfrm>
-            <a:off x="1686238" y="2821922"/>
-            <a:ext cx="5859872" cy="3477418"/>
+            <a:off x="1703105" y="2655702"/>
+            <a:ext cx="5837082" cy="3477418"/>
           </a:xfrm>
           <a:prstGeom prst="rect">
             <a:avLst/>
@@ -8388,7 +9081,7 @@
         </p:nvSpPr>
         <p:spPr>
           <a:xfrm>
-            <a:off x="838199" y="2057400"/>
+            <a:off x="838197" y="1825625"/>
             <a:ext cx="7511473" cy="1480128"/>
           </a:xfrm>
         </p:spPr>
@@ -8398,9 +9091,7 @@
           <a:p>
             <a:pPr algn="just"/>
             <a:r>
-              <a:rPr lang="pt-PT" dirty="0">
-                <a:latin typeface="+mj-lt"/>
-              </a:rPr>
+              <a:rPr lang="pt-PT" dirty="0"/>
               <a:t>Contém informações temporais relativas ao início do serviço, assim como do seu final.</a:t>
             </a:r>
           </a:p>
@@ -8448,7 +9139,7 @@
           </p:cNvPicPr>
           <p:nvPr/>
         </p:nvPicPr>
-        <p:blipFill>
+        <p:blipFill rotWithShape="1">
           <a:blip r:embed="rId3">
             <a:extLst>
               <a:ext uri="{28A0092B-C50C-407E-A947-70E740481C1C}">
@@ -8456,14 +9147,13 @@
               </a:ext>
             </a:extLst>
           </a:blip>
-          <a:stretch>
-            <a:fillRect/>
-          </a:stretch>
+          <a:srcRect l="140"/>
+          <a:stretch/>
         </p:blipFill>
         <p:spPr>
           <a:xfrm>
-            <a:off x="1609434" y="3537528"/>
-            <a:ext cx="5969001" cy="2800392"/>
+            <a:off x="1617785" y="3331454"/>
+            <a:ext cx="5960648" cy="2800392"/>
           </a:xfrm>
           <a:prstGeom prst="rect">
             <a:avLst/>
@@ -8587,7 +9277,7 @@
         </p:nvSpPr>
         <p:spPr>
           <a:xfrm>
-            <a:off x="838200" y="2057399"/>
+            <a:off x="838200" y="1825625"/>
             <a:ext cx="7299036" cy="764523"/>
           </a:xfrm>
         </p:spPr>
@@ -8597,21 +9287,17 @@
           <a:p>
             <a:pPr algn="just"/>
             <a:r>
+              <a:rPr lang="pt-PT" dirty="0"/>
+              <a:t>Simples exportação da tabela </a:t>
+            </a:r>
+            <a:r>
               <a:rPr lang="pt-PT" dirty="0">
                 <a:latin typeface="+mj-lt"/>
               </a:rPr>
-              <a:t>Simples exportação da tabela </a:t>
-            </a:r>
-            <a:r>
-              <a:rPr lang="pt-PT" i="1" dirty="0" err="1">
-                <a:latin typeface="+mj-lt"/>
-              </a:rPr>
-              <a:t>táxi_stands</a:t>
-            </a:r>
-            <a:r>
-              <a:rPr lang="pt-PT" dirty="0">
-                <a:latin typeface="+mj-lt"/>
-              </a:rPr>
+              <a:t>TAXI_STANDS</a:t>
+            </a:r>
+            <a:r>
+              <a:rPr lang="pt-PT" dirty="0"/>
               <a:t>.</a:t>
             </a:r>
           </a:p>
@@ -8663,7 +9349,7 @@
         </p:blipFill>
         <p:spPr>
           <a:xfrm>
-            <a:off x="1660236" y="2821922"/>
+            <a:off x="1660236" y="2590148"/>
             <a:ext cx="5654964" cy="3392978"/>
           </a:xfrm>
           <a:prstGeom prst="rect">
